--- a/projects/project_capstone/Project_Capstone_Presentation.pptx
+++ b/projects/project_capstone/Project_Capstone_Presentation.pptx
@@ -5,7 +5,7 @@
     <p:sldMasterId id="2147483699" r:id="rId1"/>
   </p:sldMasterIdLst>
   <p:notesMasterIdLst>
-    <p:notesMasterId r:id="rId7"/>
+    <p:notesMasterId r:id="rId12"/>
   </p:notesMasterIdLst>
   <p:sldIdLst>
     <p:sldId id="256" r:id="rId2"/>
@@ -13,6 +13,11 @@
     <p:sldId id="261" r:id="rId4"/>
     <p:sldId id="259" r:id="rId5"/>
     <p:sldId id="260" r:id="rId6"/>
+    <p:sldId id="268" r:id="rId7"/>
+    <p:sldId id="262" r:id="rId8"/>
+    <p:sldId id="269" r:id="rId9"/>
+    <p:sldId id="270" r:id="rId10"/>
+    <p:sldId id="264" r:id="rId11"/>
   </p:sldIdLst>
   <p:sldSz cx="12192000" cy="6858000"/>
   <p:notesSz cx="6858000" cy="9144000"/>
@@ -117,6 +122,2821 @@
     </p:ext>
   </p:extLst>
 </p:presentation>
+</file>
+
+<file path=ppt/diagrams/colors1.xml><?xml version="1.0" encoding="utf-8"?>
+<dgm:colorsDef xmlns:dgm="http://schemas.openxmlformats.org/drawingml/2006/diagram" xmlns:a="http://schemas.openxmlformats.org/drawingml/2006/main" uniqueId="urn:microsoft.com/office/officeart/2005/8/colors/accent1_2">
+  <dgm:title val=""/>
+  <dgm:desc val=""/>
+  <dgm:catLst>
+    <dgm:cat type="accent1" pri="11200"/>
+  </dgm:catLst>
+  <dgm:styleLbl name="node0">
+    <dgm:fillClrLst meth="repeat">
+      <a:schemeClr val="accent1"/>
+    </dgm:fillClrLst>
+    <dgm:linClrLst meth="repeat">
+      <a:schemeClr val="lt1"/>
+    </dgm:linClrLst>
+    <dgm:effectClrLst/>
+    <dgm:txLinClrLst/>
+    <dgm:txFillClrLst/>
+    <dgm:txEffectClrLst/>
+  </dgm:styleLbl>
+  <dgm:styleLbl name="alignNode1">
+    <dgm:fillClrLst meth="repeat">
+      <a:schemeClr val="accent1"/>
+    </dgm:fillClrLst>
+    <dgm:linClrLst meth="repeat">
+      <a:schemeClr val="accent1"/>
+    </dgm:linClrLst>
+    <dgm:effectClrLst/>
+    <dgm:txLinClrLst/>
+    <dgm:txFillClrLst/>
+    <dgm:txEffectClrLst/>
+  </dgm:styleLbl>
+  <dgm:styleLbl name="node1">
+    <dgm:fillClrLst meth="repeat">
+      <a:schemeClr val="accent1"/>
+    </dgm:fillClrLst>
+    <dgm:linClrLst meth="repeat">
+      <a:schemeClr val="lt1"/>
+    </dgm:linClrLst>
+    <dgm:effectClrLst/>
+    <dgm:txLinClrLst/>
+    <dgm:txFillClrLst/>
+    <dgm:txEffectClrLst/>
+  </dgm:styleLbl>
+  <dgm:styleLbl name="lnNode1">
+    <dgm:fillClrLst meth="repeat">
+      <a:schemeClr val="accent1"/>
+    </dgm:fillClrLst>
+    <dgm:linClrLst meth="repeat">
+      <a:schemeClr val="lt1"/>
+    </dgm:linClrLst>
+    <dgm:effectClrLst/>
+    <dgm:txLinClrLst/>
+    <dgm:txFillClrLst/>
+    <dgm:txEffectClrLst/>
+  </dgm:styleLbl>
+  <dgm:styleLbl name="vennNode1">
+    <dgm:fillClrLst meth="repeat">
+      <a:schemeClr val="accent1">
+        <a:alpha val="50000"/>
+      </a:schemeClr>
+    </dgm:fillClrLst>
+    <dgm:linClrLst meth="repeat">
+      <a:schemeClr val="lt1"/>
+    </dgm:linClrLst>
+    <dgm:effectClrLst/>
+    <dgm:txLinClrLst/>
+    <dgm:txFillClrLst/>
+    <dgm:txEffectClrLst/>
+  </dgm:styleLbl>
+  <dgm:styleLbl name="node2">
+    <dgm:fillClrLst meth="repeat">
+      <a:schemeClr val="accent1"/>
+    </dgm:fillClrLst>
+    <dgm:linClrLst meth="repeat">
+      <a:schemeClr val="lt1"/>
+    </dgm:linClrLst>
+    <dgm:effectClrLst/>
+    <dgm:txLinClrLst/>
+    <dgm:txFillClrLst/>
+    <dgm:txEffectClrLst/>
+  </dgm:styleLbl>
+  <dgm:styleLbl name="node3">
+    <dgm:fillClrLst meth="repeat">
+      <a:schemeClr val="accent1"/>
+    </dgm:fillClrLst>
+    <dgm:linClrLst meth="repeat">
+      <a:schemeClr val="lt1"/>
+    </dgm:linClrLst>
+    <dgm:effectClrLst/>
+    <dgm:txLinClrLst/>
+    <dgm:txFillClrLst/>
+    <dgm:txEffectClrLst/>
+  </dgm:styleLbl>
+  <dgm:styleLbl name="node4">
+    <dgm:fillClrLst meth="repeat">
+      <a:schemeClr val="accent1"/>
+    </dgm:fillClrLst>
+    <dgm:linClrLst meth="repeat">
+      <a:schemeClr val="lt1"/>
+    </dgm:linClrLst>
+    <dgm:effectClrLst/>
+    <dgm:txLinClrLst/>
+    <dgm:txFillClrLst/>
+    <dgm:txEffectClrLst/>
+  </dgm:styleLbl>
+  <dgm:styleLbl name="fgImgPlace1">
+    <dgm:fillClrLst meth="repeat">
+      <a:schemeClr val="accent1">
+        <a:tint val="50000"/>
+      </a:schemeClr>
+    </dgm:fillClrLst>
+    <dgm:linClrLst meth="repeat">
+      <a:schemeClr val="lt1"/>
+    </dgm:linClrLst>
+    <dgm:effectClrLst/>
+    <dgm:txLinClrLst/>
+    <dgm:txFillClrLst meth="repeat">
+      <a:schemeClr val="lt1"/>
+    </dgm:txFillClrLst>
+    <dgm:txEffectClrLst/>
+  </dgm:styleLbl>
+  <dgm:styleLbl name="alignImgPlace1">
+    <dgm:fillClrLst meth="repeat">
+      <a:schemeClr val="accent1">
+        <a:tint val="50000"/>
+      </a:schemeClr>
+    </dgm:fillClrLst>
+    <dgm:linClrLst meth="repeat">
+      <a:schemeClr val="lt1"/>
+    </dgm:linClrLst>
+    <dgm:effectClrLst/>
+    <dgm:txLinClrLst/>
+    <dgm:txFillClrLst meth="repeat">
+      <a:schemeClr val="lt1"/>
+    </dgm:txFillClrLst>
+    <dgm:txEffectClrLst/>
+  </dgm:styleLbl>
+  <dgm:styleLbl name="bgImgPlace1">
+    <dgm:fillClrLst meth="repeat">
+      <a:schemeClr val="accent1">
+        <a:tint val="50000"/>
+      </a:schemeClr>
+    </dgm:fillClrLst>
+    <dgm:linClrLst meth="repeat">
+      <a:schemeClr val="lt1"/>
+    </dgm:linClrLst>
+    <dgm:effectClrLst/>
+    <dgm:txLinClrLst/>
+    <dgm:txFillClrLst meth="repeat">
+      <a:schemeClr val="lt1"/>
+    </dgm:txFillClrLst>
+    <dgm:txEffectClrLst/>
+  </dgm:styleLbl>
+  <dgm:styleLbl name="sibTrans2D1">
+    <dgm:fillClrLst meth="repeat">
+      <a:schemeClr val="accent1">
+        <a:tint val="60000"/>
+      </a:schemeClr>
+    </dgm:fillClrLst>
+    <dgm:linClrLst meth="repeat">
+      <a:schemeClr val="accent1">
+        <a:tint val="60000"/>
+      </a:schemeClr>
+    </dgm:linClrLst>
+    <dgm:effectClrLst/>
+    <dgm:txLinClrLst/>
+    <dgm:txFillClrLst/>
+    <dgm:txEffectClrLst/>
+  </dgm:styleLbl>
+  <dgm:styleLbl name="fgSibTrans2D1">
+    <dgm:fillClrLst meth="repeat">
+      <a:schemeClr val="accent1">
+        <a:tint val="60000"/>
+      </a:schemeClr>
+    </dgm:fillClrLst>
+    <dgm:linClrLst meth="repeat">
+      <a:schemeClr val="accent1">
+        <a:tint val="60000"/>
+      </a:schemeClr>
+    </dgm:linClrLst>
+    <dgm:effectClrLst/>
+    <dgm:txLinClrLst/>
+    <dgm:txFillClrLst/>
+    <dgm:txEffectClrLst/>
+  </dgm:styleLbl>
+  <dgm:styleLbl name="bgSibTrans2D1">
+    <dgm:fillClrLst meth="repeat">
+      <a:schemeClr val="accent1">
+        <a:tint val="60000"/>
+      </a:schemeClr>
+    </dgm:fillClrLst>
+    <dgm:linClrLst meth="repeat">
+      <a:schemeClr val="accent1">
+        <a:tint val="60000"/>
+      </a:schemeClr>
+    </dgm:linClrLst>
+    <dgm:effectClrLst/>
+    <dgm:txLinClrLst/>
+    <dgm:txFillClrLst/>
+    <dgm:txEffectClrLst/>
+  </dgm:styleLbl>
+  <dgm:styleLbl name="sibTrans1D1">
+    <dgm:fillClrLst meth="repeat">
+      <a:schemeClr val="accent1"/>
+    </dgm:fillClrLst>
+    <dgm:linClrLst meth="repeat">
+      <a:schemeClr val="accent1"/>
+    </dgm:linClrLst>
+    <dgm:effectClrLst/>
+    <dgm:txLinClrLst/>
+    <dgm:txFillClrLst meth="repeat">
+      <a:schemeClr val="tx1"/>
+    </dgm:txFillClrLst>
+    <dgm:txEffectClrLst/>
+  </dgm:styleLbl>
+  <dgm:styleLbl name="callout">
+    <dgm:fillClrLst meth="repeat">
+      <a:schemeClr val="accent1"/>
+    </dgm:fillClrLst>
+    <dgm:linClrLst meth="repeat">
+      <a:schemeClr val="accent1">
+        <a:tint val="50000"/>
+      </a:schemeClr>
+    </dgm:linClrLst>
+    <dgm:effectClrLst/>
+    <dgm:txLinClrLst/>
+    <dgm:txFillClrLst meth="repeat">
+      <a:schemeClr val="tx1"/>
+    </dgm:txFillClrLst>
+    <dgm:txEffectClrLst/>
+  </dgm:styleLbl>
+  <dgm:styleLbl name="asst0">
+    <dgm:fillClrLst meth="repeat">
+      <a:schemeClr val="accent1"/>
+    </dgm:fillClrLst>
+    <dgm:linClrLst meth="repeat">
+      <a:schemeClr val="lt1"/>
+    </dgm:linClrLst>
+    <dgm:effectClrLst/>
+    <dgm:txLinClrLst/>
+    <dgm:txFillClrLst/>
+    <dgm:txEffectClrLst/>
+  </dgm:styleLbl>
+  <dgm:styleLbl name="asst1">
+    <dgm:fillClrLst meth="repeat">
+      <a:schemeClr val="accent1"/>
+    </dgm:fillClrLst>
+    <dgm:linClrLst meth="repeat">
+      <a:schemeClr val="lt1"/>
+    </dgm:linClrLst>
+    <dgm:effectClrLst/>
+    <dgm:txLinClrLst/>
+    <dgm:txFillClrLst/>
+    <dgm:txEffectClrLst/>
+  </dgm:styleLbl>
+  <dgm:styleLbl name="asst2">
+    <dgm:fillClrLst meth="repeat">
+      <a:schemeClr val="accent1"/>
+    </dgm:fillClrLst>
+    <dgm:linClrLst meth="repeat">
+      <a:schemeClr val="lt1"/>
+    </dgm:linClrLst>
+    <dgm:effectClrLst/>
+    <dgm:txLinClrLst/>
+    <dgm:txFillClrLst/>
+    <dgm:txEffectClrLst/>
+  </dgm:styleLbl>
+  <dgm:styleLbl name="asst3">
+    <dgm:fillClrLst meth="repeat">
+      <a:schemeClr val="accent1"/>
+    </dgm:fillClrLst>
+    <dgm:linClrLst meth="repeat">
+      <a:schemeClr val="lt1"/>
+    </dgm:linClrLst>
+    <dgm:effectClrLst/>
+    <dgm:txLinClrLst/>
+    <dgm:txFillClrLst/>
+    <dgm:txEffectClrLst/>
+  </dgm:styleLbl>
+  <dgm:styleLbl name="asst4">
+    <dgm:fillClrLst meth="repeat">
+      <a:schemeClr val="accent1"/>
+    </dgm:fillClrLst>
+    <dgm:linClrLst meth="repeat">
+      <a:schemeClr val="lt1"/>
+    </dgm:linClrLst>
+    <dgm:effectClrLst/>
+    <dgm:txLinClrLst/>
+    <dgm:txFillClrLst/>
+    <dgm:txEffectClrLst/>
+  </dgm:styleLbl>
+  <dgm:styleLbl name="parChTrans2D1">
+    <dgm:fillClrLst meth="repeat">
+      <a:schemeClr val="accent1">
+        <a:tint val="60000"/>
+      </a:schemeClr>
+    </dgm:fillClrLst>
+    <dgm:linClrLst meth="repeat">
+      <a:schemeClr val="accent1">
+        <a:tint val="60000"/>
+      </a:schemeClr>
+    </dgm:linClrLst>
+    <dgm:effectClrLst/>
+    <dgm:txLinClrLst/>
+    <dgm:txFillClrLst meth="repeat">
+      <a:schemeClr val="lt1"/>
+    </dgm:txFillClrLst>
+    <dgm:txEffectClrLst/>
+  </dgm:styleLbl>
+  <dgm:styleLbl name="parChTrans2D2">
+    <dgm:fillClrLst meth="repeat">
+      <a:schemeClr val="accent1"/>
+    </dgm:fillClrLst>
+    <dgm:linClrLst meth="repeat">
+      <a:schemeClr val="accent1"/>
+    </dgm:linClrLst>
+    <dgm:effectClrLst/>
+    <dgm:txLinClrLst/>
+    <dgm:txFillClrLst meth="repeat">
+      <a:schemeClr val="lt1"/>
+    </dgm:txFillClrLst>
+    <dgm:txEffectClrLst/>
+  </dgm:styleLbl>
+  <dgm:styleLbl name="parChTrans2D3">
+    <dgm:fillClrLst meth="repeat">
+      <a:schemeClr val="accent1"/>
+    </dgm:fillClrLst>
+    <dgm:linClrLst meth="repeat">
+      <a:schemeClr val="accent1"/>
+    </dgm:linClrLst>
+    <dgm:effectClrLst/>
+    <dgm:txLinClrLst/>
+    <dgm:txFillClrLst meth="repeat">
+      <a:schemeClr val="lt1"/>
+    </dgm:txFillClrLst>
+    <dgm:txEffectClrLst/>
+  </dgm:styleLbl>
+  <dgm:styleLbl name="parChTrans2D4">
+    <dgm:fillClrLst meth="repeat">
+      <a:schemeClr val="accent1"/>
+    </dgm:fillClrLst>
+    <dgm:linClrLst meth="repeat">
+      <a:schemeClr val="accent1"/>
+    </dgm:linClrLst>
+    <dgm:effectClrLst/>
+    <dgm:txLinClrLst/>
+    <dgm:txFillClrLst meth="repeat">
+      <a:schemeClr val="lt1"/>
+    </dgm:txFillClrLst>
+    <dgm:txEffectClrLst/>
+  </dgm:styleLbl>
+  <dgm:styleLbl name="parChTrans1D1">
+    <dgm:fillClrLst meth="repeat">
+      <a:schemeClr val="accent1"/>
+    </dgm:fillClrLst>
+    <dgm:linClrLst meth="repeat">
+      <a:schemeClr val="accent1">
+        <a:shade val="60000"/>
+      </a:schemeClr>
+    </dgm:linClrLst>
+    <dgm:effectClrLst/>
+    <dgm:txLinClrLst/>
+    <dgm:txFillClrLst meth="repeat">
+      <a:schemeClr val="tx1"/>
+    </dgm:txFillClrLst>
+    <dgm:txEffectClrLst/>
+  </dgm:styleLbl>
+  <dgm:styleLbl name="parChTrans1D2">
+    <dgm:fillClrLst meth="repeat">
+      <a:schemeClr val="accent1"/>
+    </dgm:fillClrLst>
+    <dgm:linClrLst meth="repeat">
+      <a:schemeClr val="accent1">
+        <a:shade val="60000"/>
+      </a:schemeClr>
+    </dgm:linClrLst>
+    <dgm:effectClrLst/>
+    <dgm:txLinClrLst/>
+    <dgm:txFillClrLst meth="repeat">
+      <a:schemeClr val="tx1"/>
+    </dgm:txFillClrLst>
+    <dgm:txEffectClrLst/>
+  </dgm:styleLbl>
+  <dgm:styleLbl name="parChTrans1D3">
+    <dgm:fillClrLst meth="repeat">
+      <a:schemeClr val="accent1"/>
+    </dgm:fillClrLst>
+    <dgm:linClrLst meth="repeat">
+      <a:schemeClr val="accent1">
+        <a:shade val="80000"/>
+      </a:schemeClr>
+    </dgm:linClrLst>
+    <dgm:effectClrLst/>
+    <dgm:txLinClrLst/>
+    <dgm:txFillClrLst meth="repeat">
+      <a:schemeClr val="tx1"/>
+    </dgm:txFillClrLst>
+    <dgm:txEffectClrLst/>
+  </dgm:styleLbl>
+  <dgm:styleLbl name="parChTrans1D4">
+    <dgm:fillClrLst meth="repeat">
+      <a:schemeClr val="accent1"/>
+    </dgm:fillClrLst>
+    <dgm:linClrLst meth="repeat">
+      <a:schemeClr val="accent1">
+        <a:shade val="80000"/>
+      </a:schemeClr>
+    </dgm:linClrLst>
+    <dgm:effectClrLst/>
+    <dgm:txLinClrLst/>
+    <dgm:txFillClrLst meth="repeat">
+      <a:schemeClr val="tx1"/>
+    </dgm:txFillClrLst>
+    <dgm:txEffectClrLst/>
+  </dgm:styleLbl>
+  <dgm:styleLbl name="fgAcc1">
+    <dgm:fillClrLst meth="repeat">
+      <a:schemeClr val="lt1">
+        <a:alpha val="90000"/>
+      </a:schemeClr>
+    </dgm:fillClrLst>
+    <dgm:linClrLst meth="repeat">
+      <a:schemeClr val="accent1"/>
+    </dgm:linClrLst>
+    <dgm:effectClrLst/>
+    <dgm:txLinClrLst/>
+    <dgm:txFillClrLst meth="repeat">
+      <a:schemeClr val="dk1"/>
+    </dgm:txFillClrLst>
+    <dgm:txEffectClrLst/>
+  </dgm:styleLbl>
+  <dgm:styleLbl name="conFgAcc1">
+    <dgm:fillClrLst meth="repeat">
+      <a:schemeClr val="lt1">
+        <a:alpha val="90000"/>
+      </a:schemeClr>
+    </dgm:fillClrLst>
+    <dgm:linClrLst meth="repeat">
+      <a:schemeClr val="accent1"/>
+    </dgm:linClrLst>
+    <dgm:effectClrLst/>
+    <dgm:txLinClrLst/>
+    <dgm:txFillClrLst meth="repeat">
+      <a:schemeClr val="dk1"/>
+    </dgm:txFillClrLst>
+    <dgm:txEffectClrLst/>
+  </dgm:styleLbl>
+  <dgm:styleLbl name="alignAcc1">
+    <dgm:fillClrLst meth="repeat">
+      <a:schemeClr val="lt1">
+        <a:alpha val="90000"/>
+      </a:schemeClr>
+    </dgm:fillClrLst>
+    <dgm:linClrLst meth="repeat">
+      <a:schemeClr val="accent1"/>
+    </dgm:linClrLst>
+    <dgm:effectClrLst/>
+    <dgm:txLinClrLst/>
+    <dgm:txFillClrLst meth="repeat">
+      <a:schemeClr val="dk1"/>
+    </dgm:txFillClrLst>
+    <dgm:txEffectClrLst/>
+  </dgm:styleLbl>
+  <dgm:styleLbl name="trAlignAcc1">
+    <dgm:fillClrLst meth="repeat">
+      <a:schemeClr val="lt1">
+        <a:alpha val="40000"/>
+      </a:schemeClr>
+    </dgm:fillClrLst>
+    <dgm:linClrLst meth="repeat">
+      <a:schemeClr val="accent1"/>
+    </dgm:linClrLst>
+    <dgm:effectClrLst/>
+    <dgm:txLinClrLst/>
+    <dgm:txFillClrLst meth="repeat">
+      <a:schemeClr val="dk1"/>
+    </dgm:txFillClrLst>
+    <dgm:txEffectClrLst/>
+  </dgm:styleLbl>
+  <dgm:styleLbl name="bgAcc1">
+    <dgm:fillClrLst meth="repeat">
+      <a:schemeClr val="lt1">
+        <a:alpha val="90000"/>
+      </a:schemeClr>
+    </dgm:fillClrLst>
+    <dgm:linClrLst meth="repeat">
+      <a:schemeClr val="accent1"/>
+    </dgm:linClrLst>
+    <dgm:effectClrLst/>
+    <dgm:txLinClrLst/>
+    <dgm:txFillClrLst meth="repeat">
+      <a:schemeClr val="dk1"/>
+    </dgm:txFillClrLst>
+    <dgm:txEffectClrLst/>
+  </dgm:styleLbl>
+  <dgm:styleLbl name="solidFgAcc1">
+    <dgm:fillClrLst meth="repeat">
+      <a:schemeClr val="lt1"/>
+    </dgm:fillClrLst>
+    <dgm:linClrLst meth="repeat">
+      <a:schemeClr val="accent1"/>
+    </dgm:linClrLst>
+    <dgm:effectClrLst/>
+    <dgm:txLinClrLst/>
+    <dgm:txFillClrLst meth="repeat">
+      <a:schemeClr val="dk1"/>
+    </dgm:txFillClrLst>
+    <dgm:txEffectClrLst/>
+  </dgm:styleLbl>
+  <dgm:styleLbl name="solidAlignAcc1">
+    <dgm:fillClrLst meth="repeat">
+      <a:schemeClr val="lt1"/>
+    </dgm:fillClrLst>
+    <dgm:linClrLst meth="repeat">
+      <a:schemeClr val="accent1"/>
+    </dgm:linClrLst>
+    <dgm:effectClrLst/>
+    <dgm:txLinClrLst/>
+    <dgm:txFillClrLst meth="repeat">
+      <a:schemeClr val="dk1"/>
+    </dgm:txFillClrLst>
+    <dgm:txEffectClrLst/>
+  </dgm:styleLbl>
+  <dgm:styleLbl name="solidBgAcc1">
+    <dgm:fillClrLst meth="repeat">
+      <a:schemeClr val="lt1"/>
+    </dgm:fillClrLst>
+    <dgm:linClrLst meth="repeat">
+      <a:schemeClr val="accent1"/>
+    </dgm:linClrLst>
+    <dgm:effectClrLst/>
+    <dgm:txLinClrLst/>
+    <dgm:txFillClrLst meth="repeat">
+      <a:schemeClr val="dk1"/>
+    </dgm:txFillClrLst>
+    <dgm:txEffectClrLst/>
+  </dgm:styleLbl>
+  <dgm:styleLbl name="fgAccFollowNode1">
+    <dgm:fillClrLst meth="repeat">
+      <a:schemeClr val="accent1">
+        <a:alpha val="90000"/>
+        <a:tint val="40000"/>
+      </a:schemeClr>
+    </dgm:fillClrLst>
+    <dgm:linClrLst meth="repeat">
+      <a:schemeClr val="accent1">
+        <a:alpha val="90000"/>
+        <a:tint val="40000"/>
+      </a:schemeClr>
+    </dgm:linClrLst>
+    <dgm:effectClrLst/>
+    <dgm:txLinClrLst/>
+    <dgm:txFillClrLst meth="repeat">
+      <a:schemeClr val="dk1"/>
+    </dgm:txFillClrLst>
+    <dgm:txEffectClrLst/>
+  </dgm:styleLbl>
+  <dgm:styleLbl name="alignAccFollowNode1">
+    <dgm:fillClrLst meth="repeat">
+      <a:schemeClr val="accent1">
+        <a:alpha val="90000"/>
+        <a:tint val="40000"/>
+      </a:schemeClr>
+    </dgm:fillClrLst>
+    <dgm:linClrLst meth="repeat">
+      <a:schemeClr val="accent1">
+        <a:alpha val="90000"/>
+        <a:tint val="40000"/>
+      </a:schemeClr>
+    </dgm:linClrLst>
+    <dgm:effectClrLst/>
+    <dgm:txLinClrLst/>
+    <dgm:txFillClrLst meth="repeat">
+      <a:schemeClr val="dk1"/>
+    </dgm:txFillClrLst>
+    <dgm:txEffectClrLst/>
+  </dgm:styleLbl>
+  <dgm:styleLbl name="bgAccFollowNode1">
+    <dgm:fillClrLst meth="repeat">
+      <a:schemeClr val="accent1">
+        <a:alpha val="90000"/>
+        <a:tint val="40000"/>
+      </a:schemeClr>
+    </dgm:fillClrLst>
+    <dgm:linClrLst meth="repeat">
+      <a:schemeClr val="accent1">
+        <a:alpha val="90000"/>
+        <a:tint val="40000"/>
+      </a:schemeClr>
+    </dgm:linClrLst>
+    <dgm:effectClrLst/>
+    <dgm:txLinClrLst/>
+    <dgm:txFillClrLst meth="repeat">
+      <a:schemeClr val="dk1"/>
+    </dgm:txFillClrLst>
+    <dgm:txEffectClrLst/>
+  </dgm:styleLbl>
+  <dgm:styleLbl name="fgAcc0">
+    <dgm:fillClrLst meth="repeat">
+      <a:schemeClr val="lt1">
+        <a:alpha val="90000"/>
+      </a:schemeClr>
+    </dgm:fillClrLst>
+    <dgm:linClrLst meth="repeat">
+      <a:schemeClr val="accent1"/>
+    </dgm:linClrLst>
+    <dgm:effectClrLst/>
+    <dgm:txLinClrLst/>
+    <dgm:txFillClrLst meth="repeat">
+      <a:schemeClr val="dk1"/>
+    </dgm:txFillClrLst>
+    <dgm:txEffectClrLst/>
+  </dgm:styleLbl>
+  <dgm:styleLbl name="fgAcc2">
+    <dgm:fillClrLst meth="repeat">
+      <a:schemeClr val="lt1">
+        <a:alpha val="90000"/>
+      </a:schemeClr>
+    </dgm:fillClrLst>
+    <dgm:linClrLst meth="repeat">
+      <a:schemeClr val="accent1"/>
+    </dgm:linClrLst>
+    <dgm:effectClrLst/>
+    <dgm:txLinClrLst/>
+    <dgm:txFillClrLst meth="repeat">
+      <a:schemeClr val="dk1"/>
+    </dgm:txFillClrLst>
+    <dgm:txEffectClrLst/>
+  </dgm:styleLbl>
+  <dgm:styleLbl name="fgAcc3">
+    <dgm:fillClrLst meth="repeat">
+      <a:schemeClr val="lt1">
+        <a:alpha val="90000"/>
+      </a:schemeClr>
+    </dgm:fillClrLst>
+    <dgm:linClrLst meth="repeat">
+      <a:schemeClr val="accent1"/>
+    </dgm:linClrLst>
+    <dgm:effectClrLst/>
+    <dgm:txLinClrLst/>
+    <dgm:txFillClrLst meth="repeat">
+      <a:schemeClr val="dk1"/>
+    </dgm:txFillClrLst>
+    <dgm:txEffectClrLst/>
+  </dgm:styleLbl>
+  <dgm:styleLbl name="fgAcc4">
+    <dgm:fillClrLst meth="repeat">
+      <a:schemeClr val="lt1">
+        <a:alpha val="90000"/>
+      </a:schemeClr>
+    </dgm:fillClrLst>
+    <dgm:linClrLst meth="repeat">
+      <a:schemeClr val="accent1"/>
+    </dgm:linClrLst>
+    <dgm:effectClrLst/>
+    <dgm:txLinClrLst/>
+    <dgm:txFillClrLst meth="repeat">
+      <a:schemeClr val="dk1"/>
+    </dgm:txFillClrLst>
+    <dgm:txEffectClrLst/>
+  </dgm:styleLbl>
+  <dgm:styleLbl name="bgShp">
+    <dgm:fillClrLst meth="repeat">
+      <a:schemeClr val="accent1">
+        <a:tint val="40000"/>
+      </a:schemeClr>
+    </dgm:fillClrLst>
+    <dgm:linClrLst meth="repeat">
+      <a:schemeClr val="accent1"/>
+    </dgm:linClrLst>
+    <dgm:effectClrLst/>
+    <dgm:txLinClrLst/>
+    <dgm:txFillClrLst meth="repeat">
+      <a:schemeClr val="dk1"/>
+    </dgm:txFillClrLst>
+    <dgm:txEffectClrLst/>
+  </dgm:styleLbl>
+  <dgm:styleLbl name="dkBgShp">
+    <dgm:fillClrLst meth="repeat">
+      <a:schemeClr val="accent1">
+        <a:shade val="80000"/>
+      </a:schemeClr>
+    </dgm:fillClrLst>
+    <dgm:linClrLst meth="repeat">
+      <a:schemeClr val="accent1"/>
+    </dgm:linClrLst>
+    <dgm:effectClrLst/>
+    <dgm:txLinClrLst/>
+    <dgm:txFillClrLst meth="repeat">
+      <a:schemeClr val="lt1"/>
+    </dgm:txFillClrLst>
+    <dgm:txEffectClrLst/>
+  </dgm:styleLbl>
+  <dgm:styleLbl name="trBgShp">
+    <dgm:fillClrLst meth="repeat">
+      <a:schemeClr val="accent1">
+        <a:tint val="50000"/>
+        <a:alpha val="40000"/>
+      </a:schemeClr>
+    </dgm:fillClrLst>
+    <dgm:linClrLst meth="repeat">
+      <a:schemeClr val="accent1"/>
+    </dgm:linClrLst>
+    <dgm:effectClrLst/>
+    <dgm:txLinClrLst/>
+    <dgm:txFillClrLst meth="repeat">
+      <a:schemeClr val="lt1"/>
+    </dgm:txFillClrLst>
+    <dgm:txEffectClrLst/>
+  </dgm:styleLbl>
+  <dgm:styleLbl name="fgShp">
+    <dgm:fillClrLst meth="repeat">
+      <a:schemeClr val="accent1">
+        <a:tint val="60000"/>
+      </a:schemeClr>
+    </dgm:fillClrLst>
+    <dgm:linClrLst meth="repeat">
+      <a:schemeClr val="lt1"/>
+    </dgm:linClrLst>
+    <dgm:effectClrLst/>
+    <dgm:txLinClrLst/>
+    <dgm:txFillClrLst meth="repeat">
+      <a:schemeClr val="dk1"/>
+    </dgm:txFillClrLst>
+    <dgm:txEffectClrLst/>
+  </dgm:styleLbl>
+  <dgm:styleLbl name="revTx">
+    <dgm:fillClrLst meth="repeat">
+      <a:schemeClr val="lt1">
+        <a:alpha val="0"/>
+      </a:schemeClr>
+    </dgm:fillClrLst>
+    <dgm:linClrLst meth="repeat">
+      <a:schemeClr val="dk1">
+        <a:alpha val="0"/>
+      </a:schemeClr>
+    </dgm:linClrLst>
+    <dgm:effectClrLst/>
+    <dgm:txLinClrLst/>
+    <dgm:txFillClrLst meth="repeat">
+      <a:schemeClr val="tx1"/>
+    </dgm:txFillClrLst>
+    <dgm:txEffectClrLst/>
+  </dgm:styleLbl>
+</dgm:colorsDef>
+</file>
+
+<file path=ppt/diagrams/data1.xml><?xml version="1.0" encoding="utf-8"?>
+<dgm:dataModel xmlns:dgm="http://schemas.openxmlformats.org/drawingml/2006/diagram" xmlns:a="http://schemas.openxmlformats.org/drawingml/2006/main">
+  <dgm:ptLst>
+    <dgm:pt modelId="{6CB0C33A-99DF-45C6-B334-0479D5D334F4}" type="doc">
+      <dgm:prSet loTypeId="urn:microsoft.com/office/officeart/2018/2/layout/IconLabelDescriptionList" loCatId="icon" qsTypeId="urn:microsoft.com/office/officeart/2005/8/quickstyle/simple1" qsCatId="simple" csTypeId="urn:microsoft.com/office/officeart/2005/8/colors/accent1_2" csCatId="accent1" phldr="1"/>
+      <dgm:spPr/>
+      <dgm:t>
+        <a:bodyPr/>
+        <a:lstStyle/>
+        <a:p>
+          <a:endParaRPr lang="en-US"/>
+        </a:p>
+      </dgm:t>
+    </dgm:pt>
+    <dgm:pt modelId="{3C6360AB-5EAE-4F90-BA39-0DF8367A19DB}">
+      <dgm:prSet/>
+      <dgm:spPr/>
+      <dgm:t>
+        <a:bodyPr/>
+        <a:lstStyle/>
+        <a:p>
+          <a:pPr>
+            <a:lnSpc>
+              <a:spcPct val="100000"/>
+            </a:lnSpc>
+            <a:defRPr b="1"/>
+          </a:pPr>
+          <a:r>
+            <a:rPr lang="en-US" dirty="0"/>
+            <a:t>Solar Energy Prediction Models</a:t>
+          </a:r>
+        </a:p>
+      </dgm:t>
+    </dgm:pt>
+    <dgm:pt modelId="{3A4EEB16-8880-4373-BE52-69430FA57AB2}" type="parTrans" cxnId="{F30C8E2B-40B7-4189-ABE2-74BDA2C95162}">
+      <dgm:prSet/>
+      <dgm:spPr/>
+      <dgm:t>
+        <a:bodyPr/>
+        <a:lstStyle/>
+        <a:p>
+          <a:endParaRPr lang="en-US"/>
+        </a:p>
+      </dgm:t>
+    </dgm:pt>
+    <dgm:pt modelId="{544D1370-F63C-4527-BCDF-25CDDBE8C6A3}" type="sibTrans" cxnId="{F30C8E2B-40B7-4189-ABE2-74BDA2C95162}">
+      <dgm:prSet/>
+      <dgm:spPr/>
+      <dgm:t>
+        <a:bodyPr/>
+        <a:lstStyle/>
+        <a:p>
+          <a:endParaRPr lang="en-US"/>
+        </a:p>
+      </dgm:t>
+    </dgm:pt>
+    <dgm:pt modelId="{FF8C0198-3B01-4293-AB6E-4643F3525832}">
+      <dgm:prSet/>
+      <dgm:spPr/>
+      <dgm:t>
+        <a:bodyPr/>
+        <a:lstStyle/>
+        <a:p>
+          <a:pPr>
+            <a:lnSpc>
+              <a:spcPct val="100000"/>
+            </a:lnSpc>
+          </a:pPr>
+          <a:r>
+            <a:rPr lang="en-US" dirty="0"/>
+            <a:t>The gradient boosting model achieved R</a:t>
+          </a:r>
+          <a:r>
+            <a:rPr lang="en-US" baseline="30000" dirty="0"/>
+            <a:t>2 </a:t>
+          </a:r>
+          <a:r>
+            <a:rPr lang="en-US" dirty="0"/>
+            <a:t>of 0.90</a:t>
+          </a:r>
+        </a:p>
+      </dgm:t>
+    </dgm:pt>
+    <dgm:pt modelId="{01A5FCCF-CD2A-420C-8957-B7DEDDE07063}" type="parTrans" cxnId="{CF77A81E-F111-4451-BC59-8820B284C762}">
+      <dgm:prSet/>
+      <dgm:spPr/>
+      <dgm:t>
+        <a:bodyPr/>
+        <a:lstStyle/>
+        <a:p>
+          <a:endParaRPr lang="en-US"/>
+        </a:p>
+      </dgm:t>
+    </dgm:pt>
+    <dgm:pt modelId="{CE352DD2-78CC-44EB-A379-98E832CB9734}" type="sibTrans" cxnId="{CF77A81E-F111-4451-BC59-8820B284C762}">
+      <dgm:prSet/>
+      <dgm:spPr/>
+      <dgm:t>
+        <a:bodyPr/>
+        <a:lstStyle/>
+        <a:p>
+          <a:endParaRPr lang="en-US"/>
+        </a:p>
+      </dgm:t>
+    </dgm:pt>
+    <dgm:pt modelId="{A9CCC0DF-2F9A-4112-A575-1930CE8B0B29}">
+      <dgm:prSet/>
+      <dgm:spPr/>
+      <dgm:t>
+        <a:bodyPr/>
+        <a:lstStyle/>
+        <a:p>
+          <a:pPr>
+            <a:lnSpc>
+              <a:spcPct val="100000"/>
+            </a:lnSpc>
+          </a:pPr>
+          <a:r>
+            <a:rPr lang="en-US" dirty="0"/>
+            <a:t>Top three weather-related features are </a:t>
+          </a:r>
+          <a:r>
+            <a:rPr lang="en-US" b="1" dirty="0"/>
+            <a:t>humidity</a:t>
+          </a:r>
+          <a:r>
+            <a:rPr lang="en-US" dirty="0"/>
+            <a:t>, </a:t>
+          </a:r>
+          <a:r>
+            <a:rPr lang="en-US" b="1" dirty="0"/>
+            <a:t>cloud cover</a:t>
+          </a:r>
+          <a:r>
+            <a:rPr lang="en-US" dirty="0"/>
+            <a:t>, </a:t>
+          </a:r>
+          <a:r>
+            <a:rPr lang="en-US" b="1" dirty="0"/>
+            <a:t>solar radiation availability</a:t>
+          </a:r>
+          <a:r>
+            <a:rPr lang="en-US" dirty="0"/>
+            <a:t>.</a:t>
+          </a:r>
+        </a:p>
+      </dgm:t>
+    </dgm:pt>
+    <dgm:pt modelId="{74BAA08D-A6A4-483C-9552-DAF30D238BC3}" type="parTrans" cxnId="{12C941FA-F009-453C-8EFF-79C1FDE8F7E2}">
+      <dgm:prSet/>
+      <dgm:spPr/>
+      <dgm:t>
+        <a:bodyPr/>
+        <a:lstStyle/>
+        <a:p>
+          <a:endParaRPr lang="en-US"/>
+        </a:p>
+      </dgm:t>
+    </dgm:pt>
+    <dgm:pt modelId="{1454408C-3550-4F33-AB9C-EAB93875F571}" type="sibTrans" cxnId="{12C941FA-F009-453C-8EFF-79C1FDE8F7E2}">
+      <dgm:prSet/>
+      <dgm:spPr/>
+      <dgm:t>
+        <a:bodyPr/>
+        <a:lstStyle/>
+        <a:p>
+          <a:endParaRPr lang="en-US"/>
+        </a:p>
+      </dgm:t>
+    </dgm:pt>
+    <dgm:pt modelId="{20493580-A7EC-4EC2-9FC6-F07CC363D171}">
+      <dgm:prSet/>
+      <dgm:spPr/>
+      <dgm:t>
+        <a:bodyPr/>
+        <a:lstStyle/>
+        <a:p>
+          <a:pPr>
+            <a:lnSpc>
+              <a:spcPct val="100000"/>
+            </a:lnSpc>
+            <a:defRPr b="1"/>
+          </a:pPr>
+          <a:r>
+            <a:rPr lang="en-US" dirty="0"/>
+            <a:t>Electricity Cost Prediction Models</a:t>
+          </a:r>
+        </a:p>
+      </dgm:t>
+    </dgm:pt>
+    <dgm:pt modelId="{781C90A1-BAEF-418D-B29A-14F5A506677A}" type="parTrans" cxnId="{D461BDB0-5895-4EAC-8475-C4B5A4B522D8}">
+      <dgm:prSet/>
+      <dgm:spPr/>
+      <dgm:t>
+        <a:bodyPr/>
+        <a:lstStyle/>
+        <a:p>
+          <a:endParaRPr lang="en-US"/>
+        </a:p>
+      </dgm:t>
+    </dgm:pt>
+    <dgm:pt modelId="{716CC09A-E4EC-4EE6-8201-4884D915E165}" type="sibTrans" cxnId="{D461BDB0-5895-4EAC-8475-C4B5A4B522D8}">
+      <dgm:prSet/>
+      <dgm:spPr/>
+      <dgm:t>
+        <a:bodyPr/>
+        <a:lstStyle/>
+        <a:p>
+          <a:endParaRPr lang="en-US"/>
+        </a:p>
+      </dgm:t>
+    </dgm:pt>
+    <dgm:pt modelId="{703CFCB0-2003-4FC1-8F5B-679811DA8AC6}">
+      <dgm:prSet/>
+      <dgm:spPr/>
+      <dgm:t>
+        <a:bodyPr/>
+        <a:lstStyle/>
+        <a:p>
+          <a:pPr>
+            <a:lnSpc>
+              <a:spcPct val="100000"/>
+            </a:lnSpc>
+          </a:pPr>
+          <a:r>
+            <a:rPr lang="en-US" dirty="0"/>
+            <a:t>The data is stationary and exhibits a 24-hour seasonality. The time series analysis was conducted using SARIMAX, achieved a root mean squared error of 2.22 cents per kilowatt as the difference between the actual and forecasted values over the last 168 hours of data.</a:t>
+          </a:r>
+        </a:p>
+      </dgm:t>
+    </dgm:pt>
+    <dgm:pt modelId="{77B72D33-C549-47A9-84EB-179DCCC451FE}" type="parTrans" cxnId="{70FF2225-8F9F-4AAA-9A24-DD1AB21C6E7A}">
+      <dgm:prSet/>
+      <dgm:spPr/>
+      <dgm:t>
+        <a:bodyPr/>
+        <a:lstStyle/>
+        <a:p>
+          <a:endParaRPr lang="en-US"/>
+        </a:p>
+      </dgm:t>
+    </dgm:pt>
+    <dgm:pt modelId="{5AF3783A-49CA-40B1-83D4-A4056971459D}" type="sibTrans" cxnId="{70FF2225-8F9F-4AAA-9A24-DD1AB21C6E7A}">
+      <dgm:prSet/>
+      <dgm:spPr/>
+      <dgm:t>
+        <a:bodyPr/>
+        <a:lstStyle/>
+        <a:p>
+          <a:endParaRPr lang="en-US"/>
+        </a:p>
+      </dgm:t>
+    </dgm:pt>
+    <dgm:pt modelId="{6E9FC89D-B025-4A0A-B2EF-72715ECEE136}" type="pres">
+      <dgm:prSet presAssocID="{6CB0C33A-99DF-45C6-B334-0479D5D334F4}" presName="root" presStyleCnt="0">
+        <dgm:presLayoutVars>
+          <dgm:dir/>
+          <dgm:resizeHandles val="exact"/>
+        </dgm:presLayoutVars>
+      </dgm:prSet>
+      <dgm:spPr/>
+    </dgm:pt>
+    <dgm:pt modelId="{D428115D-1041-44A0-8FDE-61FEF56ECE04}" type="pres">
+      <dgm:prSet presAssocID="{3C6360AB-5EAE-4F90-BA39-0DF8367A19DB}" presName="compNode" presStyleCnt="0"/>
+      <dgm:spPr/>
+    </dgm:pt>
+    <dgm:pt modelId="{1BF1AA1E-E5C8-468C-B941-E81D0894BEC3}" type="pres">
+      <dgm:prSet presAssocID="{3C6360AB-5EAE-4F90-BA39-0DF8367A19DB}" presName="iconRect" presStyleLbl="node1" presStyleIdx="0" presStyleCnt="2"/>
+      <dgm:spPr>
+        <a:blipFill>
+          <a:blip xmlns:r="http://schemas.openxmlformats.org/officeDocument/2006/relationships" r:embed="rId1">
+            <a:extLst>
+              <a:ext uri="{28A0092B-C50C-407E-A947-70E740481C1C}">
+                <a14:useLocalDpi xmlns:a14="http://schemas.microsoft.com/office/drawing/2010/main" val="0"/>
+              </a:ext>
+              <a:ext uri="{96DAC541-7B7A-43D3-8B79-37D633B846F1}">
+                <asvg:svgBlip xmlns:asvg="http://schemas.microsoft.com/office/drawing/2016/SVG/main" r:embed="rId2"/>
+              </a:ext>
+            </a:extLst>
+          </a:blip>
+          <a:stretch>
+            <a:fillRect/>
+          </a:stretch>
+        </a:blipFill>
+      </dgm:spPr>
+      <dgm:extLst>
+        <a:ext uri="{E40237B7-FDA0-4F09-8148-C483321AD2D9}">
+          <dgm14:cNvPr xmlns:dgm14="http://schemas.microsoft.com/office/drawing/2010/diagram" id="0" name="" descr="Partial Sun"/>
+        </a:ext>
+      </dgm:extLst>
+    </dgm:pt>
+    <dgm:pt modelId="{74EBDA34-F780-483F-A9F4-344CFC69A1EF}" type="pres">
+      <dgm:prSet presAssocID="{3C6360AB-5EAE-4F90-BA39-0DF8367A19DB}" presName="iconSpace" presStyleCnt="0"/>
+      <dgm:spPr/>
+    </dgm:pt>
+    <dgm:pt modelId="{E1B0BDA0-0D34-41DA-AB0F-5D30528F60A8}" type="pres">
+      <dgm:prSet presAssocID="{3C6360AB-5EAE-4F90-BA39-0DF8367A19DB}" presName="parTx" presStyleLbl="revTx" presStyleIdx="0" presStyleCnt="4">
+        <dgm:presLayoutVars>
+          <dgm:chMax val="0"/>
+          <dgm:chPref val="0"/>
+        </dgm:presLayoutVars>
+      </dgm:prSet>
+      <dgm:spPr/>
+    </dgm:pt>
+    <dgm:pt modelId="{22978101-57E8-4957-A3AB-40F4BCC850CA}" type="pres">
+      <dgm:prSet presAssocID="{3C6360AB-5EAE-4F90-BA39-0DF8367A19DB}" presName="txSpace" presStyleCnt="0"/>
+      <dgm:spPr/>
+    </dgm:pt>
+    <dgm:pt modelId="{1B85B2CD-1515-4413-84BB-E7786648ECA9}" type="pres">
+      <dgm:prSet presAssocID="{3C6360AB-5EAE-4F90-BA39-0DF8367A19DB}" presName="desTx" presStyleLbl="revTx" presStyleIdx="1" presStyleCnt="4">
+        <dgm:presLayoutVars/>
+      </dgm:prSet>
+      <dgm:spPr/>
+    </dgm:pt>
+    <dgm:pt modelId="{B720A8B7-61DE-43D0-8D0A-CA7597FDE454}" type="pres">
+      <dgm:prSet presAssocID="{544D1370-F63C-4527-BCDF-25CDDBE8C6A3}" presName="sibTrans" presStyleCnt="0"/>
+      <dgm:spPr/>
+    </dgm:pt>
+    <dgm:pt modelId="{CC437F3C-A8FA-4EBB-9FC0-B561CB064897}" type="pres">
+      <dgm:prSet presAssocID="{20493580-A7EC-4EC2-9FC6-F07CC363D171}" presName="compNode" presStyleCnt="0"/>
+      <dgm:spPr/>
+    </dgm:pt>
+    <dgm:pt modelId="{071E220C-83AD-4974-A660-6890EABFA253}" type="pres">
+      <dgm:prSet presAssocID="{20493580-A7EC-4EC2-9FC6-F07CC363D171}" presName="iconRect" presStyleLbl="node1" presStyleIdx="1" presStyleCnt="2"/>
+      <dgm:spPr>
+        <a:blipFill>
+          <a:blip xmlns:r="http://schemas.openxmlformats.org/officeDocument/2006/relationships" r:embed="rId3">
+            <a:extLst>
+              <a:ext uri="{28A0092B-C50C-407E-A947-70E740481C1C}">
+                <a14:useLocalDpi xmlns:a14="http://schemas.microsoft.com/office/drawing/2010/main" val="0"/>
+              </a:ext>
+              <a:ext uri="{96DAC541-7B7A-43D3-8B79-37D633B846F1}">
+                <asvg:svgBlip xmlns:asvg="http://schemas.microsoft.com/office/drawing/2016/SVG/main" r:embed="rId4"/>
+              </a:ext>
+            </a:extLst>
+          </a:blip>
+          <a:stretch>
+            <a:fillRect/>
+          </a:stretch>
+        </a:blipFill>
+      </dgm:spPr>
+      <dgm:extLst>
+        <a:ext uri="{E40237B7-FDA0-4F09-8148-C483321AD2D9}">
+          <dgm14:cNvPr xmlns:dgm14="http://schemas.microsoft.com/office/drawing/2010/diagram" id="0" name="" descr="Electric Car"/>
+        </a:ext>
+      </dgm:extLst>
+    </dgm:pt>
+    <dgm:pt modelId="{1C735087-5E6F-40A6-8FC1-5F53C733D76E}" type="pres">
+      <dgm:prSet presAssocID="{20493580-A7EC-4EC2-9FC6-F07CC363D171}" presName="iconSpace" presStyleCnt="0"/>
+      <dgm:spPr/>
+    </dgm:pt>
+    <dgm:pt modelId="{3E524855-052E-4C25-835C-F12B27B06352}" type="pres">
+      <dgm:prSet presAssocID="{20493580-A7EC-4EC2-9FC6-F07CC363D171}" presName="parTx" presStyleLbl="revTx" presStyleIdx="2" presStyleCnt="4">
+        <dgm:presLayoutVars>
+          <dgm:chMax val="0"/>
+          <dgm:chPref val="0"/>
+        </dgm:presLayoutVars>
+      </dgm:prSet>
+      <dgm:spPr/>
+    </dgm:pt>
+    <dgm:pt modelId="{0966C31B-0091-4E17-92AC-DC60716904CB}" type="pres">
+      <dgm:prSet presAssocID="{20493580-A7EC-4EC2-9FC6-F07CC363D171}" presName="txSpace" presStyleCnt="0"/>
+      <dgm:spPr/>
+    </dgm:pt>
+    <dgm:pt modelId="{E3D3B5F8-97C3-49F2-9934-4FB80DF5CD07}" type="pres">
+      <dgm:prSet presAssocID="{20493580-A7EC-4EC2-9FC6-F07CC363D171}" presName="desTx" presStyleLbl="revTx" presStyleIdx="3" presStyleCnt="4">
+        <dgm:presLayoutVars/>
+      </dgm:prSet>
+      <dgm:spPr/>
+    </dgm:pt>
+  </dgm:ptLst>
+  <dgm:cxnLst>
+    <dgm:cxn modelId="{5B2A6017-17FA-45DA-9F3C-7B5D0D20D2E5}" type="presOf" srcId="{A9CCC0DF-2F9A-4112-A575-1930CE8B0B29}" destId="{1B85B2CD-1515-4413-84BB-E7786648ECA9}" srcOrd="0" destOrd="1" presId="urn:microsoft.com/office/officeart/2018/2/layout/IconLabelDescriptionList"/>
+    <dgm:cxn modelId="{CF77A81E-F111-4451-BC59-8820B284C762}" srcId="{3C6360AB-5EAE-4F90-BA39-0DF8367A19DB}" destId="{FF8C0198-3B01-4293-AB6E-4643F3525832}" srcOrd="0" destOrd="0" parTransId="{01A5FCCF-CD2A-420C-8957-B7DEDDE07063}" sibTransId="{CE352DD2-78CC-44EB-A379-98E832CB9734}"/>
+    <dgm:cxn modelId="{70FF2225-8F9F-4AAA-9A24-DD1AB21C6E7A}" srcId="{20493580-A7EC-4EC2-9FC6-F07CC363D171}" destId="{703CFCB0-2003-4FC1-8F5B-679811DA8AC6}" srcOrd="0" destOrd="0" parTransId="{77B72D33-C549-47A9-84EB-179DCCC451FE}" sibTransId="{5AF3783A-49CA-40B1-83D4-A4056971459D}"/>
+    <dgm:cxn modelId="{F30C8E2B-40B7-4189-ABE2-74BDA2C95162}" srcId="{6CB0C33A-99DF-45C6-B334-0479D5D334F4}" destId="{3C6360AB-5EAE-4F90-BA39-0DF8367A19DB}" srcOrd="0" destOrd="0" parTransId="{3A4EEB16-8880-4373-BE52-69430FA57AB2}" sibTransId="{544D1370-F63C-4527-BCDF-25CDDBE8C6A3}"/>
+    <dgm:cxn modelId="{33133035-3D22-47E8-9FDF-69388807D1F8}" type="presOf" srcId="{6CB0C33A-99DF-45C6-B334-0479D5D334F4}" destId="{6E9FC89D-B025-4A0A-B2EF-72715ECEE136}" srcOrd="0" destOrd="0" presId="urn:microsoft.com/office/officeart/2018/2/layout/IconLabelDescriptionList"/>
+    <dgm:cxn modelId="{AC3C0343-95B8-4D24-8CC3-523BF61E0756}" type="presOf" srcId="{20493580-A7EC-4EC2-9FC6-F07CC363D171}" destId="{3E524855-052E-4C25-835C-F12B27B06352}" srcOrd="0" destOrd="0" presId="urn:microsoft.com/office/officeart/2018/2/layout/IconLabelDescriptionList"/>
+    <dgm:cxn modelId="{6F083B7E-54C4-42A8-BD69-3A5F229663CA}" type="presOf" srcId="{3C6360AB-5EAE-4F90-BA39-0DF8367A19DB}" destId="{E1B0BDA0-0D34-41DA-AB0F-5D30528F60A8}" srcOrd="0" destOrd="0" presId="urn:microsoft.com/office/officeart/2018/2/layout/IconLabelDescriptionList"/>
+    <dgm:cxn modelId="{D461BDB0-5895-4EAC-8475-C4B5A4B522D8}" srcId="{6CB0C33A-99DF-45C6-B334-0479D5D334F4}" destId="{20493580-A7EC-4EC2-9FC6-F07CC363D171}" srcOrd="1" destOrd="0" parTransId="{781C90A1-BAEF-418D-B29A-14F5A506677A}" sibTransId="{716CC09A-E4EC-4EE6-8201-4884D915E165}"/>
+    <dgm:cxn modelId="{42DB6BDA-3066-4842-A936-6C9F3DF48D60}" type="presOf" srcId="{FF8C0198-3B01-4293-AB6E-4643F3525832}" destId="{1B85B2CD-1515-4413-84BB-E7786648ECA9}" srcOrd="0" destOrd="0" presId="urn:microsoft.com/office/officeart/2018/2/layout/IconLabelDescriptionList"/>
+    <dgm:cxn modelId="{ED05A5E5-5668-4E70-AC2E-3ACD1D1F4CFC}" type="presOf" srcId="{703CFCB0-2003-4FC1-8F5B-679811DA8AC6}" destId="{E3D3B5F8-97C3-49F2-9934-4FB80DF5CD07}" srcOrd="0" destOrd="0" presId="urn:microsoft.com/office/officeart/2018/2/layout/IconLabelDescriptionList"/>
+    <dgm:cxn modelId="{12C941FA-F009-453C-8EFF-79C1FDE8F7E2}" srcId="{3C6360AB-5EAE-4F90-BA39-0DF8367A19DB}" destId="{A9CCC0DF-2F9A-4112-A575-1930CE8B0B29}" srcOrd="1" destOrd="0" parTransId="{74BAA08D-A6A4-483C-9552-DAF30D238BC3}" sibTransId="{1454408C-3550-4F33-AB9C-EAB93875F571}"/>
+    <dgm:cxn modelId="{1042F496-1F05-4513-BC40-5BDBAD0898AA}" type="presParOf" srcId="{6E9FC89D-B025-4A0A-B2EF-72715ECEE136}" destId="{D428115D-1041-44A0-8FDE-61FEF56ECE04}" srcOrd="0" destOrd="0" presId="urn:microsoft.com/office/officeart/2018/2/layout/IconLabelDescriptionList"/>
+    <dgm:cxn modelId="{0E07F711-C093-4A4D-9E26-99DA2984B7C4}" type="presParOf" srcId="{D428115D-1041-44A0-8FDE-61FEF56ECE04}" destId="{1BF1AA1E-E5C8-468C-B941-E81D0894BEC3}" srcOrd="0" destOrd="0" presId="urn:microsoft.com/office/officeart/2018/2/layout/IconLabelDescriptionList"/>
+    <dgm:cxn modelId="{01057484-BB19-43EE-8478-F33FAF635B02}" type="presParOf" srcId="{D428115D-1041-44A0-8FDE-61FEF56ECE04}" destId="{74EBDA34-F780-483F-A9F4-344CFC69A1EF}" srcOrd="1" destOrd="0" presId="urn:microsoft.com/office/officeart/2018/2/layout/IconLabelDescriptionList"/>
+    <dgm:cxn modelId="{646E792E-FA7F-4ACE-A7AB-0CAEF682D3A7}" type="presParOf" srcId="{D428115D-1041-44A0-8FDE-61FEF56ECE04}" destId="{E1B0BDA0-0D34-41DA-AB0F-5D30528F60A8}" srcOrd="2" destOrd="0" presId="urn:microsoft.com/office/officeart/2018/2/layout/IconLabelDescriptionList"/>
+    <dgm:cxn modelId="{F1B013C5-9E44-49F6-AAD5-C3F7F8B1BE01}" type="presParOf" srcId="{D428115D-1041-44A0-8FDE-61FEF56ECE04}" destId="{22978101-57E8-4957-A3AB-40F4BCC850CA}" srcOrd="3" destOrd="0" presId="urn:microsoft.com/office/officeart/2018/2/layout/IconLabelDescriptionList"/>
+    <dgm:cxn modelId="{B3E9DC80-5B13-4FC1-B22D-43F718A416CB}" type="presParOf" srcId="{D428115D-1041-44A0-8FDE-61FEF56ECE04}" destId="{1B85B2CD-1515-4413-84BB-E7786648ECA9}" srcOrd="4" destOrd="0" presId="urn:microsoft.com/office/officeart/2018/2/layout/IconLabelDescriptionList"/>
+    <dgm:cxn modelId="{084850A2-167D-4BB5-B36D-B811A4EE8F08}" type="presParOf" srcId="{6E9FC89D-B025-4A0A-B2EF-72715ECEE136}" destId="{B720A8B7-61DE-43D0-8D0A-CA7597FDE454}" srcOrd="1" destOrd="0" presId="urn:microsoft.com/office/officeart/2018/2/layout/IconLabelDescriptionList"/>
+    <dgm:cxn modelId="{ACF8BBDA-8A94-4430-A912-1B5EA3675156}" type="presParOf" srcId="{6E9FC89D-B025-4A0A-B2EF-72715ECEE136}" destId="{CC437F3C-A8FA-4EBB-9FC0-B561CB064897}" srcOrd="2" destOrd="0" presId="urn:microsoft.com/office/officeart/2018/2/layout/IconLabelDescriptionList"/>
+    <dgm:cxn modelId="{C726AA50-B678-4132-9DF2-E84CE0576FED}" type="presParOf" srcId="{CC437F3C-A8FA-4EBB-9FC0-B561CB064897}" destId="{071E220C-83AD-4974-A660-6890EABFA253}" srcOrd="0" destOrd="0" presId="urn:microsoft.com/office/officeart/2018/2/layout/IconLabelDescriptionList"/>
+    <dgm:cxn modelId="{01E069ED-B33D-4DDA-97EE-F7E40344FF27}" type="presParOf" srcId="{CC437F3C-A8FA-4EBB-9FC0-B561CB064897}" destId="{1C735087-5E6F-40A6-8FC1-5F53C733D76E}" srcOrd="1" destOrd="0" presId="urn:microsoft.com/office/officeart/2018/2/layout/IconLabelDescriptionList"/>
+    <dgm:cxn modelId="{4CC2A744-C925-4E5D-B3DF-7A372B4788A2}" type="presParOf" srcId="{CC437F3C-A8FA-4EBB-9FC0-B561CB064897}" destId="{3E524855-052E-4C25-835C-F12B27B06352}" srcOrd="2" destOrd="0" presId="urn:microsoft.com/office/officeart/2018/2/layout/IconLabelDescriptionList"/>
+    <dgm:cxn modelId="{4221909C-62B9-435B-8817-1484E64E7874}" type="presParOf" srcId="{CC437F3C-A8FA-4EBB-9FC0-B561CB064897}" destId="{0966C31B-0091-4E17-92AC-DC60716904CB}" srcOrd="3" destOrd="0" presId="urn:microsoft.com/office/officeart/2018/2/layout/IconLabelDescriptionList"/>
+    <dgm:cxn modelId="{69C70DA1-8FA0-480D-9840-739B449749DB}" type="presParOf" srcId="{CC437F3C-A8FA-4EBB-9FC0-B561CB064897}" destId="{E3D3B5F8-97C3-49F2-9934-4FB80DF5CD07}" srcOrd="4" destOrd="0" presId="urn:microsoft.com/office/officeart/2018/2/layout/IconLabelDescriptionList"/>
+  </dgm:cxnLst>
+  <dgm:bg/>
+  <dgm:whole/>
+  <dgm:extLst>
+    <a:ext uri="http://schemas.microsoft.com/office/drawing/2008/diagram">
+      <dsp:dataModelExt xmlns:dsp="http://schemas.microsoft.com/office/drawing/2008/diagram" relId="rId7" minVer="http://schemas.openxmlformats.org/drawingml/2006/diagram"/>
+    </a:ext>
+  </dgm:extLst>
+</dgm:dataModel>
+</file>
+
+<file path=ppt/diagrams/drawing1.xml><?xml version="1.0" encoding="utf-8"?>
+<dsp:drawing xmlns:dgm="http://schemas.openxmlformats.org/drawingml/2006/diagram" xmlns:dsp="http://schemas.microsoft.com/office/drawing/2008/diagram" xmlns:a="http://schemas.openxmlformats.org/drawingml/2006/main">
+  <dsp:spTree>
+    <dsp:nvGrpSpPr>
+      <dsp:cNvPr id="0" name=""/>
+      <dsp:cNvGrpSpPr/>
+    </dsp:nvGrpSpPr>
+    <dsp:grpSpPr/>
+    <dsp:sp modelId="{1BF1AA1E-E5C8-468C-B941-E81D0894BEC3}">
+      <dsp:nvSpPr>
+        <dsp:cNvPr id="0" name=""/>
+        <dsp:cNvSpPr/>
+      </dsp:nvSpPr>
+      <dsp:spPr>
+        <a:xfrm>
+          <a:off x="5299" y="247353"/>
+          <a:ext cx="890972" cy="890972"/>
+        </a:xfrm>
+        <a:prstGeom prst="rect">
+          <a:avLst/>
+        </a:prstGeom>
+        <a:blipFill>
+          <a:blip xmlns:r="http://schemas.openxmlformats.org/officeDocument/2006/relationships" r:embed="rId1">
+            <a:extLst>
+              <a:ext uri="{28A0092B-C50C-407E-A947-70E740481C1C}">
+                <a14:useLocalDpi xmlns:a14="http://schemas.microsoft.com/office/drawing/2010/main" val="0"/>
+              </a:ext>
+              <a:ext uri="{96DAC541-7B7A-43D3-8B79-37D633B846F1}">
+                <asvg:svgBlip xmlns:asvg="http://schemas.microsoft.com/office/drawing/2016/SVG/main" r:embed="rId2"/>
+              </a:ext>
+            </a:extLst>
+          </a:blip>
+          <a:stretch>
+            <a:fillRect/>
+          </a:stretch>
+        </a:blipFill>
+        <a:ln w="12700" cap="flat" cmpd="sng" algn="ctr">
+          <a:solidFill>
+            <a:schemeClr val="lt1">
+              <a:hueOff val="0"/>
+              <a:satOff val="0"/>
+              <a:lumOff val="0"/>
+              <a:alphaOff val="0"/>
+            </a:schemeClr>
+          </a:solidFill>
+          <a:prstDash val="solid"/>
+          <a:miter lim="800000"/>
+        </a:ln>
+        <a:effectLst/>
+      </dsp:spPr>
+      <dsp:style>
+        <a:lnRef idx="2">
+          <a:scrgbClr r="0" g="0" b="0"/>
+        </a:lnRef>
+        <a:fillRef idx="1">
+          <a:scrgbClr r="0" g="0" b="0"/>
+        </a:fillRef>
+        <a:effectRef idx="0">
+          <a:scrgbClr r="0" g="0" b="0"/>
+        </a:effectRef>
+        <a:fontRef idx="minor">
+          <a:schemeClr val="lt1"/>
+        </a:fontRef>
+      </dsp:style>
+    </dsp:sp>
+    <dsp:sp modelId="{E1B0BDA0-0D34-41DA-AB0F-5D30528F60A8}">
+      <dsp:nvSpPr>
+        <dsp:cNvPr id="0" name=""/>
+        <dsp:cNvSpPr/>
+      </dsp:nvSpPr>
+      <dsp:spPr>
+        <a:xfrm>
+          <a:off x="5299" y="1253033"/>
+          <a:ext cx="2545636" cy="429576"/>
+        </a:xfrm>
+        <a:prstGeom prst="rect">
+          <a:avLst/>
+        </a:prstGeom>
+        <a:noFill/>
+        <a:ln>
+          <a:noFill/>
+        </a:ln>
+        <a:effectLst/>
+      </dsp:spPr>
+      <dsp:style>
+        <a:lnRef idx="0">
+          <a:scrgbClr r="0" g="0" b="0"/>
+        </a:lnRef>
+        <a:fillRef idx="0">
+          <a:scrgbClr r="0" g="0" b="0"/>
+        </a:fillRef>
+        <a:effectRef idx="0">
+          <a:scrgbClr r="0" g="0" b="0"/>
+        </a:effectRef>
+        <a:fontRef idx="minor"/>
+      </dsp:style>
+      <dsp:txBody>
+        <a:bodyPr spcFirstLastPara="0" vert="horz" wrap="square" lIns="0" tIns="0" rIns="0" bIns="0" numCol="1" spcCol="1270" anchor="t" anchorCtr="0">
+          <a:noAutofit/>
+        </a:bodyPr>
+        <a:lstStyle/>
+        <a:p>
+          <a:pPr marL="0" lvl="0" indent="0" algn="l" defTabSz="622300">
+            <a:lnSpc>
+              <a:spcPct val="100000"/>
+            </a:lnSpc>
+            <a:spcBef>
+              <a:spcPct val="0"/>
+            </a:spcBef>
+            <a:spcAft>
+              <a:spcPct val="35000"/>
+            </a:spcAft>
+            <a:buNone/>
+            <a:defRPr b="1"/>
+          </a:pPr>
+          <a:r>
+            <a:rPr lang="en-US" sz="1400" kern="1200" dirty="0"/>
+            <a:t>Solar Energy Prediction Models</a:t>
+          </a:r>
+        </a:p>
+      </dsp:txBody>
+      <dsp:txXfrm>
+        <a:off x="5299" y="1253033"/>
+        <a:ext cx="2545636" cy="429576"/>
+      </dsp:txXfrm>
+    </dsp:sp>
+    <dsp:sp modelId="{1B85B2CD-1515-4413-84BB-E7786648ECA9}">
+      <dsp:nvSpPr>
+        <dsp:cNvPr id="0" name=""/>
+        <dsp:cNvSpPr/>
+      </dsp:nvSpPr>
+      <dsp:spPr>
+        <a:xfrm>
+          <a:off x="5299" y="1735961"/>
+          <a:ext cx="2545636" cy="1178984"/>
+        </a:xfrm>
+        <a:prstGeom prst="rect">
+          <a:avLst/>
+        </a:prstGeom>
+        <a:noFill/>
+        <a:ln>
+          <a:noFill/>
+        </a:ln>
+        <a:effectLst/>
+      </dsp:spPr>
+      <dsp:style>
+        <a:lnRef idx="0">
+          <a:scrgbClr r="0" g="0" b="0"/>
+        </a:lnRef>
+        <a:fillRef idx="0">
+          <a:scrgbClr r="0" g="0" b="0"/>
+        </a:fillRef>
+        <a:effectRef idx="0">
+          <a:scrgbClr r="0" g="0" b="0"/>
+        </a:effectRef>
+        <a:fontRef idx="minor"/>
+      </dsp:style>
+      <dsp:txBody>
+        <a:bodyPr spcFirstLastPara="0" vert="horz" wrap="square" lIns="0" tIns="0" rIns="0" bIns="0" numCol="1" spcCol="1270" anchor="t" anchorCtr="0">
+          <a:noAutofit/>
+        </a:bodyPr>
+        <a:lstStyle/>
+        <a:p>
+          <a:pPr marL="0" lvl="0" indent="0" algn="l" defTabSz="488950">
+            <a:lnSpc>
+              <a:spcPct val="100000"/>
+            </a:lnSpc>
+            <a:spcBef>
+              <a:spcPct val="0"/>
+            </a:spcBef>
+            <a:spcAft>
+              <a:spcPct val="35000"/>
+            </a:spcAft>
+            <a:buNone/>
+          </a:pPr>
+          <a:r>
+            <a:rPr lang="en-US" sz="1100" kern="1200" dirty="0"/>
+            <a:t>The gradient boosting model achieved R</a:t>
+          </a:r>
+          <a:r>
+            <a:rPr lang="en-US" sz="1100" kern="1200" baseline="30000" dirty="0"/>
+            <a:t>2 </a:t>
+          </a:r>
+          <a:r>
+            <a:rPr lang="en-US" sz="1100" kern="1200" dirty="0"/>
+            <a:t>of 0.90</a:t>
+          </a:r>
+        </a:p>
+        <a:p>
+          <a:pPr marL="0" lvl="0" indent="0" algn="l" defTabSz="488950">
+            <a:lnSpc>
+              <a:spcPct val="100000"/>
+            </a:lnSpc>
+            <a:spcBef>
+              <a:spcPct val="0"/>
+            </a:spcBef>
+            <a:spcAft>
+              <a:spcPct val="35000"/>
+            </a:spcAft>
+            <a:buNone/>
+          </a:pPr>
+          <a:r>
+            <a:rPr lang="en-US" sz="1100" kern="1200" dirty="0"/>
+            <a:t>Top three weather-related features are </a:t>
+          </a:r>
+          <a:r>
+            <a:rPr lang="en-US" sz="1100" b="1" kern="1200" dirty="0"/>
+            <a:t>humidity</a:t>
+          </a:r>
+          <a:r>
+            <a:rPr lang="en-US" sz="1100" kern="1200" dirty="0"/>
+            <a:t>, </a:t>
+          </a:r>
+          <a:r>
+            <a:rPr lang="en-US" sz="1100" b="1" kern="1200" dirty="0"/>
+            <a:t>cloud cover</a:t>
+          </a:r>
+          <a:r>
+            <a:rPr lang="en-US" sz="1100" kern="1200" dirty="0"/>
+            <a:t>, </a:t>
+          </a:r>
+          <a:r>
+            <a:rPr lang="en-US" sz="1100" b="1" kern="1200" dirty="0"/>
+            <a:t>solar radiation availability</a:t>
+          </a:r>
+          <a:r>
+            <a:rPr lang="en-US" sz="1100" kern="1200" dirty="0"/>
+            <a:t>.</a:t>
+          </a:r>
+        </a:p>
+      </dsp:txBody>
+      <dsp:txXfrm>
+        <a:off x="5299" y="1735961"/>
+        <a:ext cx="2545636" cy="1178984"/>
+      </dsp:txXfrm>
+    </dsp:sp>
+    <dsp:sp modelId="{071E220C-83AD-4974-A660-6890EABFA253}">
+      <dsp:nvSpPr>
+        <dsp:cNvPr id="0" name=""/>
+        <dsp:cNvSpPr/>
+      </dsp:nvSpPr>
+      <dsp:spPr>
+        <a:xfrm>
+          <a:off x="2996422" y="247353"/>
+          <a:ext cx="890972" cy="890972"/>
+        </a:xfrm>
+        <a:prstGeom prst="rect">
+          <a:avLst/>
+        </a:prstGeom>
+        <a:blipFill>
+          <a:blip xmlns:r="http://schemas.openxmlformats.org/officeDocument/2006/relationships" r:embed="rId3">
+            <a:extLst>
+              <a:ext uri="{28A0092B-C50C-407E-A947-70E740481C1C}">
+                <a14:useLocalDpi xmlns:a14="http://schemas.microsoft.com/office/drawing/2010/main" val="0"/>
+              </a:ext>
+              <a:ext uri="{96DAC541-7B7A-43D3-8B79-37D633B846F1}">
+                <asvg:svgBlip xmlns:asvg="http://schemas.microsoft.com/office/drawing/2016/SVG/main" r:embed="rId4"/>
+              </a:ext>
+            </a:extLst>
+          </a:blip>
+          <a:stretch>
+            <a:fillRect/>
+          </a:stretch>
+        </a:blipFill>
+        <a:ln w="12700" cap="flat" cmpd="sng" algn="ctr">
+          <a:solidFill>
+            <a:schemeClr val="lt1">
+              <a:hueOff val="0"/>
+              <a:satOff val="0"/>
+              <a:lumOff val="0"/>
+              <a:alphaOff val="0"/>
+            </a:schemeClr>
+          </a:solidFill>
+          <a:prstDash val="solid"/>
+          <a:miter lim="800000"/>
+        </a:ln>
+        <a:effectLst/>
+      </dsp:spPr>
+      <dsp:style>
+        <a:lnRef idx="2">
+          <a:scrgbClr r="0" g="0" b="0"/>
+        </a:lnRef>
+        <a:fillRef idx="1">
+          <a:scrgbClr r="0" g="0" b="0"/>
+        </a:fillRef>
+        <a:effectRef idx="0">
+          <a:scrgbClr r="0" g="0" b="0"/>
+        </a:effectRef>
+        <a:fontRef idx="minor">
+          <a:schemeClr val="lt1"/>
+        </a:fontRef>
+      </dsp:style>
+    </dsp:sp>
+    <dsp:sp modelId="{3E524855-052E-4C25-835C-F12B27B06352}">
+      <dsp:nvSpPr>
+        <dsp:cNvPr id="0" name=""/>
+        <dsp:cNvSpPr/>
+      </dsp:nvSpPr>
+      <dsp:spPr>
+        <a:xfrm>
+          <a:off x="2996422" y="1253033"/>
+          <a:ext cx="2545636" cy="429576"/>
+        </a:xfrm>
+        <a:prstGeom prst="rect">
+          <a:avLst/>
+        </a:prstGeom>
+        <a:noFill/>
+        <a:ln>
+          <a:noFill/>
+        </a:ln>
+        <a:effectLst/>
+      </dsp:spPr>
+      <dsp:style>
+        <a:lnRef idx="0">
+          <a:scrgbClr r="0" g="0" b="0"/>
+        </a:lnRef>
+        <a:fillRef idx="0">
+          <a:scrgbClr r="0" g="0" b="0"/>
+        </a:fillRef>
+        <a:effectRef idx="0">
+          <a:scrgbClr r="0" g="0" b="0"/>
+        </a:effectRef>
+        <a:fontRef idx="minor"/>
+      </dsp:style>
+      <dsp:txBody>
+        <a:bodyPr spcFirstLastPara="0" vert="horz" wrap="square" lIns="0" tIns="0" rIns="0" bIns="0" numCol="1" spcCol="1270" anchor="t" anchorCtr="0">
+          <a:noAutofit/>
+        </a:bodyPr>
+        <a:lstStyle/>
+        <a:p>
+          <a:pPr marL="0" lvl="0" indent="0" algn="l" defTabSz="622300">
+            <a:lnSpc>
+              <a:spcPct val="100000"/>
+            </a:lnSpc>
+            <a:spcBef>
+              <a:spcPct val="0"/>
+            </a:spcBef>
+            <a:spcAft>
+              <a:spcPct val="35000"/>
+            </a:spcAft>
+            <a:buNone/>
+            <a:defRPr b="1"/>
+          </a:pPr>
+          <a:r>
+            <a:rPr lang="en-US" sz="1400" kern="1200" dirty="0"/>
+            <a:t>Electricity Cost Prediction Models</a:t>
+          </a:r>
+        </a:p>
+      </dsp:txBody>
+      <dsp:txXfrm>
+        <a:off x="2996422" y="1253033"/>
+        <a:ext cx="2545636" cy="429576"/>
+      </dsp:txXfrm>
+    </dsp:sp>
+    <dsp:sp modelId="{E3D3B5F8-97C3-49F2-9934-4FB80DF5CD07}">
+      <dsp:nvSpPr>
+        <dsp:cNvPr id="0" name=""/>
+        <dsp:cNvSpPr/>
+      </dsp:nvSpPr>
+      <dsp:spPr>
+        <a:xfrm>
+          <a:off x="2996422" y="1735961"/>
+          <a:ext cx="2545636" cy="1178984"/>
+        </a:xfrm>
+        <a:prstGeom prst="rect">
+          <a:avLst/>
+        </a:prstGeom>
+        <a:noFill/>
+        <a:ln>
+          <a:noFill/>
+        </a:ln>
+        <a:effectLst/>
+      </dsp:spPr>
+      <dsp:style>
+        <a:lnRef idx="0">
+          <a:scrgbClr r="0" g="0" b="0"/>
+        </a:lnRef>
+        <a:fillRef idx="0">
+          <a:scrgbClr r="0" g="0" b="0"/>
+        </a:fillRef>
+        <a:effectRef idx="0">
+          <a:scrgbClr r="0" g="0" b="0"/>
+        </a:effectRef>
+        <a:fontRef idx="minor"/>
+      </dsp:style>
+      <dsp:txBody>
+        <a:bodyPr spcFirstLastPara="0" vert="horz" wrap="square" lIns="0" tIns="0" rIns="0" bIns="0" numCol="1" spcCol="1270" anchor="t" anchorCtr="0">
+          <a:noAutofit/>
+        </a:bodyPr>
+        <a:lstStyle/>
+        <a:p>
+          <a:pPr marL="0" lvl="0" indent="0" algn="l" defTabSz="488950">
+            <a:lnSpc>
+              <a:spcPct val="100000"/>
+            </a:lnSpc>
+            <a:spcBef>
+              <a:spcPct val="0"/>
+            </a:spcBef>
+            <a:spcAft>
+              <a:spcPct val="35000"/>
+            </a:spcAft>
+            <a:buNone/>
+          </a:pPr>
+          <a:r>
+            <a:rPr lang="en-US" sz="1100" kern="1200" dirty="0"/>
+            <a:t>The data is stationary and exhibits a 24-hour seasonality. The time series analysis was conducted using SARIMAX, achieved a root mean squared error of 2.22 cents per kilowatt as the difference between the actual and forecasted values over the last 168 hours of data.</a:t>
+          </a:r>
+        </a:p>
+      </dsp:txBody>
+      <dsp:txXfrm>
+        <a:off x="2996422" y="1735961"/>
+        <a:ext cx="2545636" cy="1178984"/>
+      </dsp:txXfrm>
+    </dsp:sp>
+  </dsp:spTree>
+</dsp:drawing>
+</file>
+
+<file path=ppt/diagrams/layout1.xml><?xml version="1.0" encoding="utf-8"?>
+<dgm:layoutDef xmlns:dgm="http://schemas.openxmlformats.org/drawingml/2006/diagram" xmlns:a="http://schemas.openxmlformats.org/drawingml/2006/main" uniqueId="urn:microsoft.com/office/officeart/2018/2/layout/IconLabelDescriptionList">
+  <dgm:title val="Icon Label Description List"/>
+  <dgm:desc val="Use to show non-sequential or grouped chunks of information. The placeholder holds an icon or small picture, and corresponding text boxes show Level 1 and Level 2 text respectively. Works well for minimal Level 1 text accompanied by lengthier Level two text."/>
+  <dgm:catLst>
+    <dgm:cat type="icon" pri="500"/>
+  </dgm:catLst>
+  <dgm:sampData useDef="1">
+    <dgm:dataModel>
+      <dgm:ptLst/>
+      <dgm:bg/>
+      <dgm:whole/>
+    </dgm:dataModel>
+  </dgm:sampData>
+  <dgm:styleData useDef="1">
+    <dgm:dataModel>
+      <dgm:ptLst/>
+      <dgm:bg/>
+      <dgm:whole/>
+    </dgm:dataModel>
+  </dgm:styleData>
+  <dgm:clrData useDef="1">
+    <dgm:dataModel>
+      <dgm:ptLst/>
+      <dgm:bg/>
+      <dgm:whole/>
+    </dgm:dataModel>
+  </dgm:clrData>
+  <dgm:layoutNode name="root">
+    <dgm:varLst>
+      <dgm:dir/>
+      <dgm:resizeHandles val="exact"/>
+    </dgm:varLst>
+    <dgm:choose name="Name0">
+      <dgm:if name="Name1" axis="self" func="var" arg="dir" op="equ" val="norm">
+        <dgm:alg type="lin"/>
+      </dgm:if>
+      <dgm:else name="Name2">
+        <dgm:alg type="lin">
+          <dgm:param type="linDir" val="fromR"/>
+        </dgm:alg>
+      </dgm:else>
+    </dgm:choose>
+    <dgm:shape xmlns:r="http://schemas.openxmlformats.org/officeDocument/2006/relationships" r:blip="">
+      <dgm:adjLst/>
+    </dgm:shape>
+    <dgm:presOf/>
+    <dgm:constrLst>
+      <dgm:constr type="h" for="ch" forName="compNode" refType="h" fact="0.45"/>
+      <dgm:constr type="w" for="ch" forName="compNode" val="120"/>
+      <dgm:constr type="w" for="ch" forName="sibTrans" refType="w" refFor="ch" refForName="compNode" fact="0.175"/>
+      <dgm:constr type="primFontSz" for="des" forName="parTx" val="36"/>
+      <dgm:constr type="primFontSz" for="des" forName="desTx" refType="primFontSz" refFor="des" refForName="parTx" op="lte" fact="0.75"/>
+      <dgm:constr type="h" for="des" forName="compNode" op="equ"/>
+      <dgm:constr type="h" for="des" forName="iconRect" op="equ"/>
+      <dgm:constr type="w" for="des" forName="iconRect" op="equ"/>
+      <dgm:constr type="h" for="des" forName="iconSpace" op="equ"/>
+      <dgm:constr type="h" for="des" forName="parTx" op="equ"/>
+      <dgm:constr type="h" for="des" forName="txSpace" op="equ"/>
+      <dgm:constr type="h" for="des" forName="desTx" op="equ"/>
+    </dgm:constrLst>
+    <dgm:ruleLst>
+      <dgm:rule type="w" for="ch" forName="compNode" val="0" fact="NaN" max="NaN"/>
+    </dgm:ruleLst>
+    <dgm:forEach name="Name3" axis="ch" ptType="node">
+      <dgm:layoutNode name="compNode">
+        <dgm:alg type="composite"/>
+        <dgm:shape xmlns:r="http://schemas.openxmlformats.org/officeDocument/2006/relationships" r:blip="">
+          <dgm:adjLst/>
+        </dgm:shape>
+        <dgm:presOf axis="self"/>
+        <dgm:constrLst>
+          <dgm:constr type="w" for="ch" forName="iconRect" refType="w" fact="0.35"/>
+          <dgm:constr type="h" for="ch" forName="iconRect" refType="w" refFor="ch" refForName="iconRect"/>
+          <dgm:constr type="l" for="ch" forName="iconRect"/>
+          <dgm:constr type="t" for="ch" forName="iconRect"/>
+          <dgm:constr type="w" for="ch" forName="iconSpace" refType="w"/>
+          <dgm:constr type="h" for="ch" forName="iconSpace" refType="h" fact="0.043"/>
+          <dgm:constr type="l" for="ch" forName="iconSpace"/>
+          <dgm:constr type="t" for="ch" forName="iconSpace" refType="b" refFor="ch" refForName="iconRect"/>
+          <dgm:constr type="w" for="ch" forName="parTx" refType="w"/>
+          <dgm:constr type="h" for="ch" forName="parTx" refType="w" fact="0.15"/>
+          <dgm:constr type="l" for="ch" forName="parTx"/>
+          <dgm:constr type="t" for="ch" forName="parTx" refType="b" refFor="ch" refForName="iconSpace"/>
+          <dgm:constr type="h" for="ch" forName="txSpace" refType="h" fact="0.02"/>
+          <dgm:constr type="w" for="ch" forName="txSpace" refType="w"/>
+          <dgm:constr type="l" for="ch" forName="txSpace"/>
+          <dgm:constr type="t" for="ch" forName="txSpace" refType="b" refFor="ch" refForName="parTx"/>
+          <dgm:constr type="w" for="ch" forName="desTx" refType="w"/>
+          <dgm:constr type="l" for="ch" forName="desTx"/>
+          <dgm:constr type="t" for="ch" forName="desTx" refType="b" refFor="ch" refForName="txSpace"/>
+        </dgm:constrLst>
+        <dgm:ruleLst>
+          <dgm:rule type="h" val="INF" fact="NaN" max="NaN"/>
+        </dgm:ruleLst>
+        <dgm:layoutNode name="iconRect" styleLbl="node1">
+          <dgm:alg type="sp"/>
+          <dgm:shape xmlns:r="http://schemas.openxmlformats.org/officeDocument/2006/relationships" type="rect" r:blip="" blipPhldr="1">
+            <dgm:adjLst/>
+          </dgm:shape>
+          <dgm:presOf/>
+          <dgm:constrLst/>
+          <dgm:ruleLst/>
+        </dgm:layoutNode>
+        <dgm:layoutNode name="iconSpace">
+          <dgm:alg type="sp"/>
+          <dgm:shape xmlns:r="http://schemas.openxmlformats.org/officeDocument/2006/relationships" r:blip="">
+            <dgm:adjLst/>
+          </dgm:shape>
+          <dgm:presOf/>
+          <dgm:constrLst/>
+          <dgm:ruleLst/>
+        </dgm:layoutNode>
+        <dgm:layoutNode name="parTx" styleLbl="revTx">
+          <dgm:varLst>
+            <dgm:chMax val="0"/>
+            <dgm:chPref val="0"/>
+          </dgm:varLst>
+          <dgm:alg type="tx">
+            <dgm:param type="txAnchorVert" val="t"/>
+            <dgm:param type="parTxLTRAlign" val="l"/>
+            <dgm:param type="shpTxLTRAlignCh" val="l"/>
+            <dgm:param type="parTxRTLAlign" val="r"/>
+            <dgm:param type="shpTxRTLAlignCh" val="r"/>
+          </dgm:alg>
+          <dgm:shape xmlns:r="http://schemas.openxmlformats.org/officeDocument/2006/relationships" type="rect" r:blip="">
+            <dgm:adjLst/>
+          </dgm:shape>
+          <dgm:presOf axis="self" ptType="node"/>
+          <dgm:constrLst>
+            <dgm:constr type="lMarg"/>
+            <dgm:constr type="rMarg"/>
+            <dgm:constr type="tMarg"/>
+            <dgm:constr type="bMarg"/>
+          </dgm:constrLst>
+          <dgm:ruleLst>
+            <dgm:rule type="primFontSz" val="14" fact="NaN" max="NaN"/>
+            <dgm:rule type="h" val="INF" fact="NaN" max="NaN"/>
+          </dgm:ruleLst>
+        </dgm:layoutNode>
+        <dgm:layoutNode name="txSpace">
+          <dgm:alg type="sp"/>
+          <dgm:shape xmlns:r="http://schemas.openxmlformats.org/officeDocument/2006/relationships" r:blip="">
+            <dgm:adjLst/>
+          </dgm:shape>
+          <dgm:presOf/>
+          <dgm:constrLst/>
+          <dgm:ruleLst/>
+        </dgm:layoutNode>
+        <dgm:layoutNode name="desTx" styleLbl="revTx">
+          <dgm:varLst/>
+          <dgm:alg type="tx">
+            <dgm:param type="stBulletLvl" val="0"/>
+            <dgm:param type="txAnchorVert" val="t"/>
+            <dgm:param type="parTxLTRAlign" val="l"/>
+            <dgm:param type="shpTxLTRAlignCh" val="l"/>
+            <dgm:param type="parTxRTLAlign" val="r"/>
+            <dgm:param type="shpTxRTLAlignCh" val="r"/>
+          </dgm:alg>
+          <dgm:shape xmlns:r="http://schemas.openxmlformats.org/officeDocument/2006/relationships" type="rect" r:blip="">
+            <dgm:adjLst/>
+          </dgm:shape>
+          <dgm:presOf axis="des" ptType="node"/>
+          <dgm:constrLst>
+            <dgm:constr type="secFontSz" refType="primFontSz"/>
+            <dgm:constr type="lMarg"/>
+            <dgm:constr type="rMarg"/>
+            <dgm:constr type="tMarg"/>
+            <dgm:constr type="bMarg"/>
+          </dgm:constrLst>
+          <dgm:ruleLst>
+            <dgm:rule type="primFontSz" val="NaN" fact="NaN" max="17"/>
+            <dgm:rule type="h" val="INF" fact="NaN" max="NaN"/>
+          </dgm:ruleLst>
+        </dgm:layoutNode>
+      </dgm:layoutNode>
+      <dgm:forEach name="Name4" axis="followSib" ptType="sibTrans" cnt="1">
+        <dgm:layoutNode name="sibTrans">
+          <dgm:alg type="sp"/>
+          <dgm:shape xmlns:r="http://schemas.openxmlformats.org/officeDocument/2006/relationships" r:blip="">
+            <dgm:adjLst/>
+          </dgm:shape>
+          <dgm:presOf axis="self"/>
+          <dgm:constrLst/>
+          <dgm:ruleLst/>
+        </dgm:layoutNode>
+      </dgm:forEach>
+    </dgm:forEach>
+  </dgm:layoutNode>
+  <dgm:extLst>
+    <a:ext uri="{68A01E43-0DF5-4B5B-8FA6-DAF915123BFB}">
+      <dgm1612:lstStyle xmlns:dgm1612="http://schemas.microsoft.com/office/drawing/2016/12/diagram">
+        <a:lvl1pPr>
+          <a:lnSpc>
+            <a:spcPct val="100000"/>
+          </a:lnSpc>
+          <a:defRPr b="1"/>
+        </a:lvl1pPr>
+        <a:lvl2pPr>
+          <a:lnSpc>
+            <a:spcPct val="100000"/>
+          </a:lnSpc>
+        </a:lvl2pPr>
+      </dgm1612:lstStyle>
+    </a:ext>
+  </dgm:extLst>
+</dgm:layoutDef>
+</file>
+
+<file path=ppt/diagrams/quickStyle1.xml><?xml version="1.0" encoding="utf-8"?>
+<dgm:styleDef xmlns:dgm="http://schemas.openxmlformats.org/drawingml/2006/diagram" xmlns:a="http://schemas.openxmlformats.org/drawingml/2006/main" uniqueId="urn:microsoft.com/office/officeart/2005/8/quickstyle/simple1">
+  <dgm:title val=""/>
+  <dgm:desc val=""/>
+  <dgm:catLst>
+    <dgm:cat type="simple" pri="10100"/>
+  </dgm:catLst>
+  <dgm:scene3d>
+    <a:camera prst="orthographicFront"/>
+    <a:lightRig rig="threePt" dir="t"/>
+  </dgm:scene3d>
+  <dgm:styleLbl name="node0">
+    <dgm:scene3d>
+      <a:camera prst="orthographicFront"/>
+      <a:lightRig rig="threePt" dir="t"/>
+    </dgm:scene3d>
+    <dgm:sp3d/>
+    <dgm:txPr/>
+    <dgm:style>
+      <a:lnRef idx="2">
+        <a:scrgbClr r="0" g="0" b="0"/>
+      </a:lnRef>
+      <a:fillRef idx="1">
+        <a:scrgbClr r="0" g="0" b="0"/>
+      </a:fillRef>
+      <a:effectRef idx="0">
+        <a:scrgbClr r="0" g="0" b="0"/>
+      </a:effectRef>
+      <a:fontRef idx="minor">
+        <a:schemeClr val="lt1"/>
+      </a:fontRef>
+    </dgm:style>
+  </dgm:styleLbl>
+  <dgm:styleLbl name="lnNode1">
+    <dgm:scene3d>
+      <a:camera prst="orthographicFront"/>
+      <a:lightRig rig="threePt" dir="t"/>
+    </dgm:scene3d>
+    <dgm:sp3d/>
+    <dgm:txPr/>
+    <dgm:style>
+      <a:lnRef idx="2">
+        <a:scrgbClr r="0" g="0" b="0"/>
+      </a:lnRef>
+      <a:fillRef idx="1">
+        <a:scrgbClr r="0" g="0" b="0"/>
+      </a:fillRef>
+      <a:effectRef idx="0">
+        <a:scrgbClr r="0" g="0" b="0"/>
+      </a:effectRef>
+      <a:fontRef idx="minor">
+        <a:schemeClr val="lt1"/>
+      </a:fontRef>
+    </dgm:style>
+  </dgm:styleLbl>
+  <dgm:styleLbl name="vennNode1">
+    <dgm:scene3d>
+      <a:camera prst="orthographicFront"/>
+      <a:lightRig rig="threePt" dir="t"/>
+    </dgm:scene3d>
+    <dgm:sp3d/>
+    <dgm:txPr/>
+    <dgm:style>
+      <a:lnRef idx="2">
+        <a:scrgbClr r="0" g="0" b="0"/>
+      </a:lnRef>
+      <a:fillRef idx="1">
+        <a:scrgbClr r="0" g="0" b="0"/>
+      </a:fillRef>
+      <a:effectRef idx="0">
+        <a:scrgbClr r="0" g="0" b="0"/>
+      </a:effectRef>
+      <a:fontRef idx="minor">
+        <a:schemeClr val="tx1"/>
+      </a:fontRef>
+    </dgm:style>
+  </dgm:styleLbl>
+  <dgm:styleLbl name="alignNode1">
+    <dgm:scene3d>
+      <a:camera prst="orthographicFront"/>
+      <a:lightRig rig="threePt" dir="t"/>
+    </dgm:scene3d>
+    <dgm:sp3d/>
+    <dgm:txPr/>
+    <dgm:style>
+      <a:lnRef idx="2">
+        <a:scrgbClr r="0" g="0" b="0"/>
+      </a:lnRef>
+      <a:fillRef idx="1">
+        <a:scrgbClr r="0" g="0" b="0"/>
+      </a:fillRef>
+      <a:effectRef idx="0">
+        <a:scrgbClr r="0" g="0" b="0"/>
+      </a:effectRef>
+      <a:fontRef idx="minor">
+        <a:schemeClr val="lt1"/>
+      </a:fontRef>
+    </dgm:style>
+  </dgm:styleLbl>
+  <dgm:styleLbl name="node1">
+    <dgm:scene3d>
+      <a:camera prst="orthographicFront"/>
+      <a:lightRig rig="threePt" dir="t"/>
+    </dgm:scene3d>
+    <dgm:sp3d/>
+    <dgm:txPr/>
+    <dgm:style>
+      <a:lnRef idx="2">
+        <a:scrgbClr r="0" g="0" b="0"/>
+      </a:lnRef>
+      <a:fillRef idx="1">
+        <a:scrgbClr r="0" g="0" b="0"/>
+      </a:fillRef>
+      <a:effectRef idx="0">
+        <a:scrgbClr r="0" g="0" b="0"/>
+      </a:effectRef>
+      <a:fontRef idx="minor">
+        <a:schemeClr val="lt1"/>
+      </a:fontRef>
+    </dgm:style>
+  </dgm:styleLbl>
+  <dgm:styleLbl name="node2">
+    <dgm:scene3d>
+      <a:camera prst="orthographicFront"/>
+      <a:lightRig rig="threePt" dir="t"/>
+    </dgm:scene3d>
+    <dgm:sp3d/>
+    <dgm:txPr/>
+    <dgm:style>
+      <a:lnRef idx="2">
+        <a:scrgbClr r="0" g="0" b="0"/>
+      </a:lnRef>
+      <a:fillRef idx="1">
+        <a:scrgbClr r="0" g="0" b="0"/>
+      </a:fillRef>
+      <a:effectRef idx="0">
+        <a:scrgbClr r="0" g="0" b="0"/>
+      </a:effectRef>
+      <a:fontRef idx="minor">
+        <a:schemeClr val="lt1"/>
+      </a:fontRef>
+    </dgm:style>
+  </dgm:styleLbl>
+  <dgm:styleLbl name="node3">
+    <dgm:scene3d>
+      <a:camera prst="orthographicFront"/>
+      <a:lightRig rig="threePt" dir="t"/>
+    </dgm:scene3d>
+    <dgm:sp3d/>
+    <dgm:txPr/>
+    <dgm:style>
+      <a:lnRef idx="2">
+        <a:scrgbClr r="0" g="0" b="0"/>
+      </a:lnRef>
+      <a:fillRef idx="1">
+        <a:scrgbClr r="0" g="0" b="0"/>
+      </a:fillRef>
+      <a:effectRef idx="0">
+        <a:scrgbClr r="0" g="0" b="0"/>
+      </a:effectRef>
+      <a:fontRef idx="minor">
+        <a:schemeClr val="lt1"/>
+      </a:fontRef>
+    </dgm:style>
+  </dgm:styleLbl>
+  <dgm:styleLbl name="node4">
+    <dgm:scene3d>
+      <a:camera prst="orthographicFront"/>
+      <a:lightRig rig="threePt" dir="t"/>
+    </dgm:scene3d>
+    <dgm:sp3d/>
+    <dgm:txPr/>
+    <dgm:style>
+      <a:lnRef idx="2">
+        <a:scrgbClr r="0" g="0" b="0"/>
+      </a:lnRef>
+      <a:fillRef idx="1">
+        <a:scrgbClr r="0" g="0" b="0"/>
+      </a:fillRef>
+      <a:effectRef idx="0">
+        <a:scrgbClr r="0" g="0" b="0"/>
+      </a:effectRef>
+      <a:fontRef idx="minor">
+        <a:schemeClr val="lt1"/>
+      </a:fontRef>
+    </dgm:style>
+  </dgm:styleLbl>
+  <dgm:styleLbl name="fgImgPlace1">
+    <dgm:scene3d>
+      <a:camera prst="orthographicFront"/>
+      <a:lightRig rig="threePt" dir="t"/>
+    </dgm:scene3d>
+    <dgm:sp3d/>
+    <dgm:txPr/>
+    <dgm:style>
+      <a:lnRef idx="2">
+        <a:scrgbClr r="0" g="0" b="0"/>
+      </a:lnRef>
+      <a:fillRef idx="1">
+        <a:scrgbClr r="0" g="0" b="0"/>
+      </a:fillRef>
+      <a:effectRef idx="0">
+        <a:scrgbClr r="0" g="0" b="0"/>
+      </a:effectRef>
+      <a:fontRef idx="minor"/>
+    </dgm:style>
+  </dgm:styleLbl>
+  <dgm:styleLbl name="alignImgPlace1">
+    <dgm:scene3d>
+      <a:camera prst="orthographicFront"/>
+      <a:lightRig rig="threePt" dir="t"/>
+    </dgm:scene3d>
+    <dgm:sp3d/>
+    <dgm:txPr/>
+    <dgm:style>
+      <a:lnRef idx="2">
+        <a:scrgbClr r="0" g="0" b="0"/>
+      </a:lnRef>
+      <a:fillRef idx="1">
+        <a:scrgbClr r="0" g="0" b="0"/>
+      </a:fillRef>
+      <a:effectRef idx="0">
+        <a:scrgbClr r="0" g="0" b="0"/>
+      </a:effectRef>
+      <a:fontRef idx="minor"/>
+    </dgm:style>
+  </dgm:styleLbl>
+  <dgm:styleLbl name="bgImgPlace1">
+    <dgm:scene3d>
+      <a:camera prst="orthographicFront"/>
+      <a:lightRig rig="threePt" dir="t"/>
+    </dgm:scene3d>
+    <dgm:sp3d/>
+    <dgm:txPr/>
+    <dgm:style>
+      <a:lnRef idx="2">
+        <a:scrgbClr r="0" g="0" b="0"/>
+      </a:lnRef>
+      <a:fillRef idx="1">
+        <a:scrgbClr r="0" g="0" b="0"/>
+      </a:fillRef>
+      <a:effectRef idx="0">
+        <a:scrgbClr r="0" g="0" b="0"/>
+      </a:effectRef>
+      <a:fontRef idx="minor"/>
+    </dgm:style>
+  </dgm:styleLbl>
+  <dgm:styleLbl name="sibTrans2D1">
+    <dgm:scene3d>
+      <a:camera prst="orthographicFront"/>
+      <a:lightRig rig="threePt" dir="t"/>
+    </dgm:scene3d>
+    <dgm:sp3d/>
+    <dgm:txPr/>
+    <dgm:style>
+      <a:lnRef idx="0">
+        <a:scrgbClr r="0" g="0" b="0"/>
+      </a:lnRef>
+      <a:fillRef idx="1">
+        <a:scrgbClr r="0" g="0" b="0"/>
+      </a:fillRef>
+      <a:effectRef idx="0">
+        <a:scrgbClr r="0" g="0" b="0"/>
+      </a:effectRef>
+      <a:fontRef idx="minor">
+        <a:schemeClr val="lt1"/>
+      </a:fontRef>
+    </dgm:style>
+  </dgm:styleLbl>
+  <dgm:styleLbl name="fgSibTrans2D1">
+    <dgm:scene3d>
+      <a:camera prst="orthographicFront"/>
+      <a:lightRig rig="threePt" dir="t"/>
+    </dgm:scene3d>
+    <dgm:sp3d/>
+    <dgm:txPr/>
+    <dgm:style>
+      <a:lnRef idx="0">
+        <a:scrgbClr r="0" g="0" b="0"/>
+      </a:lnRef>
+      <a:fillRef idx="1">
+        <a:scrgbClr r="0" g="0" b="0"/>
+      </a:fillRef>
+      <a:effectRef idx="0">
+        <a:scrgbClr r="0" g="0" b="0"/>
+      </a:effectRef>
+      <a:fontRef idx="minor">
+        <a:schemeClr val="lt1"/>
+      </a:fontRef>
+    </dgm:style>
+  </dgm:styleLbl>
+  <dgm:styleLbl name="bgSibTrans2D1">
+    <dgm:scene3d>
+      <a:camera prst="orthographicFront"/>
+      <a:lightRig rig="threePt" dir="t"/>
+    </dgm:scene3d>
+    <dgm:sp3d/>
+    <dgm:txPr/>
+    <dgm:style>
+      <a:lnRef idx="0">
+        <a:scrgbClr r="0" g="0" b="0"/>
+      </a:lnRef>
+      <a:fillRef idx="1">
+        <a:scrgbClr r="0" g="0" b="0"/>
+      </a:fillRef>
+      <a:effectRef idx="0">
+        <a:scrgbClr r="0" g="0" b="0"/>
+      </a:effectRef>
+      <a:fontRef idx="minor">
+        <a:schemeClr val="lt1"/>
+      </a:fontRef>
+    </dgm:style>
+  </dgm:styleLbl>
+  <dgm:styleLbl name="sibTrans1D1">
+    <dgm:scene3d>
+      <a:camera prst="orthographicFront"/>
+      <a:lightRig rig="threePt" dir="t"/>
+    </dgm:scene3d>
+    <dgm:sp3d/>
+    <dgm:txPr/>
+    <dgm:style>
+      <a:lnRef idx="1">
+        <a:scrgbClr r="0" g="0" b="0"/>
+      </a:lnRef>
+      <a:fillRef idx="0">
+        <a:scrgbClr r="0" g="0" b="0"/>
+      </a:fillRef>
+      <a:effectRef idx="0">
+        <a:scrgbClr r="0" g="0" b="0"/>
+      </a:effectRef>
+      <a:fontRef idx="minor"/>
+    </dgm:style>
+  </dgm:styleLbl>
+  <dgm:styleLbl name="callout">
+    <dgm:scene3d>
+      <a:camera prst="orthographicFront"/>
+      <a:lightRig rig="threePt" dir="t"/>
+    </dgm:scene3d>
+    <dgm:sp3d/>
+    <dgm:txPr/>
+    <dgm:style>
+      <a:lnRef idx="2">
+        <a:scrgbClr r="0" g="0" b="0"/>
+      </a:lnRef>
+      <a:fillRef idx="1">
+        <a:scrgbClr r="0" g="0" b="0"/>
+      </a:fillRef>
+      <a:effectRef idx="0">
+        <a:scrgbClr r="0" g="0" b="0"/>
+      </a:effectRef>
+      <a:fontRef idx="minor"/>
+    </dgm:style>
+  </dgm:styleLbl>
+  <dgm:styleLbl name="asst0">
+    <dgm:scene3d>
+      <a:camera prst="orthographicFront"/>
+      <a:lightRig rig="threePt" dir="t"/>
+    </dgm:scene3d>
+    <dgm:sp3d/>
+    <dgm:txPr/>
+    <dgm:style>
+      <a:lnRef idx="2">
+        <a:scrgbClr r="0" g="0" b="0"/>
+      </a:lnRef>
+      <a:fillRef idx="1">
+        <a:scrgbClr r="0" g="0" b="0"/>
+      </a:fillRef>
+      <a:effectRef idx="0">
+        <a:scrgbClr r="0" g="0" b="0"/>
+      </a:effectRef>
+      <a:fontRef idx="minor">
+        <a:schemeClr val="lt1"/>
+      </a:fontRef>
+    </dgm:style>
+  </dgm:styleLbl>
+  <dgm:styleLbl name="asst1">
+    <dgm:scene3d>
+      <a:camera prst="orthographicFront"/>
+      <a:lightRig rig="threePt" dir="t"/>
+    </dgm:scene3d>
+    <dgm:sp3d/>
+    <dgm:txPr/>
+    <dgm:style>
+      <a:lnRef idx="2">
+        <a:scrgbClr r="0" g="0" b="0"/>
+      </a:lnRef>
+      <a:fillRef idx="1">
+        <a:scrgbClr r="0" g="0" b="0"/>
+      </a:fillRef>
+      <a:effectRef idx="0">
+        <a:scrgbClr r="0" g="0" b="0"/>
+      </a:effectRef>
+      <a:fontRef idx="minor">
+        <a:schemeClr val="lt1"/>
+      </a:fontRef>
+    </dgm:style>
+  </dgm:styleLbl>
+  <dgm:styleLbl name="asst2">
+    <dgm:scene3d>
+      <a:camera prst="orthographicFront"/>
+      <a:lightRig rig="threePt" dir="t"/>
+    </dgm:scene3d>
+    <dgm:sp3d/>
+    <dgm:txPr/>
+    <dgm:style>
+      <a:lnRef idx="2">
+        <a:scrgbClr r="0" g="0" b="0"/>
+      </a:lnRef>
+      <a:fillRef idx="1">
+        <a:scrgbClr r="0" g="0" b="0"/>
+      </a:fillRef>
+      <a:effectRef idx="0">
+        <a:scrgbClr r="0" g="0" b="0"/>
+      </a:effectRef>
+      <a:fontRef idx="minor">
+        <a:schemeClr val="lt1"/>
+      </a:fontRef>
+    </dgm:style>
+  </dgm:styleLbl>
+  <dgm:styleLbl name="asst3">
+    <dgm:scene3d>
+      <a:camera prst="orthographicFront"/>
+      <a:lightRig rig="threePt" dir="t"/>
+    </dgm:scene3d>
+    <dgm:sp3d/>
+    <dgm:txPr/>
+    <dgm:style>
+      <a:lnRef idx="2">
+        <a:scrgbClr r="0" g="0" b="0"/>
+      </a:lnRef>
+      <a:fillRef idx="1">
+        <a:scrgbClr r="0" g="0" b="0"/>
+      </a:fillRef>
+      <a:effectRef idx="0">
+        <a:scrgbClr r="0" g="0" b="0"/>
+      </a:effectRef>
+      <a:fontRef idx="minor">
+        <a:schemeClr val="lt1"/>
+      </a:fontRef>
+    </dgm:style>
+  </dgm:styleLbl>
+  <dgm:styleLbl name="asst4">
+    <dgm:scene3d>
+      <a:camera prst="orthographicFront"/>
+      <a:lightRig rig="threePt" dir="t"/>
+    </dgm:scene3d>
+    <dgm:sp3d/>
+    <dgm:txPr/>
+    <dgm:style>
+      <a:lnRef idx="2">
+        <a:scrgbClr r="0" g="0" b="0"/>
+      </a:lnRef>
+      <a:fillRef idx="1">
+        <a:scrgbClr r="0" g="0" b="0"/>
+      </a:fillRef>
+      <a:effectRef idx="0">
+        <a:scrgbClr r="0" g="0" b="0"/>
+      </a:effectRef>
+      <a:fontRef idx="minor">
+        <a:schemeClr val="lt1"/>
+      </a:fontRef>
+    </dgm:style>
+  </dgm:styleLbl>
+  <dgm:styleLbl name="parChTrans2D1">
+    <dgm:scene3d>
+      <a:camera prst="orthographicFront"/>
+      <a:lightRig rig="threePt" dir="t"/>
+    </dgm:scene3d>
+    <dgm:sp3d/>
+    <dgm:txPr/>
+    <dgm:style>
+      <a:lnRef idx="2">
+        <a:scrgbClr r="0" g="0" b="0"/>
+      </a:lnRef>
+      <a:fillRef idx="1">
+        <a:scrgbClr r="0" g="0" b="0"/>
+      </a:fillRef>
+      <a:effectRef idx="0">
+        <a:scrgbClr r="0" g="0" b="0"/>
+      </a:effectRef>
+      <a:fontRef idx="minor">
+        <a:schemeClr val="lt1"/>
+      </a:fontRef>
+    </dgm:style>
+  </dgm:styleLbl>
+  <dgm:styleLbl name="parChTrans2D2">
+    <dgm:scene3d>
+      <a:camera prst="orthographicFront"/>
+      <a:lightRig rig="threePt" dir="t"/>
+    </dgm:scene3d>
+    <dgm:sp3d/>
+    <dgm:txPr/>
+    <dgm:style>
+      <a:lnRef idx="2">
+        <a:scrgbClr r="0" g="0" b="0"/>
+      </a:lnRef>
+      <a:fillRef idx="1">
+        <a:scrgbClr r="0" g="0" b="0"/>
+      </a:fillRef>
+      <a:effectRef idx="0">
+        <a:scrgbClr r="0" g="0" b="0"/>
+      </a:effectRef>
+      <a:fontRef idx="minor">
+        <a:schemeClr val="lt1"/>
+      </a:fontRef>
+    </dgm:style>
+  </dgm:styleLbl>
+  <dgm:styleLbl name="parChTrans2D3">
+    <dgm:scene3d>
+      <a:camera prst="orthographicFront"/>
+      <a:lightRig rig="threePt" dir="t"/>
+    </dgm:scene3d>
+    <dgm:sp3d/>
+    <dgm:txPr/>
+    <dgm:style>
+      <a:lnRef idx="2">
+        <a:scrgbClr r="0" g="0" b="0"/>
+      </a:lnRef>
+      <a:fillRef idx="1">
+        <a:scrgbClr r="0" g="0" b="0"/>
+      </a:fillRef>
+      <a:effectRef idx="0">
+        <a:scrgbClr r="0" g="0" b="0"/>
+      </a:effectRef>
+      <a:fontRef idx="minor">
+        <a:schemeClr val="lt1"/>
+      </a:fontRef>
+    </dgm:style>
+  </dgm:styleLbl>
+  <dgm:styleLbl name="parChTrans2D4">
+    <dgm:scene3d>
+      <a:camera prst="orthographicFront"/>
+      <a:lightRig rig="threePt" dir="t"/>
+    </dgm:scene3d>
+    <dgm:sp3d/>
+    <dgm:txPr/>
+    <dgm:style>
+      <a:lnRef idx="2">
+        <a:scrgbClr r="0" g="0" b="0"/>
+      </a:lnRef>
+      <a:fillRef idx="1">
+        <a:scrgbClr r="0" g="0" b="0"/>
+      </a:fillRef>
+      <a:effectRef idx="0">
+        <a:scrgbClr r="0" g="0" b="0"/>
+      </a:effectRef>
+      <a:fontRef idx="minor">
+        <a:schemeClr val="lt1"/>
+      </a:fontRef>
+    </dgm:style>
+  </dgm:styleLbl>
+  <dgm:styleLbl name="parChTrans1D1">
+    <dgm:scene3d>
+      <a:camera prst="orthographicFront"/>
+      <a:lightRig rig="threePt" dir="t"/>
+    </dgm:scene3d>
+    <dgm:sp3d/>
+    <dgm:txPr/>
+    <dgm:style>
+      <a:lnRef idx="2">
+        <a:scrgbClr r="0" g="0" b="0"/>
+      </a:lnRef>
+      <a:fillRef idx="0">
+        <a:scrgbClr r="0" g="0" b="0"/>
+      </a:fillRef>
+      <a:effectRef idx="0">
+        <a:scrgbClr r="0" g="0" b="0"/>
+      </a:effectRef>
+      <a:fontRef idx="minor"/>
+    </dgm:style>
+  </dgm:styleLbl>
+  <dgm:styleLbl name="parChTrans1D2">
+    <dgm:scene3d>
+      <a:camera prst="orthographicFront"/>
+      <a:lightRig rig="threePt" dir="t"/>
+    </dgm:scene3d>
+    <dgm:sp3d/>
+    <dgm:txPr/>
+    <dgm:style>
+      <a:lnRef idx="2">
+        <a:scrgbClr r="0" g="0" b="0"/>
+      </a:lnRef>
+      <a:fillRef idx="0">
+        <a:scrgbClr r="0" g="0" b="0"/>
+      </a:fillRef>
+      <a:effectRef idx="0">
+        <a:scrgbClr r="0" g="0" b="0"/>
+      </a:effectRef>
+      <a:fontRef idx="minor"/>
+    </dgm:style>
+  </dgm:styleLbl>
+  <dgm:styleLbl name="parChTrans1D3">
+    <dgm:scene3d>
+      <a:camera prst="orthographicFront"/>
+      <a:lightRig rig="threePt" dir="t"/>
+    </dgm:scene3d>
+    <dgm:sp3d/>
+    <dgm:txPr/>
+    <dgm:style>
+      <a:lnRef idx="2">
+        <a:scrgbClr r="0" g="0" b="0"/>
+      </a:lnRef>
+      <a:fillRef idx="0">
+        <a:scrgbClr r="0" g="0" b="0"/>
+      </a:fillRef>
+      <a:effectRef idx="0">
+        <a:scrgbClr r="0" g="0" b="0"/>
+      </a:effectRef>
+      <a:fontRef idx="minor"/>
+    </dgm:style>
+  </dgm:styleLbl>
+  <dgm:styleLbl name="parChTrans1D4">
+    <dgm:scene3d>
+      <a:camera prst="orthographicFront"/>
+      <a:lightRig rig="threePt" dir="t"/>
+    </dgm:scene3d>
+    <dgm:sp3d/>
+    <dgm:txPr/>
+    <dgm:style>
+      <a:lnRef idx="2">
+        <a:scrgbClr r="0" g="0" b="0"/>
+      </a:lnRef>
+      <a:fillRef idx="0">
+        <a:scrgbClr r="0" g="0" b="0"/>
+      </a:fillRef>
+      <a:effectRef idx="0">
+        <a:scrgbClr r="0" g="0" b="0"/>
+      </a:effectRef>
+      <a:fontRef idx="minor"/>
+    </dgm:style>
+  </dgm:styleLbl>
+  <dgm:styleLbl name="fgAcc1">
+    <dgm:scene3d>
+      <a:camera prst="orthographicFront"/>
+      <a:lightRig rig="threePt" dir="t"/>
+    </dgm:scene3d>
+    <dgm:sp3d/>
+    <dgm:txPr/>
+    <dgm:style>
+      <a:lnRef idx="2">
+        <a:scrgbClr r="0" g="0" b="0"/>
+      </a:lnRef>
+      <a:fillRef idx="1">
+        <a:scrgbClr r="0" g="0" b="0"/>
+      </a:fillRef>
+      <a:effectRef idx="0">
+        <a:scrgbClr r="0" g="0" b="0"/>
+      </a:effectRef>
+      <a:fontRef idx="minor"/>
+    </dgm:style>
+  </dgm:styleLbl>
+  <dgm:styleLbl name="conFgAcc1">
+    <dgm:scene3d>
+      <a:camera prst="orthographicFront"/>
+      <a:lightRig rig="threePt" dir="t"/>
+    </dgm:scene3d>
+    <dgm:sp3d/>
+    <dgm:txPr/>
+    <dgm:style>
+      <a:lnRef idx="2">
+        <a:scrgbClr r="0" g="0" b="0"/>
+      </a:lnRef>
+      <a:fillRef idx="1">
+        <a:scrgbClr r="0" g="0" b="0"/>
+      </a:fillRef>
+      <a:effectRef idx="0">
+        <a:scrgbClr r="0" g="0" b="0"/>
+      </a:effectRef>
+      <a:fontRef idx="minor"/>
+    </dgm:style>
+  </dgm:styleLbl>
+  <dgm:styleLbl name="alignAcc1">
+    <dgm:scene3d>
+      <a:camera prst="orthographicFront"/>
+      <a:lightRig rig="threePt" dir="t"/>
+    </dgm:scene3d>
+    <dgm:sp3d/>
+    <dgm:txPr/>
+    <dgm:style>
+      <a:lnRef idx="2">
+        <a:scrgbClr r="0" g="0" b="0"/>
+      </a:lnRef>
+      <a:fillRef idx="1">
+        <a:scrgbClr r="0" g="0" b="0"/>
+      </a:fillRef>
+      <a:effectRef idx="0">
+        <a:scrgbClr r="0" g="0" b="0"/>
+      </a:effectRef>
+      <a:fontRef idx="minor"/>
+    </dgm:style>
+  </dgm:styleLbl>
+  <dgm:styleLbl name="trAlignAcc1">
+    <dgm:scene3d>
+      <a:camera prst="orthographicFront"/>
+      <a:lightRig rig="threePt" dir="t"/>
+    </dgm:scene3d>
+    <dgm:sp3d/>
+    <dgm:txPr/>
+    <dgm:style>
+      <a:lnRef idx="1">
+        <a:scrgbClr r="0" g="0" b="0"/>
+      </a:lnRef>
+      <a:fillRef idx="1">
+        <a:scrgbClr r="0" g="0" b="0"/>
+      </a:fillRef>
+      <a:effectRef idx="0">
+        <a:scrgbClr r="0" g="0" b="0"/>
+      </a:effectRef>
+      <a:fontRef idx="minor"/>
+    </dgm:style>
+  </dgm:styleLbl>
+  <dgm:styleLbl name="bgAcc1">
+    <dgm:scene3d>
+      <a:camera prst="orthographicFront"/>
+      <a:lightRig rig="threePt" dir="t"/>
+    </dgm:scene3d>
+    <dgm:sp3d/>
+    <dgm:txPr/>
+    <dgm:style>
+      <a:lnRef idx="2">
+        <a:scrgbClr r="0" g="0" b="0"/>
+      </a:lnRef>
+      <a:fillRef idx="1">
+        <a:scrgbClr r="0" g="0" b="0"/>
+      </a:fillRef>
+      <a:effectRef idx="0">
+        <a:scrgbClr r="0" g="0" b="0"/>
+      </a:effectRef>
+      <a:fontRef idx="minor"/>
+    </dgm:style>
+  </dgm:styleLbl>
+  <dgm:styleLbl name="solidFgAcc1">
+    <dgm:scene3d>
+      <a:camera prst="orthographicFront"/>
+      <a:lightRig rig="threePt" dir="t"/>
+    </dgm:scene3d>
+    <dgm:sp3d/>
+    <dgm:txPr/>
+    <dgm:style>
+      <a:lnRef idx="2">
+        <a:scrgbClr r="0" g="0" b="0"/>
+      </a:lnRef>
+      <a:fillRef idx="1">
+        <a:scrgbClr r="0" g="0" b="0"/>
+      </a:fillRef>
+      <a:effectRef idx="0">
+        <a:scrgbClr r="0" g="0" b="0"/>
+      </a:effectRef>
+      <a:fontRef idx="minor"/>
+    </dgm:style>
+  </dgm:styleLbl>
+  <dgm:styleLbl name="solidAlignAcc1">
+    <dgm:scene3d>
+      <a:camera prst="orthographicFront"/>
+      <a:lightRig rig="threePt" dir="t"/>
+    </dgm:scene3d>
+    <dgm:sp3d/>
+    <dgm:txPr/>
+    <dgm:style>
+      <a:lnRef idx="2">
+        <a:scrgbClr r="0" g="0" b="0"/>
+      </a:lnRef>
+      <a:fillRef idx="1">
+        <a:scrgbClr r="0" g="0" b="0"/>
+      </a:fillRef>
+      <a:effectRef idx="0">
+        <a:scrgbClr r="0" g="0" b="0"/>
+      </a:effectRef>
+      <a:fontRef idx="minor"/>
+    </dgm:style>
+  </dgm:styleLbl>
+  <dgm:styleLbl name="solidBgAcc1">
+    <dgm:scene3d>
+      <a:camera prst="orthographicFront"/>
+      <a:lightRig rig="threePt" dir="t"/>
+    </dgm:scene3d>
+    <dgm:sp3d/>
+    <dgm:txPr/>
+    <dgm:style>
+      <a:lnRef idx="2">
+        <a:scrgbClr r="0" g="0" b="0"/>
+      </a:lnRef>
+      <a:fillRef idx="1">
+        <a:scrgbClr r="0" g="0" b="0"/>
+      </a:fillRef>
+      <a:effectRef idx="0">
+        <a:scrgbClr r="0" g="0" b="0"/>
+      </a:effectRef>
+      <a:fontRef idx="minor"/>
+    </dgm:style>
+  </dgm:styleLbl>
+  <dgm:styleLbl name="fgAccFollowNode1">
+    <dgm:scene3d>
+      <a:camera prst="orthographicFront"/>
+      <a:lightRig rig="threePt" dir="t"/>
+    </dgm:scene3d>
+    <dgm:sp3d/>
+    <dgm:txPr/>
+    <dgm:style>
+      <a:lnRef idx="2">
+        <a:scrgbClr r="0" g="0" b="0"/>
+      </a:lnRef>
+      <a:fillRef idx="1">
+        <a:scrgbClr r="0" g="0" b="0"/>
+      </a:fillRef>
+      <a:effectRef idx="0">
+        <a:scrgbClr r="0" g="0" b="0"/>
+      </a:effectRef>
+      <a:fontRef idx="minor"/>
+    </dgm:style>
+  </dgm:styleLbl>
+  <dgm:styleLbl name="alignAccFollowNode1">
+    <dgm:scene3d>
+      <a:camera prst="orthographicFront"/>
+      <a:lightRig rig="threePt" dir="t"/>
+    </dgm:scene3d>
+    <dgm:sp3d/>
+    <dgm:txPr/>
+    <dgm:style>
+      <a:lnRef idx="2">
+        <a:scrgbClr r="0" g="0" b="0"/>
+      </a:lnRef>
+      <a:fillRef idx="1">
+        <a:scrgbClr r="0" g="0" b="0"/>
+      </a:fillRef>
+      <a:effectRef idx="0">
+        <a:scrgbClr r="0" g="0" b="0"/>
+      </a:effectRef>
+      <a:fontRef idx="minor"/>
+    </dgm:style>
+  </dgm:styleLbl>
+  <dgm:styleLbl name="bgAccFollowNode1">
+    <dgm:scene3d>
+      <a:camera prst="orthographicFront"/>
+      <a:lightRig rig="threePt" dir="t"/>
+    </dgm:scene3d>
+    <dgm:sp3d/>
+    <dgm:txPr/>
+    <dgm:style>
+      <a:lnRef idx="2">
+        <a:scrgbClr r="0" g="0" b="0"/>
+      </a:lnRef>
+      <a:fillRef idx="1">
+        <a:scrgbClr r="0" g="0" b="0"/>
+      </a:fillRef>
+      <a:effectRef idx="0">
+        <a:scrgbClr r="0" g="0" b="0"/>
+      </a:effectRef>
+      <a:fontRef idx="minor"/>
+    </dgm:style>
+  </dgm:styleLbl>
+  <dgm:styleLbl name="fgAcc0">
+    <dgm:scene3d>
+      <a:camera prst="orthographicFront"/>
+      <a:lightRig rig="threePt" dir="t"/>
+    </dgm:scene3d>
+    <dgm:sp3d/>
+    <dgm:txPr/>
+    <dgm:style>
+      <a:lnRef idx="2">
+        <a:scrgbClr r="0" g="0" b="0"/>
+      </a:lnRef>
+      <a:fillRef idx="1">
+        <a:scrgbClr r="0" g="0" b="0"/>
+      </a:fillRef>
+      <a:effectRef idx="0">
+        <a:scrgbClr r="0" g="0" b="0"/>
+      </a:effectRef>
+      <a:fontRef idx="minor"/>
+    </dgm:style>
+  </dgm:styleLbl>
+  <dgm:styleLbl name="fgAcc2">
+    <dgm:scene3d>
+      <a:camera prst="orthographicFront"/>
+      <a:lightRig rig="threePt" dir="t"/>
+    </dgm:scene3d>
+    <dgm:sp3d/>
+    <dgm:txPr/>
+    <dgm:style>
+      <a:lnRef idx="2">
+        <a:scrgbClr r="0" g="0" b="0"/>
+      </a:lnRef>
+      <a:fillRef idx="1">
+        <a:scrgbClr r="0" g="0" b="0"/>
+      </a:fillRef>
+      <a:effectRef idx="0">
+        <a:scrgbClr r="0" g="0" b="0"/>
+      </a:effectRef>
+      <a:fontRef idx="minor"/>
+    </dgm:style>
+  </dgm:styleLbl>
+  <dgm:styleLbl name="fgAcc3">
+    <dgm:scene3d>
+      <a:camera prst="orthographicFront"/>
+      <a:lightRig rig="threePt" dir="t"/>
+    </dgm:scene3d>
+    <dgm:sp3d/>
+    <dgm:txPr/>
+    <dgm:style>
+      <a:lnRef idx="2">
+        <a:scrgbClr r="0" g="0" b="0"/>
+      </a:lnRef>
+      <a:fillRef idx="1">
+        <a:scrgbClr r="0" g="0" b="0"/>
+      </a:fillRef>
+      <a:effectRef idx="0">
+        <a:scrgbClr r="0" g="0" b="0"/>
+      </a:effectRef>
+      <a:fontRef idx="minor"/>
+    </dgm:style>
+  </dgm:styleLbl>
+  <dgm:styleLbl name="fgAcc4">
+    <dgm:scene3d>
+      <a:camera prst="orthographicFront"/>
+      <a:lightRig rig="threePt" dir="t"/>
+    </dgm:scene3d>
+    <dgm:sp3d/>
+    <dgm:txPr/>
+    <dgm:style>
+      <a:lnRef idx="2">
+        <a:scrgbClr r="0" g="0" b="0"/>
+      </a:lnRef>
+      <a:fillRef idx="1">
+        <a:scrgbClr r="0" g="0" b="0"/>
+      </a:fillRef>
+      <a:effectRef idx="0">
+        <a:scrgbClr r="0" g="0" b="0"/>
+      </a:effectRef>
+      <a:fontRef idx="minor"/>
+    </dgm:style>
+  </dgm:styleLbl>
+  <dgm:styleLbl name="bgShp">
+    <dgm:scene3d>
+      <a:camera prst="orthographicFront"/>
+      <a:lightRig rig="threePt" dir="t"/>
+    </dgm:scene3d>
+    <dgm:sp3d/>
+    <dgm:txPr/>
+    <dgm:style>
+      <a:lnRef idx="0">
+        <a:scrgbClr r="0" g="0" b="0"/>
+      </a:lnRef>
+      <a:fillRef idx="1">
+        <a:scrgbClr r="0" g="0" b="0"/>
+      </a:fillRef>
+      <a:effectRef idx="0">
+        <a:scrgbClr r="0" g="0" b="0"/>
+      </a:effectRef>
+      <a:fontRef idx="minor"/>
+    </dgm:style>
+  </dgm:styleLbl>
+  <dgm:styleLbl name="dkBgShp">
+    <dgm:scene3d>
+      <a:camera prst="orthographicFront"/>
+      <a:lightRig rig="threePt" dir="t"/>
+    </dgm:scene3d>
+    <dgm:sp3d/>
+    <dgm:txPr/>
+    <dgm:style>
+      <a:lnRef idx="0">
+        <a:scrgbClr r="0" g="0" b="0"/>
+      </a:lnRef>
+      <a:fillRef idx="1">
+        <a:scrgbClr r="0" g="0" b="0"/>
+      </a:fillRef>
+      <a:effectRef idx="0">
+        <a:scrgbClr r="0" g="0" b="0"/>
+      </a:effectRef>
+      <a:fontRef idx="minor"/>
+    </dgm:style>
+  </dgm:styleLbl>
+  <dgm:styleLbl name="trBgShp">
+    <dgm:scene3d>
+      <a:camera prst="orthographicFront"/>
+      <a:lightRig rig="threePt" dir="t"/>
+    </dgm:scene3d>
+    <dgm:sp3d/>
+    <dgm:txPr/>
+    <dgm:style>
+      <a:lnRef idx="0">
+        <a:scrgbClr r="0" g="0" b="0"/>
+      </a:lnRef>
+      <a:fillRef idx="1">
+        <a:scrgbClr r="0" g="0" b="0"/>
+      </a:fillRef>
+      <a:effectRef idx="0">
+        <a:scrgbClr r="0" g="0" b="0"/>
+      </a:effectRef>
+      <a:fontRef idx="minor"/>
+    </dgm:style>
+  </dgm:styleLbl>
+  <dgm:styleLbl name="fgShp">
+    <dgm:scene3d>
+      <a:camera prst="orthographicFront"/>
+      <a:lightRig rig="threePt" dir="t"/>
+    </dgm:scene3d>
+    <dgm:sp3d/>
+    <dgm:txPr/>
+    <dgm:style>
+      <a:lnRef idx="2">
+        <a:scrgbClr r="0" g="0" b="0"/>
+      </a:lnRef>
+      <a:fillRef idx="1">
+        <a:scrgbClr r="0" g="0" b="0"/>
+      </a:fillRef>
+      <a:effectRef idx="0">
+        <a:scrgbClr r="0" g="0" b="0"/>
+      </a:effectRef>
+      <a:fontRef idx="minor"/>
+    </dgm:style>
+  </dgm:styleLbl>
+  <dgm:styleLbl name="revTx">
+    <dgm:scene3d>
+      <a:camera prst="orthographicFront"/>
+      <a:lightRig rig="threePt" dir="t"/>
+    </dgm:scene3d>
+    <dgm:sp3d/>
+    <dgm:txPr/>
+    <dgm:style>
+      <a:lnRef idx="0">
+        <a:scrgbClr r="0" g="0" b="0"/>
+      </a:lnRef>
+      <a:fillRef idx="0">
+        <a:scrgbClr r="0" g="0" b="0"/>
+      </a:fillRef>
+      <a:effectRef idx="0">
+        <a:scrgbClr r="0" g="0" b="0"/>
+      </a:effectRef>
+      <a:fontRef idx="minor"/>
+    </dgm:style>
+  </dgm:styleLbl>
+</dgm:styleDef>
 </file>
 
 <file path=ppt/notesMasters/notesMaster1.xml><?xml version="1.0" encoding="utf-8"?>
@@ -892,6 +3712,546 @@
     <p:extLst>
       <p:ext uri="{BB962C8B-B14F-4D97-AF65-F5344CB8AC3E}">
         <p14:creationId xmlns:p14="http://schemas.microsoft.com/office/powerpoint/2010/main" val="264566420"/>
+      </p:ext>
+    </p:extLst>
+  </p:cSld>
+  <p:clrMapOvr>
+    <a:masterClrMapping/>
+  </p:clrMapOvr>
+</p:notes>
+</file>
+
+<file path=ppt/notesSlides/notesSlide5.xml><?xml version="1.0" encoding="utf-8"?>
+<p:notes xmlns:a="http://schemas.openxmlformats.org/drawingml/2006/main" xmlns:r="http://schemas.openxmlformats.org/officeDocument/2006/relationships" xmlns:p="http://schemas.openxmlformats.org/presentationml/2006/main">
+  <p:cSld>
+    <p:spTree>
+      <p:nvGrpSpPr>
+        <p:cNvPr id="1" name="">
+          <a:extLst>
+            <a:ext uri="{FF2B5EF4-FFF2-40B4-BE49-F238E27FC236}">
+              <a16:creationId xmlns:a16="http://schemas.microsoft.com/office/drawing/2014/main" id="{171EB128-FB97-CC98-7FB7-E98A915424F2}"/>
+            </a:ext>
+          </a:extLst>
+        </p:cNvPr>
+        <p:cNvGrpSpPr/>
+        <p:nvPr/>
+      </p:nvGrpSpPr>
+      <p:grpSpPr>
+        <a:xfrm>
+          <a:off x="0" y="0"/>
+          <a:ext cx="0" cy="0"/>
+          <a:chOff x="0" y="0"/>
+          <a:chExt cx="0" cy="0"/>
+        </a:xfrm>
+      </p:grpSpPr>
+      <p:sp>
+        <p:nvSpPr>
+          <p:cNvPr id="2" name="Slide Image Placeholder 1">
+            <a:extLst>
+              <a:ext uri="{FF2B5EF4-FFF2-40B4-BE49-F238E27FC236}">
+                <a16:creationId xmlns:a16="http://schemas.microsoft.com/office/drawing/2014/main" id="{9C6B6CDE-7E6A-3708-F51B-2DE310B8F7A9}"/>
+              </a:ext>
+            </a:extLst>
+          </p:cNvPr>
+          <p:cNvSpPr>
+            <a:spLocks noGrp="1" noRot="1" noChangeAspect="1"/>
+          </p:cNvSpPr>
+          <p:nvPr>
+            <p:ph type="sldImg"/>
+          </p:nvPr>
+        </p:nvSpPr>
+        <p:spPr/>
+      </p:sp>
+      <p:sp>
+        <p:nvSpPr>
+          <p:cNvPr id="3" name="Notes Placeholder 2">
+            <a:extLst>
+              <a:ext uri="{FF2B5EF4-FFF2-40B4-BE49-F238E27FC236}">
+                <a16:creationId xmlns:a16="http://schemas.microsoft.com/office/drawing/2014/main" id="{869CE287-D283-2683-726C-7391FB75D44E}"/>
+              </a:ext>
+            </a:extLst>
+          </p:cNvPr>
+          <p:cNvSpPr>
+            <a:spLocks noGrp="1"/>
+          </p:cNvSpPr>
+          <p:nvPr>
+            <p:ph type="body" idx="1"/>
+          </p:nvPr>
+        </p:nvSpPr>
+        <p:spPr/>
+        <p:txBody>
+          <a:bodyPr/>
+          <a:lstStyle/>
+          <a:p>
+            <a:endParaRPr lang="en-AE" dirty="0"/>
+          </a:p>
+        </p:txBody>
+      </p:sp>
+      <p:sp>
+        <p:nvSpPr>
+          <p:cNvPr id="4" name="Slide Number Placeholder 3">
+            <a:extLst>
+              <a:ext uri="{FF2B5EF4-FFF2-40B4-BE49-F238E27FC236}">
+                <a16:creationId xmlns:a16="http://schemas.microsoft.com/office/drawing/2014/main" id="{549B7F97-83A9-774F-6B7A-230EB771462B}"/>
+              </a:ext>
+            </a:extLst>
+          </p:cNvPr>
+          <p:cNvSpPr>
+            <a:spLocks noGrp="1"/>
+          </p:cNvSpPr>
+          <p:nvPr>
+            <p:ph type="sldNum" sz="quarter" idx="5"/>
+          </p:nvPr>
+        </p:nvSpPr>
+        <p:spPr/>
+        <p:txBody>
+          <a:bodyPr/>
+          <a:lstStyle/>
+          <a:p>
+            <a:fld id="{E5C4BA0B-77F6-48B2-A36C-6022B77138CF}" type="slidenum">
+              <a:rPr lang="en-AE" smtClean="0"/>
+              <a:t>6</a:t>
+            </a:fld>
+            <a:endParaRPr lang="en-AE"/>
+          </a:p>
+        </p:txBody>
+      </p:sp>
+    </p:spTree>
+    <p:extLst>
+      <p:ext uri="{BB962C8B-B14F-4D97-AF65-F5344CB8AC3E}">
+        <p14:creationId xmlns:p14="http://schemas.microsoft.com/office/powerpoint/2010/main" val="1678983690"/>
+      </p:ext>
+    </p:extLst>
+  </p:cSld>
+  <p:clrMapOvr>
+    <a:masterClrMapping/>
+  </p:clrMapOvr>
+</p:notes>
+</file>
+
+<file path=ppt/notesSlides/notesSlide6.xml><?xml version="1.0" encoding="utf-8"?>
+<p:notes xmlns:a="http://schemas.openxmlformats.org/drawingml/2006/main" xmlns:r="http://schemas.openxmlformats.org/officeDocument/2006/relationships" xmlns:p="http://schemas.openxmlformats.org/presentationml/2006/main">
+  <p:cSld>
+    <p:spTree>
+      <p:nvGrpSpPr>
+        <p:cNvPr id="1" name="">
+          <a:extLst>
+            <a:ext uri="{FF2B5EF4-FFF2-40B4-BE49-F238E27FC236}">
+              <a16:creationId xmlns:a16="http://schemas.microsoft.com/office/drawing/2014/main" id="{5379AC6B-3A4E-6038-EA8D-B81924381848}"/>
+            </a:ext>
+          </a:extLst>
+        </p:cNvPr>
+        <p:cNvGrpSpPr/>
+        <p:nvPr/>
+      </p:nvGrpSpPr>
+      <p:grpSpPr>
+        <a:xfrm>
+          <a:off x="0" y="0"/>
+          <a:ext cx="0" cy="0"/>
+          <a:chOff x="0" y="0"/>
+          <a:chExt cx="0" cy="0"/>
+        </a:xfrm>
+      </p:grpSpPr>
+      <p:sp>
+        <p:nvSpPr>
+          <p:cNvPr id="2" name="Slide Image Placeholder 1">
+            <a:extLst>
+              <a:ext uri="{FF2B5EF4-FFF2-40B4-BE49-F238E27FC236}">
+                <a16:creationId xmlns:a16="http://schemas.microsoft.com/office/drawing/2014/main" id="{CA13C070-1AE6-C8CA-C358-910902FA529D}"/>
+              </a:ext>
+            </a:extLst>
+          </p:cNvPr>
+          <p:cNvSpPr>
+            <a:spLocks noGrp="1" noRot="1" noChangeAspect="1"/>
+          </p:cNvSpPr>
+          <p:nvPr>
+            <p:ph type="sldImg"/>
+          </p:nvPr>
+        </p:nvSpPr>
+        <p:spPr/>
+      </p:sp>
+      <p:sp>
+        <p:nvSpPr>
+          <p:cNvPr id="3" name="Notes Placeholder 2">
+            <a:extLst>
+              <a:ext uri="{FF2B5EF4-FFF2-40B4-BE49-F238E27FC236}">
+                <a16:creationId xmlns:a16="http://schemas.microsoft.com/office/drawing/2014/main" id="{5DDCF9C0-E069-653D-4F27-E4BBB356D37A}"/>
+              </a:ext>
+            </a:extLst>
+          </p:cNvPr>
+          <p:cNvSpPr>
+            <a:spLocks noGrp="1"/>
+          </p:cNvSpPr>
+          <p:nvPr>
+            <p:ph type="body" idx="1"/>
+          </p:nvPr>
+        </p:nvSpPr>
+        <p:spPr/>
+        <p:txBody>
+          <a:bodyPr/>
+          <a:lstStyle/>
+          <a:p>
+            <a:endParaRPr lang="en-AE" dirty="0"/>
+          </a:p>
+        </p:txBody>
+      </p:sp>
+      <p:sp>
+        <p:nvSpPr>
+          <p:cNvPr id="4" name="Slide Number Placeholder 3">
+            <a:extLst>
+              <a:ext uri="{FF2B5EF4-FFF2-40B4-BE49-F238E27FC236}">
+                <a16:creationId xmlns:a16="http://schemas.microsoft.com/office/drawing/2014/main" id="{BE1ABC59-960F-3742-61AC-A1F4D5B51E2E}"/>
+              </a:ext>
+            </a:extLst>
+          </p:cNvPr>
+          <p:cNvSpPr>
+            <a:spLocks noGrp="1"/>
+          </p:cNvSpPr>
+          <p:nvPr>
+            <p:ph type="sldNum" sz="quarter" idx="5"/>
+          </p:nvPr>
+        </p:nvSpPr>
+        <p:spPr/>
+        <p:txBody>
+          <a:bodyPr/>
+          <a:lstStyle/>
+          <a:p>
+            <a:fld id="{E5C4BA0B-77F6-48B2-A36C-6022B77138CF}" type="slidenum">
+              <a:rPr lang="en-AE" smtClean="0"/>
+              <a:t>7</a:t>
+            </a:fld>
+            <a:endParaRPr lang="en-AE"/>
+          </a:p>
+        </p:txBody>
+      </p:sp>
+    </p:spTree>
+    <p:extLst>
+      <p:ext uri="{BB962C8B-B14F-4D97-AF65-F5344CB8AC3E}">
+        <p14:creationId xmlns:p14="http://schemas.microsoft.com/office/powerpoint/2010/main" val="101696405"/>
+      </p:ext>
+    </p:extLst>
+  </p:cSld>
+  <p:clrMapOvr>
+    <a:masterClrMapping/>
+  </p:clrMapOvr>
+</p:notes>
+</file>
+
+<file path=ppt/notesSlides/notesSlide7.xml><?xml version="1.0" encoding="utf-8"?>
+<p:notes xmlns:a="http://schemas.openxmlformats.org/drawingml/2006/main" xmlns:r="http://schemas.openxmlformats.org/officeDocument/2006/relationships" xmlns:p="http://schemas.openxmlformats.org/presentationml/2006/main">
+  <p:cSld>
+    <p:spTree>
+      <p:nvGrpSpPr>
+        <p:cNvPr id="1" name="">
+          <a:extLst>
+            <a:ext uri="{FF2B5EF4-FFF2-40B4-BE49-F238E27FC236}">
+              <a16:creationId xmlns:a16="http://schemas.microsoft.com/office/drawing/2014/main" id="{A48CF255-EC3B-A988-33EE-0C7C88B8C46C}"/>
+            </a:ext>
+          </a:extLst>
+        </p:cNvPr>
+        <p:cNvGrpSpPr/>
+        <p:nvPr/>
+      </p:nvGrpSpPr>
+      <p:grpSpPr>
+        <a:xfrm>
+          <a:off x="0" y="0"/>
+          <a:ext cx="0" cy="0"/>
+          <a:chOff x="0" y="0"/>
+          <a:chExt cx="0" cy="0"/>
+        </a:xfrm>
+      </p:grpSpPr>
+      <p:sp>
+        <p:nvSpPr>
+          <p:cNvPr id="2" name="Slide Image Placeholder 1">
+            <a:extLst>
+              <a:ext uri="{FF2B5EF4-FFF2-40B4-BE49-F238E27FC236}">
+                <a16:creationId xmlns:a16="http://schemas.microsoft.com/office/drawing/2014/main" id="{511AF410-19EB-3021-825A-3243F81CC899}"/>
+              </a:ext>
+            </a:extLst>
+          </p:cNvPr>
+          <p:cNvSpPr>
+            <a:spLocks noGrp="1" noRot="1" noChangeAspect="1"/>
+          </p:cNvSpPr>
+          <p:nvPr>
+            <p:ph type="sldImg"/>
+          </p:nvPr>
+        </p:nvSpPr>
+        <p:spPr/>
+      </p:sp>
+      <p:sp>
+        <p:nvSpPr>
+          <p:cNvPr id="3" name="Notes Placeholder 2">
+            <a:extLst>
+              <a:ext uri="{FF2B5EF4-FFF2-40B4-BE49-F238E27FC236}">
+                <a16:creationId xmlns:a16="http://schemas.microsoft.com/office/drawing/2014/main" id="{09AC3DC1-DDDF-A78B-7E69-6F4571116DA9}"/>
+              </a:ext>
+            </a:extLst>
+          </p:cNvPr>
+          <p:cNvSpPr>
+            <a:spLocks noGrp="1"/>
+          </p:cNvSpPr>
+          <p:nvPr>
+            <p:ph type="body" idx="1"/>
+          </p:nvPr>
+        </p:nvSpPr>
+        <p:spPr/>
+        <p:txBody>
+          <a:bodyPr/>
+          <a:lstStyle/>
+          <a:p>
+            <a:endParaRPr lang="en-AE" dirty="0"/>
+          </a:p>
+        </p:txBody>
+      </p:sp>
+      <p:sp>
+        <p:nvSpPr>
+          <p:cNvPr id="4" name="Slide Number Placeholder 3">
+            <a:extLst>
+              <a:ext uri="{FF2B5EF4-FFF2-40B4-BE49-F238E27FC236}">
+                <a16:creationId xmlns:a16="http://schemas.microsoft.com/office/drawing/2014/main" id="{AF8FC2BF-222A-ACFF-D0A8-087BB3DA0FF6}"/>
+              </a:ext>
+            </a:extLst>
+          </p:cNvPr>
+          <p:cNvSpPr>
+            <a:spLocks noGrp="1"/>
+          </p:cNvSpPr>
+          <p:nvPr>
+            <p:ph type="sldNum" sz="quarter" idx="5"/>
+          </p:nvPr>
+        </p:nvSpPr>
+        <p:spPr/>
+        <p:txBody>
+          <a:bodyPr/>
+          <a:lstStyle/>
+          <a:p>
+            <a:fld id="{E5C4BA0B-77F6-48B2-A36C-6022B77138CF}" type="slidenum">
+              <a:rPr lang="en-AE" smtClean="0"/>
+              <a:t>8</a:t>
+            </a:fld>
+            <a:endParaRPr lang="en-AE"/>
+          </a:p>
+        </p:txBody>
+      </p:sp>
+    </p:spTree>
+    <p:extLst>
+      <p:ext uri="{BB962C8B-B14F-4D97-AF65-F5344CB8AC3E}">
+        <p14:creationId xmlns:p14="http://schemas.microsoft.com/office/powerpoint/2010/main" val="3733871028"/>
+      </p:ext>
+    </p:extLst>
+  </p:cSld>
+  <p:clrMapOvr>
+    <a:masterClrMapping/>
+  </p:clrMapOvr>
+</p:notes>
+</file>
+
+<file path=ppt/notesSlides/notesSlide8.xml><?xml version="1.0" encoding="utf-8"?>
+<p:notes xmlns:a="http://schemas.openxmlformats.org/drawingml/2006/main" xmlns:r="http://schemas.openxmlformats.org/officeDocument/2006/relationships" xmlns:p="http://schemas.openxmlformats.org/presentationml/2006/main">
+  <p:cSld>
+    <p:spTree>
+      <p:nvGrpSpPr>
+        <p:cNvPr id="1" name="">
+          <a:extLst>
+            <a:ext uri="{FF2B5EF4-FFF2-40B4-BE49-F238E27FC236}">
+              <a16:creationId xmlns:a16="http://schemas.microsoft.com/office/drawing/2014/main" id="{B8B33C9A-1F15-55E3-41E2-CB43779F3F39}"/>
+            </a:ext>
+          </a:extLst>
+        </p:cNvPr>
+        <p:cNvGrpSpPr/>
+        <p:nvPr/>
+      </p:nvGrpSpPr>
+      <p:grpSpPr>
+        <a:xfrm>
+          <a:off x="0" y="0"/>
+          <a:ext cx="0" cy="0"/>
+          <a:chOff x="0" y="0"/>
+          <a:chExt cx="0" cy="0"/>
+        </a:xfrm>
+      </p:grpSpPr>
+      <p:sp>
+        <p:nvSpPr>
+          <p:cNvPr id="2" name="Slide Image Placeholder 1">
+            <a:extLst>
+              <a:ext uri="{FF2B5EF4-FFF2-40B4-BE49-F238E27FC236}">
+                <a16:creationId xmlns:a16="http://schemas.microsoft.com/office/drawing/2014/main" id="{D2B888CB-751B-ED91-CB6E-C25198168523}"/>
+              </a:ext>
+            </a:extLst>
+          </p:cNvPr>
+          <p:cNvSpPr>
+            <a:spLocks noGrp="1" noRot="1" noChangeAspect="1"/>
+          </p:cNvSpPr>
+          <p:nvPr>
+            <p:ph type="sldImg"/>
+          </p:nvPr>
+        </p:nvSpPr>
+        <p:spPr/>
+      </p:sp>
+      <p:sp>
+        <p:nvSpPr>
+          <p:cNvPr id="3" name="Notes Placeholder 2">
+            <a:extLst>
+              <a:ext uri="{FF2B5EF4-FFF2-40B4-BE49-F238E27FC236}">
+                <a16:creationId xmlns:a16="http://schemas.microsoft.com/office/drawing/2014/main" id="{008EF990-0FFC-0159-8161-47E1633C7A03}"/>
+              </a:ext>
+            </a:extLst>
+          </p:cNvPr>
+          <p:cNvSpPr>
+            <a:spLocks noGrp="1"/>
+          </p:cNvSpPr>
+          <p:nvPr>
+            <p:ph type="body" idx="1"/>
+          </p:nvPr>
+        </p:nvSpPr>
+        <p:spPr/>
+        <p:txBody>
+          <a:bodyPr/>
+          <a:lstStyle/>
+          <a:p>
+            <a:endParaRPr lang="en-AE" dirty="0"/>
+          </a:p>
+        </p:txBody>
+      </p:sp>
+      <p:sp>
+        <p:nvSpPr>
+          <p:cNvPr id="4" name="Slide Number Placeholder 3">
+            <a:extLst>
+              <a:ext uri="{FF2B5EF4-FFF2-40B4-BE49-F238E27FC236}">
+                <a16:creationId xmlns:a16="http://schemas.microsoft.com/office/drawing/2014/main" id="{512EA5BF-1BF2-287E-D401-FFA044A7D48B}"/>
+              </a:ext>
+            </a:extLst>
+          </p:cNvPr>
+          <p:cNvSpPr>
+            <a:spLocks noGrp="1"/>
+          </p:cNvSpPr>
+          <p:nvPr>
+            <p:ph type="sldNum" sz="quarter" idx="5"/>
+          </p:nvPr>
+        </p:nvSpPr>
+        <p:spPr/>
+        <p:txBody>
+          <a:bodyPr/>
+          <a:lstStyle/>
+          <a:p>
+            <a:fld id="{E5C4BA0B-77F6-48B2-A36C-6022B77138CF}" type="slidenum">
+              <a:rPr lang="en-AE" smtClean="0"/>
+              <a:t>9</a:t>
+            </a:fld>
+            <a:endParaRPr lang="en-AE"/>
+          </a:p>
+        </p:txBody>
+      </p:sp>
+    </p:spTree>
+    <p:extLst>
+      <p:ext uri="{BB962C8B-B14F-4D97-AF65-F5344CB8AC3E}">
+        <p14:creationId xmlns:p14="http://schemas.microsoft.com/office/powerpoint/2010/main" val="2811511421"/>
+      </p:ext>
+    </p:extLst>
+  </p:cSld>
+  <p:clrMapOvr>
+    <a:masterClrMapping/>
+  </p:clrMapOvr>
+</p:notes>
+</file>
+
+<file path=ppt/notesSlides/notesSlide9.xml><?xml version="1.0" encoding="utf-8"?>
+<p:notes xmlns:a="http://schemas.openxmlformats.org/drawingml/2006/main" xmlns:r="http://schemas.openxmlformats.org/officeDocument/2006/relationships" xmlns:p="http://schemas.openxmlformats.org/presentationml/2006/main">
+  <p:cSld>
+    <p:spTree>
+      <p:nvGrpSpPr>
+        <p:cNvPr id="1" name="">
+          <a:extLst>
+            <a:ext uri="{FF2B5EF4-FFF2-40B4-BE49-F238E27FC236}">
+              <a16:creationId xmlns:a16="http://schemas.microsoft.com/office/drawing/2014/main" id="{8CEB9C47-2C20-990F-656A-F1D372DDE331}"/>
+            </a:ext>
+          </a:extLst>
+        </p:cNvPr>
+        <p:cNvGrpSpPr/>
+        <p:nvPr/>
+      </p:nvGrpSpPr>
+      <p:grpSpPr>
+        <a:xfrm>
+          <a:off x="0" y="0"/>
+          <a:ext cx="0" cy="0"/>
+          <a:chOff x="0" y="0"/>
+          <a:chExt cx="0" cy="0"/>
+        </a:xfrm>
+      </p:grpSpPr>
+      <p:sp>
+        <p:nvSpPr>
+          <p:cNvPr id="2" name="Slide Image Placeholder 1">
+            <a:extLst>
+              <a:ext uri="{FF2B5EF4-FFF2-40B4-BE49-F238E27FC236}">
+                <a16:creationId xmlns:a16="http://schemas.microsoft.com/office/drawing/2014/main" id="{6F4D6624-0C13-D2FF-357E-14025EDAEA28}"/>
+              </a:ext>
+            </a:extLst>
+          </p:cNvPr>
+          <p:cNvSpPr>
+            <a:spLocks noGrp="1" noRot="1" noChangeAspect="1"/>
+          </p:cNvSpPr>
+          <p:nvPr>
+            <p:ph type="sldImg"/>
+          </p:nvPr>
+        </p:nvSpPr>
+        <p:spPr/>
+      </p:sp>
+      <p:sp>
+        <p:nvSpPr>
+          <p:cNvPr id="3" name="Notes Placeholder 2">
+            <a:extLst>
+              <a:ext uri="{FF2B5EF4-FFF2-40B4-BE49-F238E27FC236}">
+                <a16:creationId xmlns:a16="http://schemas.microsoft.com/office/drawing/2014/main" id="{5C608476-4EA2-C9C4-1164-B13B360E2B0D}"/>
+              </a:ext>
+            </a:extLst>
+          </p:cNvPr>
+          <p:cNvSpPr>
+            <a:spLocks noGrp="1"/>
+          </p:cNvSpPr>
+          <p:nvPr>
+            <p:ph type="body" idx="1"/>
+          </p:nvPr>
+        </p:nvSpPr>
+        <p:spPr/>
+        <p:txBody>
+          <a:bodyPr/>
+          <a:lstStyle/>
+          <a:p>
+            <a:endParaRPr lang="en-AE" dirty="0"/>
+          </a:p>
+        </p:txBody>
+      </p:sp>
+      <p:sp>
+        <p:nvSpPr>
+          <p:cNvPr id="4" name="Slide Number Placeholder 3">
+            <a:extLst>
+              <a:ext uri="{FF2B5EF4-FFF2-40B4-BE49-F238E27FC236}">
+                <a16:creationId xmlns:a16="http://schemas.microsoft.com/office/drawing/2014/main" id="{11818F8E-E5BA-B897-BBE1-AC9A1A69A266}"/>
+              </a:ext>
+            </a:extLst>
+          </p:cNvPr>
+          <p:cNvSpPr>
+            <a:spLocks noGrp="1"/>
+          </p:cNvSpPr>
+          <p:nvPr>
+            <p:ph type="sldNum" sz="quarter" idx="5"/>
+          </p:nvPr>
+        </p:nvSpPr>
+        <p:spPr/>
+        <p:txBody>
+          <a:bodyPr/>
+          <a:lstStyle/>
+          <a:p>
+            <a:fld id="{E5C4BA0B-77F6-48B2-A36C-6022B77138CF}" type="slidenum">
+              <a:rPr lang="en-AE" smtClean="0"/>
+              <a:t>10</a:t>
+            </a:fld>
+            <a:endParaRPr lang="en-AE"/>
+          </a:p>
+        </p:txBody>
+      </p:sp>
+    </p:spTree>
+    <p:extLst>
+      <p:ext uri="{BB962C8B-B14F-4D97-AF65-F5344CB8AC3E}">
+        <p14:creationId xmlns:p14="http://schemas.microsoft.com/office/powerpoint/2010/main" val="3342373196"/>
       </p:ext>
     </p:extLst>
   </p:cSld>
@@ -4693,6 +8053,689 @@
 </p:sld>
 </file>
 
+<file path=ppt/slides/slide10.xml><?xml version="1.0" encoding="utf-8"?>
+<p:sld xmlns:a="http://schemas.openxmlformats.org/drawingml/2006/main" xmlns:r="http://schemas.openxmlformats.org/officeDocument/2006/relationships" xmlns:p="http://schemas.openxmlformats.org/presentationml/2006/main">
+  <p:cSld>
+    <p:bg>
+      <p:bgPr>
+        <a:solidFill>
+          <a:schemeClr val="bg1"/>
+        </a:solidFill>
+        <a:effectLst/>
+      </p:bgPr>
+    </p:bg>
+    <p:spTree>
+      <p:nvGrpSpPr>
+        <p:cNvPr id="1" name="">
+          <a:extLst>
+            <a:ext uri="{FF2B5EF4-FFF2-40B4-BE49-F238E27FC236}">
+              <a16:creationId xmlns:a16="http://schemas.microsoft.com/office/drawing/2014/main" id="{F8C9A653-C754-F1E0-8204-69004EEF8479}"/>
+            </a:ext>
+          </a:extLst>
+        </p:cNvPr>
+        <p:cNvGrpSpPr/>
+        <p:nvPr/>
+      </p:nvGrpSpPr>
+      <p:grpSpPr>
+        <a:xfrm>
+          <a:off x="0" y="0"/>
+          <a:ext cx="0" cy="0"/>
+          <a:chOff x="0" y="0"/>
+          <a:chExt cx="0" cy="0"/>
+        </a:xfrm>
+      </p:grpSpPr>
+      <p:sp useBgFill="1">
+        <p:nvSpPr>
+          <p:cNvPr id="1031" name="Rectangle 1030">
+            <a:extLst>
+              <a:ext uri="{FF2B5EF4-FFF2-40B4-BE49-F238E27FC236}">
+                <a16:creationId xmlns:a16="http://schemas.microsoft.com/office/drawing/2014/main" id="{563C18A9-3F84-4083-BC63-C5C44FE2843A}"/>
+              </a:ext>
+              <a:ext uri="{C183D7F6-B498-43B3-948B-1728B52AA6E4}">
+                <adec:decorative xmlns:adec="http://schemas.microsoft.com/office/drawing/2017/decorative" val="1"/>
+              </a:ext>
+            </a:extLst>
+          </p:cNvPr>
+          <p:cNvSpPr>
+            <a:spLocks noGrp="1" noRot="1" noChangeAspect="1" noMove="1" noResize="1" noEditPoints="1" noAdjustHandles="1" noChangeArrowheads="1" noChangeShapeType="1" noTextEdit="1"/>
+          </p:cNvSpPr>
+          <p:nvPr>
+            <p:extLst>
+              <p:ext uri="{386F3935-93C4-4BCD-93E2-E3B085C9AB24}">
+                <p16:designElem xmlns:p16="http://schemas.microsoft.com/office/powerpoint/2015/main" val="1"/>
+              </p:ext>
+            </p:extLst>
+          </p:nvPr>
+        </p:nvSpPr>
+        <p:spPr>
+          <a:xfrm>
+            <a:off x="0" y="0"/>
+            <a:ext cx="12192000" cy="6858000"/>
+          </a:xfrm>
+          <a:prstGeom prst="rect">
+            <a:avLst/>
+          </a:prstGeom>
+          <a:ln w="12700" cap="flat" cmpd="sng" algn="ctr">
+            <a:noFill/>
+            <a:prstDash val="solid"/>
+            <a:miter lim="800000"/>
+          </a:ln>
+          <a:effectLst/>
+          <a:extLst>
+            <a:ext uri="{91240B29-F687-4F45-9708-019B960494DF}">
+              <a14:hiddenLine xmlns:a14="http://schemas.microsoft.com/office/drawing/2010/main" w="12700" cap="flat" cmpd="sng" algn="ctr">
+                <a:solidFill>
+                  <a:schemeClr val="accent1">
+                    <a:shade val="50000"/>
+                  </a:schemeClr>
+                </a:solidFill>
+                <a:prstDash val="solid"/>
+                <a:miter lim="800000"/>
+              </a14:hiddenLine>
+            </a:ext>
+          </a:extLst>
+        </p:spPr>
+        <p:style>
+          <a:lnRef idx="2">
+            <a:schemeClr val="accent1">
+              <a:shade val="50000"/>
+            </a:schemeClr>
+          </a:lnRef>
+          <a:fillRef idx="1">
+            <a:schemeClr val="accent1"/>
+          </a:fillRef>
+          <a:effectRef idx="0">
+            <a:schemeClr val="accent1"/>
+          </a:effectRef>
+          <a:fontRef idx="minor">
+            <a:schemeClr val="lt1"/>
+          </a:fontRef>
+        </p:style>
+        <p:txBody>
+          <a:bodyPr rtlCol="0" anchor="ctr"/>
+          <a:lstStyle/>
+          <a:p>
+            <a:pPr algn="ctr"/>
+            <a:endParaRPr lang="en-US"/>
+          </a:p>
+        </p:txBody>
+      </p:sp>
+      <p:sp>
+        <p:nvSpPr>
+          <p:cNvPr id="2" name="Title 1">
+            <a:extLst>
+              <a:ext uri="{FF2B5EF4-FFF2-40B4-BE49-F238E27FC236}">
+                <a16:creationId xmlns:a16="http://schemas.microsoft.com/office/drawing/2014/main" id="{EA059DB4-D7B7-7638-658D-0B94A29F839E}"/>
+              </a:ext>
+            </a:extLst>
+          </p:cNvPr>
+          <p:cNvSpPr>
+            <a:spLocks noGrp="1"/>
+          </p:cNvSpPr>
+          <p:nvPr>
+            <p:ph type="title"/>
+          </p:nvPr>
+        </p:nvSpPr>
+        <p:spPr>
+          <a:xfrm>
+            <a:off x="548640" y="950976"/>
+            <a:ext cx="5547360" cy="1828798"/>
+          </a:xfrm>
+        </p:spPr>
+        <p:txBody>
+          <a:bodyPr vert="horz" lIns="91440" tIns="45720" rIns="91440" bIns="45720" rtlCol="0" anchor="t">
+            <a:normAutofit/>
+          </a:bodyPr>
+          <a:lstStyle/>
+          <a:p>
+            <a:pPr marL="0" fontAlgn="base">
+              <a:spcAft>
+                <a:spcPct val="0"/>
+              </a:spcAft>
+            </a:pPr>
+            <a:r>
+              <a:rPr lang="en-US" sz="3200" dirty="0"/>
+              <a:t>Introduction to Reinforcement Learning</a:t>
+            </a:r>
+          </a:p>
+        </p:txBody>
+      </p:sp>
+      <p:cxnSp>
+        <p:nvCxnSpPr>
+          <p:cNvPr id="1033" name="Straight Connector 1032">
+            <a:extLst>
+              <a:ext uri="{FF2B5EF4-FFF2-40B4-BE49-F238E27FC236}">
+                <a16:creationId xmlns:a16="http://schemas.microsoft.com/office/drawing/2014/main" id="{13C2E3E6-EA6C-40C1-8196-9E8691274F77}"/>
+              </a:ext>
+              <a:ext uri="{C183D7F6-B498-43B3-948B-1728B52AA6E4}">
+                <adec:decorative xmlns:adec="http://schemas.microsoft.com/office/drawing/2017/decorative" val="1"/>
+              </a:ext>
+            </a:extLst>
+          </p:cNvPr>
+          <p:cNvCxnSpPr>
+            <a:cxnSpLocks noGrp="1" noRot="1" noChangeAspect="1" noMove="1" noResize="1" noEditPoints="1" noAdjustHandles="1" noChangeArrowheads="1" noChangeShapeType="1"/>
+          </p:cNvCxnSpPr>
+          <p:nvPr>
+            <p:extLst>
+              <p:ext uri="{386F3935-93C4-4BCD-93E2-E3B085C9AB24}">
+                <p16:designElem xmlns:p16="http://schemas.microsoft.com/office/powerpoint/2015/main" val="1"/>
+              </p:ext>
+            </p:extLst>
+          </p:nvPr>
+        </p:nvCxnSpPr>
+        <p:spPr>
+          <a:xfrm>
+            <a:off x="643467" y="678719"/>
+            <a:ext cx="10905066" cy="0"/>
+          </a:xfrm>
+          <a:prstGeom prst="line">
+            <a:avLst/>
+          </a:prstGeom>
+          <a:ln w="38100"/>
+        </p:spPr>
+        <p:style>
+          <a:lnRef idx="1">
+            <a:schemeClr val="accent1"/>
+          </a:lnRef>
+          <a:fillRef idx="0">
+            <a:schemeClr val="accent1"/>
+          </a:fillRef>
+          <a:effectRef idx="0">
+            <a:schemeClr val="accent1"/>
+          </a:effectRef>
+          <a:fontRef idx="minor">
+            <a:schemeClr val="tx1"/>
+          </a:fontRef>
+        </p:style>
+      </p:cxnSp>
+      <p:sp>
+        <p:nvSpPr>
+          <p:cNvPr id="3" name="Rectangle 1">
+            <a:extLst>
+              <a:ext uri="{FF2B5EF4-FFF2-40B4-BE49-F238E27FC236}">
+                <a16:creationId xmlns:a16="http://schemas.microsoft.com/office/drawing/2014/main" id="{68C85D0A-D9FF-5CCD-0058-18E2DAE03E04}"/>
+              </a:ext>
+            </a:extLst>
+          </p:cNvPr>
+          <p:cNvSpPr txBox="1">
+            <a:spLocks noChangeArrowheads="1"/>
+          </p:cNvSpPr>
+          <p:nvPr/>
+        </p:nvSpPr>
+        <p:spPr bwMode="auto">
+          <a:xfrm>
+            <a:off x="548640" y="2779774"/>
+            <a:ext cx="5547360" cy="3175088"/>
+          </a:xfrm>
+          <a:prstGeom prst="rect">
+            <a:avLst/>
+          </a:prstGeom>
+          <a:extLst>
+            <a:ext uri="{909E8E84-426E-40DD-AFC4-6F175D3DCCD1}">
+              <a14:hiddenFill xmlns:a14="http://schemas.microsoft.com/office/drawing/2010/main">
+                <a:solidFill>
+                  <a:schemeClr val="accent1"/>
+                </a:solidFill>
+              </a14:hiddenFill>
+            </a:ext>
+            <a:ext uri="{91240B29-F687-4F45-9708-019B960494DF}">
+              <a14:hiddenLine xmlns:a14="http://schemas.microsoft.com/office/drawing/2010/main" w="9525">
+                <a:solidFill>
+                  <a:schemeClr val="tx1"/>
+                </a:solidFill>
+                <a:miter lim="800000"/>
+                <a:headEnd/>
+                <a:tailEnd/>
+              </a14:hiddenLine>
+            </a:ext>
+            <a:ext uri="{AF507438-7753-43E0-B8FC-AC1667EBCBE1}">
+              <a14:hiddenEffects xmlns:a14="http://schemas.microsoft.com/office/drawing/2010/main">
+                <a:effectLst>
+                  <a:outerShdw dist="35921" dir="2700000" algn="ctr" rotWithShape="0">
+                    <a:schemeClr val="bg2"/>
+                  </a:outerShdw>
+                </a:effectLst>
+              </a14:hiddenEffects>
+            </a:ext>
+          </a:extLst>
+        </p:spPr>
+        <p:txBody>
+          <a:bodyPr vert="horz" lIns="91440" tIns="45720" rIns="91440" bIns="45720" numCol="1" rtlCol="0" anchorCtr="0" compatLnSpc="1">
+            <a:prstTxWarp prst="textNoShape">
+              <a:avLst/>
+            </a:prstTxWarp>
+            <a:normAutofit/>
+          </a:bodyPr>
+          <a:lstStyle>
+            <a:lvl1pPr marL="228600" indent="-228600" algn="l" defTabSz="914400" rtl="0" eaLnBrk="1" latinLnBrk="0" hangingPunct="1">
+              <a:lnSpc>
+                <a:spcPct val="120000"/>
+              </a:lnSpc>
+              <a:spcBef>
+                <a:spcPts val="1000"/>
+              </a:spcBef>
+              <a:buFont typeface="Arial" panose="020B0604020202020204" pitchFamily="34" charset="0"/>
+              <a:buChar char="•"/>
+              <a:defRPr sz="2000" kern="1200">
+                <a:solidFill>
+                  <a:schemeClr val="tx1"/>
+                </a:solidFill>
+                <a:latin typeface="+mn-lt"/>
+                <a:ea typeface="+mn-ea"/>
+                <a:cs typeface="+mn-cs"/>
+              </a:defRPr>
+            </a:lvl1pPr>
+            <a:lvl2pPr marL="502920" indent="-228600" algn="l" defTabSz="914400" rtl="0" eaLnBrk="1" latinLnBrk="0" hangingPunct="1">
+              <a:lnSpc>
+                <a:spcPct val="120000"/>
+              </a:lnSpc>
+              <a:spcBef>
+                <a:spcPts val="500"/>
+              </a:spcBef>
+              <a:buFont typeface="Arial" panose="020B0604020202020204" pitchFamily="34" charset="0"/>
+              <a:buChar char="•"/>
+              <a:defRPr sz="1800" kern="1200">
+                <a:solidFill>
+                  <a:schemeClr val="tx1"/>
+                </a:solidFill>
+                <a:latin typeface="+mn-lt"/>
+                <a:ea typeface="+mn-ea"/>
+                <a:cs typeface="+mn-cs"/>
+              </a:defRPr>
+            </a:lvl2pPr>
+            <a:lvl3pPr marL="731520" indent="-228600" algn="l" defTabSz="914400" rtl="0" eaLnBrk="1" latinLnBrk="0" hangingPunct="1">
+              <a:lnSpc>
+                <a:spcPct val="120000"/>
+              </a:lnSpc>
+              <a:spcBef>
+                <a:spcPts val="500"/>
+              </a:spcBef>
+              <a:buFont typeface="Arial" panose="020B0604020202020204" pitchFamily="34" charset="0"/>
+              <a:buChar char="•"/>
+              <a:defRPr sz="1600" kern="1200">
+                <a:solidFill>
+                  <a:schemeClr val="tx1"/>
+                </a:solidFill>
+                <a:latin typeface="+mn-lt"/>
+                <a:ea typeface="+mn-ea"/>
+                <a:cs typeface="+mn-cs"/>
+              </a:defRPr>
+            </a:lvl3pPr>
+            <a:lvl4pPr marL="1005840" indent="-228600" algn="l" defTabSz="914400" rtl="0" eaLnBrk="1" latinLnBrk="0" hangingPunct="1">
+              <a:lnSpc>
+                <a:spcPct val="120000"/>
+              </a:lnSpc>
+              <a:spcBef>
+                <a:spcPts val="500"/>
+              </a:spcBef>
+              <a:buFont typeface="Arial" panose="020B0604020202020204" pitchFamily="34" charset="0"/>
+              <a:buChar char="•"/>
+              <a:defRPr sz="1400" kern="1200">
+                <a:solidFill>
+                  <a:schemeClr val="tx1"/>
+                </a:solidFill>
+                <a:latin typeface="+mn-lt"/>
+                <a:ea typeface="+mn-ea"/>
+                <a:cs typeface="+mn-cs"/>
+              </a:defRPr>
+            </a:lvl4pPr>
+            <a:lvl5pPr marL="1234440" indent="-228600" algn="l" defTabSz="914400" rtl="0" eaLnBrk="1" latinLnBrk="0" hangingPunct="1">
+              <a:lnSpc>
+                <a:spcPct val="120000"/>
+              </a:lnSpc>
+              <a:spcBef>
+                <a:spcPts val="500"/>
+              </a:spcBef>
+              <a:buFont typeface="Arial" panose="020B0604020202020204" pitchFamily="34" charset="0"/>
+              <a:buChar char="•"/>
+              <a:defRPr sz="1400" kern="1200">
+                <a:solidFill>
+                  <a:schemeClr val="tx1"/>
+                </a:solidFill>
+                <a:latin typeface="+mn-lt"/>
+                <a:ea typeface="+mn-ea"/>
+                <a:cs typeface="+mn-cs"/>
+              </a:defRPr>
+            </a:lvl5pPr>
+            <a:lvl6pPr marL="2514600" indent="-228600" algn="l" defTabSz="914400" rtl="0" eaLnBrk="1" latinLnBrk="0" hangingPunct="1">
+              <a:lnSpc>
+                <a:spcPct val="90000"/>
+              </a:lnSpc>
+              <a:spcBef>
+                <a:spcPts val="500"/>
+              </a:spcBef>
+              <a:buFont typeface="Arial" panose="020B0604020202020204" pitchFamily="34" charset="0"/>
+              <a:buChar char="•"/>
+              <a:defRPr sz="1800" kern="1200">
+                <a:solidFill>
+                  <a:schemeClr val="tx1"/>
+                </a:solidFill>
+                <a:latin typeface="+mn-lt"/>
+                <a:ea typeface="+mn-ea"/>
+                <a:cs typeface="+mn-cs"/>
+              </a:defRPr>
+            </a:lvl6pPr>
+            <a:lvl7pPr marL="2971800" indent="-228600" algn="l" defTabSz="914400" rtl="0" eaLnBrk="1" latinLnBrk="0" hangingPunct="1">
+              <a:lnSpc>
+                <a:spcPct val="90000"/>
+              </a:lnSpc>
+              <a:spcBef>
+                <a:spcPts val="500"/>
+              </a:spcBef>
+              <a:buFont typeface="Arial" panose="020B0604020202020204" pitchFamily="34" charset="0"/>
+              <a:buChar char="•"/>
+              <a:defRPr sz="1800" kern="1200">
+                <a:solidFill>
+                  <a:schemeClr val="tx1"/>
+                </a:solidFill>
+                <a:latin typeface="+mn-lt"/>
+                <a:ea typeface="+mn-ea"/>
+                <a:cs typeface="+mn-cs"/>
+              </a:defRPr>
+            </a:lvl7pPr>
+            <a:lvl8pPr marL="3429000" indent="-228600" algn="l" defTabSz="914400" rtl="0" eaLnBrk="1" latinLnBrk="0" hangingPunct="1">
+              <a:lnSpc>
+                <a:spcPct val="90000"/>
+              </a:lnSpc>
+              <a:spcBef>
+                <a:spcPts val="500"/>
+              </a:spcBef>
+              <a:buFont typeface="Arial" panose="020B0604020202020204" pitchFamily="34" charset="0"/>
+              <a:buChar char="•"/>
+              <a:defRPr sz="1800" kern="1200">
+                <a:solidFill>
+                  <a:schemeClr val="tx1"/>
+                </a:solidFill>
+                <a:latin typeface="+mn-lt"/>
+                <a:ea typeface="+mn-ea"/>
+                <a:cs typeface="+mn-cs"/>
+              </a:defRPr>
+            </a:lvl8pPr>
+            <a:lvl9pPr marL="3886200" indent="-228600" algn="l" defTabSz="914400" rtl="0" eaLnBrk="1" latinLnBrk="0" hangingPunct="1">
+              <a:lnSpc>
+                <a:spcPct val="90000"/>
+              </a:lnSpc>
+              <a:spcBef>
+                <a:spcPts val="500"/>
+              </a:spcBef>
+              <a:buFont typeface="Arial" panose="020B0604020202020204" pitchFamily="34" charset="0"/>
+              <a:buChar char="•"/>
+              <a:defRPr sz="1800" kern="1200">
+                <a:solidFill>
+                  <a:schemeClr val="tx1"/>
+                </a:solidFill>
+                <a:latin typeface="+mn-lt"/>
+                <a:ea typeface="+mn-ea"/>
+                <a:cs typeface="+mn-cs"/>
+              </a:defRPr>
+            </a:lvl9pPr>
+          </a:lstStyle>
+          <a:p>
+            <a:pPr algn="l">
+              <a:buFont typeface="Arial" panose="020B0604020202020204" pitchFamily="34" charset="0"/>
+              <a:buChar char="•"/>
+            </a:pPr>
+            <a:r>
+              <a:rPr lang="en-US" sz="1400" b="0" i="0" dirty="0">
+                <a:solidFill>
+                  <a:srgbClr val="1F2328"/>
+                </a:solidFill>
+                <a:effectLst/>
+                <a:latin typeface="+mj-lt"/>
+              </a:rPr>
+              <a:t>Reinforcement Learning (RL) is a branch of machine learning where an </a:t>
+            </a:r>
+            <a:r>
+              <a:rPr lang="en-US" sz="1400" b="1" i="0" dirty="0">
+                <a:solidFill>
+                  <a:srgbClr val="1F2328"/>
+                </a:solidFill>
+                <a:effectLst/>
+                <a:latin typeface="+mj-lt"/>
+              </a:rPr>
+              <a:t>agent</a:t>
+            </a:r>
+            <a:r>
+              <a:rPr lang="en-US" sz="1400" b="0" i="0" dirty="0">
+                <a:solidFill>
+                  <a:srgbClr val="1F2328"/>
+                </a:solidFill>
+                <a:effectLst/>
+                <a:latin typeface="+mj-lt"/>
+              </a:rPr>
+              <a:t> learns to make decisions by interacting with an </a:t>
+            </a:r>
+            <a:r>
+              <a:rPr lang="en-US" sz="1400" b="1" i="0" dirty="0">
+                <a:solidFill>
+                  <a:srgbClr val="1F2328"/>
+                </a:solidFill>
+                <a:effectLst/>
+                <a:latin typeface="+mj-lt"/>
+              </a:rPr>
+              <a:t>environment</a:t>
+            </a:r>
+            <a:r>
+              <a:rPr lang="en-US" sz="1400" b="0" i="0" dirty="0">
+                <a:solidFill>
+                  <a:srgbClr val="1F2328"/>
+                </a:solidFill>
+                <a:effectLst/>
+                <a:latin typeface="+mj-lt"/>
+              </a:rPr>
+              <a:t> to maximize cumulative </a:t>
+            </a:r>
+            <a:r>
+              <a:rPr lang="en-US" sz="1400" b="1" i="0" dirty="0">
+                <a:solidFill>
+                  <a:srgbClr val="1F2328"/>
+                </a:solidFill>
+                <a:effectLst/>
+                <a:latin typeface="+mj-lt"/>
+              </a:rPr>
+              <a:t>rewards</a:t>
+            </a:r>
+            <a:r>
+              <a:rPr lang="en-US" sz="1400" b="0" i="0" dirty="0">
+                <a:solidFill>
+                  <a:srgbClr val="1F2328"/>
+                </a:solidFill>
+                <a:effectLst/>
+                <a:latin typeface="+mj-lt"/>
+              </a:rPr>
+              <a:t>.</a:t>
+            </a:r>
+          </a:p>
+          <a:p>
+            <a:r>
+              <a:rPr lang="en-US" sz="1400" b="0" i="0" dirty="0">
+                <a:solidFill>
+                  <a:srgbClr val="1F2328"/>
+                </a:solidFill>
+                <a:effectLst/>
+                <a:latin typeface="+mj-lt"/>
+              </a:rPr>
+              <a:t>The agent observes the state of environment, takes actions, and receives feedback in the form of rewards. Overtime, the agent learns a </a:t>
+            </a:r>
+            <a:r>
+              <a:rPr lang="en-US" sz="1400" b="1" i="0" dirty="0">
+                <a:solidFill>
+                  <a:srgbClr val="1F2328"/>
+                </a:solidFill>
+                <a:effectLst/>
+                <a:latin typeface="+mj-lt"/>
+              </a:rPr>
+              <a:t>policy</a:t>
+            </a:r>
+            <a:r>
+              <a:rPr lang="en-US" sz="1400" b="0" i="0" dirty="0">
+                <a:solidFill>
+                  <a:srgbClr val="1F2328"/>
+                </a:solidFill>
+                <a:effectLst/>
+                <a:latin typeface="+mj-lt"/>
+              </a:rPr>
+              <a:t>, a mapping from states to actions, that maximizes the expected cumulative rewards.</a:t>
+            </a:r>
+          </a:p>
+          <a:p>
+            <a:r>
+              <a:rPr lang="en-US" sz="1400" b="0" i="0" dirty="0">
+                <a:solidFill>
+                  <a:srgbClr val="1F2328"/>
+                </a:solidFill>
+                <a:effectLst/>
+                <a:latin typeface="+mj-lt"/>
+              </a:rPr>
+              <a:t>One of the foundational methods in reinforcement learning is </a:t>
+            </a:r>
+            <a:r>
+              <a:rPr lang="en-US" sz="1400" b="1" i="0" dirty="0">
+                <a:solidFill>
+                  <a:srgbClr val="1F2328"/>
+                </a:solidFill>
+                <a:effectLst/>
+                <a:latin typeface="+mj-lt"/>
+              </a:rPr>
+              <a:t>Q-learning</a:t>
+            </a:r>
+            <a:r>
+              <a:rPr lang="en-US" sz="1400" b="0" i="0" dirty="0">
+                <a:solidFill>
+                  <a:srgbClr val="1F2328"/>
+                </a:solidFill>
+                <a:effectLst/>
+                <a:latin typeface="+mj-lt"/>
+              </a:rPr>
+              <a:t>.</a:t>
+            </a:r>
+          </a:p>
+          <a:p>
+            <a:pPr algn="l">
+              <a:buFont typeface="Arial" panose="020B0604020202020204" pitchFamily="34" charset="0"/>
+              <a:buChar char="•"/>
+            </a:pPr>
+            <a:endParaRPr lang="en-US" sz="1400" b="0" i="0" dirty="0">
+              <a:solidFill>
+                <a:srgbClr val="1F2328"/>
+              </a:solidFill>
+              <a:effectLst/>
+              <a:latin typeface="+mj-lt"/>
+            </a:endParaRPr>
+          </a:p>
+        </p:txBody>
+      </p:sp>
+      <p:pic>
+        <p:nvPicPr>
+          <p:cNvPr id="1026" name="Picture 2" descr="Research on Q-Table Design for Maximum Power Point Tracking-Based Reinforcement  Learning in PV Systems">
+            <a:extLst>
+              <a:ext uri="{FF2B5EF4-FFF2-40B4-BE49-F238E27FC236}">
+                <a16:creationId xmlns:a16="http://schemas.microsoft.com/office/drawing/2014/main" id="{0D7FDF20-AA52-10B8-5C38-D881F1BCECE3}"/>
+              </a:ext>
+            </a:extLst>
+          </p:cNvPr>
+          <p:cNvPicPr>
+            <a:picLocks noChangeAspect="1" noChangeArrowheads="1"/>
+          </p:cNvPicPr>
+          <p:nvPr/>
+        </p:nvPicPr>
+        <p:blipFill>
+          <a:blip r:embed="rId3">
+            <a:extLst>
+              <a:ext uri="{28A0092B-C50C-407E-A947-70E740481C1C}">
+                <a14:useLocalDpi xmlns:a14="http://schemas.microsoft.com/office/drawing/2010/main" val="0"/>
+              </a:ext>
+            </a:extLst>
+          </a:blip>
+          <a:stretch>
+            <a:fillRect/>
+          </a:stretch>
+        </p:blipFill>
+        <p:spPr bwMode="auto">
+          <a:xfrm>
+            <a:off x="6747404" y="1566167"/>
+            <a:ext cx="4804105" cy="3890853"/>
+          </a:xfrm>
+          <a:prstGeom prst="rect">
+            <a:avLst/>
+          </a:prstGeom>
+          <a:noFill/>
+          <a:extLst>
+            <a:ext uri="{909E8E84-426E-40DD-AFC4-6F175D3DCCD1}">
+              <a14:hiddenFill xmlns:a14="http://schemas.microsoft.com/office/drawing/2010/main">
+                <a:solidFill>
+                  <a:srgbClr val="FFFFFF"/>
+                </a:solidFill>
+              </a14:hiddenFill>
+            </a:ext>
+          </a:extLst>
+        </p:spPr>
+      </p:pic>
+      <p:cxnSp>
+        <p:nvCxnSpPr>
+          <p:cNvPr id="1035" name="Straight Connector 1034">
+            <a:extLst>
+              <a:ext uri="{FF2B5EF4-FFF2-40B4-BE49-F238E27FC236}">
+                <a16:creationId xmlns:a16="http://schemas.microsoft.com/office/drawing/2014/main" id="{3EE0E5CC-C40E-4EC4-8C9B-0CBB46A7CA1D}"/>
+              </a:ext>
+              <a:ext uri="{C183D7F6-B498-43B3-948B-1728B52AA6E4}">
+                <adec:decorative xmlns:adec="http://schemas.microsoft.com/office/drawing/2017/decorative" val="1"/>
+              </a:ext>
+            </a:extLst>
+          </p:cNvPr>
+          <p:cNvCxnSpPr>
+            <a:cxnSpLocks noGrp="1" noRot="1" noChangeAspect="1" noMove="1" noResize="1" noEditPoints="1" noAdjustHandles="1" noChangeArrowheads="1" noChangeShapeType="1"/>
+          </p:cNvCxnSpPr>
+          <p:nvPr>
+            <p:extLst>
+              <p:ext uri="{386F3935-93C4-4BCD-93E2-E3B085C9AB24}">
+                <p16:designElem xmlns:p16="http://schemas.microsoft.com/office/powerpoint/2015/main" val="1"/>
+              </p:ext>
+            </p:extLst>
+          </p:nvPr>
+        </p:nvCxnSpPr>
+        <p:spPr>
+          <a:xfrm>
+            <a:off x="643467" y="6309695"/>
+            <a:ext cx="10905066" cy="0"/>
+          </a:xfrm>
+          <a:prstGeom prst="line">
+            <a:avLst/>
+          </a:prstGeom>
+          <a:ln w="6350">
+            <a:solidFill>
+              <a:schemeClr val="tx1"/>
+            </a:solidFill>
+          </a:ln>
+        </p:spPr>
+        <p:style>
+          <a:lnRef idx="1">
+            <a:schemeClr val="accent1"/>
+          </a:lnRef>
+          <a:fillRef idx="0">
+            <a:schemeClr val="accent1"/>
+          </a:fillRef>
+          <a:effectRef idx="0">
+            <a:schemeClr val="accent1"/>
+          </a:effectRef>
+          <a:fontRef idx="minor">
+            <a:schemeClr val="tx1"/>
+          </a:fontRef>
+        </p:style>
+      </p:cxnSp>
+    </p:spTree>
+    <p:extLst>
+      <p:ext uri="{BB962C8B-B14F-4D97-AF65-F5344CB8AC3E}">
+        <p14:creationId xmlns:p14="http://schemas.microsoft.com/office/powerpoint/2010/main" val="1270025113"/>
+      </p:ext>
+    </p:extLst>
+  </p:cSld>
+  <p:clrMapOvr>
+    <a:masterClrMapping/>
+  </p:clrMapOvr>
+</p:sld>
+</file>
+
 <file path=ppt/slides/slide2.xml><?xml version="1.0" encoding="utf-8"?>
 <p:sld xmlns:a="http://schemas.openxmlformats.org/drawingml/2006/main" xmlns:r="http://schemas.openxmlformats.org/officeDocument/2006/relationships" xmlns:p="http://schemas.openxmlformats.org/presentationml/2006/main">
   <p:cSld>
@@ -6116,8 +10159,8 @@
         </p:nvSpPr>
         <p:spPr>
           <a:xfrm>
-            <a:off x="548640" y="950976"/>
-            <a:ext cx="3536516" cy="2245737"/>
+            <a:off x="548640" y="950977"/>
+            <a:ext cx="10995024" cy="700024"/>
           </a:xfrm>
         </p:spPr>
         <p:txBody>
@@ -6128,7 +10171,7 @@
           <a:p>
             <a:r>
               <a:rPr lang="en-US" dirty="0"/>
-              <a:t>Introduction</a:t>
+              <a:t>Agenda</a:t>
             </a:r>
             <a:endParaRPr lang="en-AE" dirty="0"/>
           </a:p>
@@ -6234,12 +10277,966 @@
           </a:fontRef>
         </p:style>
       </p:cxnSp>
+      <p:sp>
+        <p:nvSpPr>
+          <p:cNvPr id="4" name="Content Placeholder 3">
+            <a:extLst>
+              <a:ext uri="{FF2B5EF4-FFF2-40B4-BE49-F238E27FC236}">
+                <a16:creationId xmlns:a16="http://schemas.microsoft.com/office/drawing/2014/main" id="{ADE4E13B-70AF-FF3D-D56C-30F0669B0970}"/>
+              </a:ext>
+            </a:extLst>
+          </p:cNvPr>
+          <p:cNvSpPr>
+            <a:spLocks noGrp="1"/>
+          </p:cNvSpPr>
+          <p:nvPr>
+            <p:ph idx="1"/>
+          </p:nvPr>
+        </p:nvSpPr>
+        <p:spPr/>
+        <p:txBody>
+          <a:bodyPr/>
+          <a:lstStyle/>
+          <a:p>
+            <a:r>
+              <a:rPr lang="en-US" dirty="0"/>
+              <a:t>Exploratory Data Analysis</a:t>
+            </a:r>
+          </a:p>
+          <a:p>
+            <a:r>
+              <a:rPr lang="en-US" dirty="0"/>
+              <a:t>Insight from Predictive Models</a:t>
+            </a:r>
+          </a:p>
+          <a:p>
+            <a:r>
+              <a:rPr lang="en-US" dirty="0"/>
+              <a:t>Introduction to Reinforcement Learning</a:t>
+            </a:r>
+          </a:p>
+          <a:p>
+            <a:pPr lvl="1"/>
+            <a:r>
+              <a:rPr lang="en-US" dirty="0"/>
+              <a:t>Solar Battery Optimization</a:t>
+            </a:r>
+          </a:p>
+        </p:txBody>
+      </p:sp>
+    </p:spTree>
+    <p:extLst>
+      <p:ext uri="{BB962C8B-B14F-4D97-AF65-F5344CB8AC3E}">
+        <p14:creationId xmlns:p14="http://schemas.microsoft.com/office/powerpoint/2010/main" val="2785948070"/>
+      </p:ext>
+    </p:extLst>
+  </p:cSld>
+  <p:clrMapOvr>
+    <a:masterClrMapping/>
+  </p:clrMapOvr>
+</p:sld>
+</file>
+
+<file path=ppt/slides/slide6.xml><?xml version="1.0" encoding="utf-8"?>
+<p:sld xmlns:a="http://schemas.openxmlformats.org/drawingml/2006/main" xmlns:r="http://schemas.openxmlformats.org/officeDocument/2006/relationships" xmlns:p="http://schemas.openxmlformats.org/presentationml/2006/main">
+  <p:cSld>
+    <p:bg>
+      <p:bgPr>
+        <a:solidFill>
+          <a:schemeClr val="bg1"/>
+        </a:solidFill>
+        <a:effectLst/>
+      </p:bgPr>
+    </p:bg>
+    <p:spTree>
+      <p:nvGrpSpPr>
+        <p:cNvPr id="1" name="">
+          <a:extLst>
+            <a:ext uri="{FF2B5EF4-FFF2-40B4-BE49-F238E27FC236}">
+              <a16:creationId xmlns:a16="http://schemas.microsoft.com/office/drawing/2014/main" id="{3FF4560A-07E3-AF87-E3D8-D36289F6DBAA}"/>
+            </a:ext>
+          </a:extLst>
+        </p:cNvPr>
+        <p:cNvGrpSpPr/>
+        <p:nvPr/>
+      </p:nvGrpSpPr>
+      <p:grpSpPr>
+        <a:xfrm>
+          <a:off x="0" y="0"/>
+          <a:ext cx="0" cy="0"/>
+          <a:chOff x="0" y="0"/>
+          <a:chExt cx="0" cy="0"/>
+        </a:xfrm>
+      </p:grpSpPr>
+      <p:sp useBgFill="1">
+        <p:nvSpPr>
+          <p:cNvPr id="46" name="Rectangle 45">
+            <a:extLst>
+              <a:ext uri="{FF2B5EF4-FFF2-40B4-BE49-F238E27FC236}">
+                <a16:creationId xmlns:a16="http://schemas.microsoft.com/office/drawing/2014/main" id="{599ACE7E-A609-DA8F-9C48-F0CD0E968D7E}"/>
+              </a:ext>
+              <a:ext uri="{C183D7F6-B498-43B3-948B-1728B52AA6E4}">
+                <adec:decorative xmlns:adec="http://schemas.microsoft.com/office/drawing/2017/decorative" val="1"/>
+              </a:ext>
+            </a:extLst>
+          </p:cNvPr>
+          <p:cNvSpPr>
+            <a:spLocks noGrp="1" noRot="1" noChangeAspect="1" noMove="1" noResize="1" noEditPoints="1" noAdjustHandles="1" noChangeArrowheads="1" noChangeShapeType="1" noTextEdit="1"/>
+          </p:cNvSpPr>
+          <p:nvPr>
+            <p:extLst>
+              <p:ext uri="{386F3935-93C4-4BCD-93E2-E3B085C9AB24}">
+                <p16:designElem xmlns:p16="http://schemas.microsoft.com/office/powerpoint/2015/main" val="1"/>
+              </p:ext>
+            </p:extLst>
+          </p:nvPr>
+        </p:nvSpPr>
+        <p:spPr>
+          <a:xfrm>
+            <a:off x="0" y="0"/>
+            <a:ext cx="12192000" cy="6858000"/>
+          </a:xfrm>
+          <a:prstGeom prst="rect">
+            <a:avLst/>
+          </a:prstGeom>
+          <a:ln w="12700" cap="flat" cmpd="sng" algn="ctr">
+            <a:noFill/>
+            <a:prstDash val="solid"/>
+            <a:miter lim="800000"/>
+          </a:ln>
+          <a:effectLst/>
+          <a:extLst>
+            <a:ext uri="{91240B29-F687-4F45-9708-019B960494DF}">
+              <a14:hiddenLine xmlns:a14="http://schemas.microsoft.com/office/drawing/2010/main" w="12700" cap="flat" cmpd="sng" algn="ctr">
+                <a:solidFill>
+                  <a:schemeClr val="accent1">
+                    <a:shade val="50000"/>
+                  </a:schemeClr>
+                </a:solidFill>
+                <a:prstDash val="solid"/>
+                <a:miter lim="800000"/>
+              </a14:hiddenLine>
+            </a:ext>
+          </a:extLst>
+        </p:spPr>
+        <p:style>
+          <a:lnRef idx="2">
+            <a:schemeClr val="accent1">
+              <a:shade val="50000"/>
+            </a:schemeClr>
+          </a:lnRef>
+          <a:fillRef idx="1">
+            <a:schemeClr val="accent1"/>
+          </a:fillRef>
+          <a:effectRef idx="0">
+            <a:schemeClr val="accent1"/>
+          </a:effectRef>
+          <a:fontRef idx="minor">
+            <a:schemeClr val="lt1"/>
+          </a:fontRef>
+        </p:style>
+        <p:txBody>
+          <a:bodyPr rtlCol="0" anchor="ctr"/>
+          <a:lstStyle/>
+          <a:p>
+            <a:pPr algn="ctr"/>
+            <a:endParaRPr lang="en-US"/>
+          </a:p>
+        </p:txBody>
+      </p:sp>
+      <p:sp>
+        <p:nvSpPr>
+          <p:cNvPr id="2" name="Title 1">
+            <a:extLst>
+              <a:ext uri="{FF2B5EF4-FFF2-40B4-BE49-F238E27FC236}">
+                <a16:creationId xmlns:a16="http://schemas.microsoft.com/office/drawing/2014/main" id="{119F0C29-42ED-3831-FEB1-6806ACFDA1A5}"/>
+              </a:ext>
+            </a:extLst>
+          </p:cNvPr>
+          <p:cNvSpPr>
+            <a:spLocks noGrp="1"/>
+          </p:cNvSpPr>
+          <p:nvPr>
+            <p:ph type="title"/>
+          </p:nvPr>
+        </p:nvSpPr>
+        <p:spPr>
+          <a:xfrm>
+            <a:off x="548640" y="950977"/>
+            <a:ext cx="10995024" cy="700024"/>
+          </a:xfrm>
+        </p:spPr>
+        <p:txBody>
+          <a:bodyPr>
+            <a:normAutofit/>
+          </a:bodyPr>
+          <a:lstStyle/>
+          <a:p>
+            <a:r>
+              <a:rPr lang="en-US" dirty="0"/>
+              <a:t>Data sources</a:t>
+            </a:r>
+            <a:endParaRPr lang="en-AE" dirty="0"/>
+          </a:p>
+        </p:txBody>
+      </p:sp>
+      <p:cxnSp>
+        <p:nvCxnSpPr>
+          <p:cNvPr id="47" name="Straight Connector 46">
+            <a:extLst>
+              <a:ext uri="{FF2B5EF4-FFF2-40B4-BE49-F238E27FC236}">
+                <a16:creationId xmlns:a16="http://schemas.microsoft.com/office/drawing/2014/main" id="{9AEF09E8-F441-F3F0-1F05-48E8CA657473}"/>
+              </a:ext>
+              <a:ext uri="{C183D7F6-B498-43B3-948B-1728B52AA6E4}">
+                <adec:decorative xmlns:adec="http://schemas.microsoft.com/office/drawing/2017/decorative" val="1"/>
+              </a:ext>
+            </a:extLst>
+          </p:cNvPr>
+          <p:cNvCxnSpPr>
+            <a:cxnSpLocks noGrp="1" noRot="1" noChangeAspect="1" noMove="1" noResize="1" noEditPoints="1" noAdjustHandles="1" noChangeArrowheads="1" noChangeShapeType="1"/>
+          </p:cNvCxnSpPr>
+          <p:nvPr>
+            <p:extLst>
+              <p:ext uri="{386F3935-93C4-4BCD-93E2-E3B085C9AB24}">
+                <p16:designElem xmlns:p16="http://schemas.microsoft.com/office/powerpoint/2015/main" val="1"/>
+              </p:ext>
+            </p:extLst>
+          </p:nvPr>
+        </p:nvCxnSpPr>
+        <p:spPr>
+          <a:xfrm>
+            <a:off x="643467" y="678719"/>
+            <a:ext cx="10905066" cy="0"/>
+          </a:xfrm>
+          <a:prstGeom prst="line">
+            <a:avLst/>
+          </a:prstGeom>
+          <a:ln w="38100"/>
+        </p:spPr>
+        <p:style>
+          <a:lnRef idx="1">
+            <a:schemeClr val="accent1"/>
+          </a:lnRef>
+          <a:fillRef idx="0">
+            <a:schemeClr val="accent1"/>
+          </a:fillRef>
+          <a:effectRef idx="0">
+            <a:schemeClr val="accent1"/>
+          </a:effectRef>
+          <a:fontRef idx="minor">
+            <a:schemeClr val="tx1"/>
+          </a:fontRef>
+        </p:style>
+      </p:cxnSp>
+      <p:cxnSp>
+        <p:nvCxnSpPr>
+          <p:cNvPr id="48" name="Straight Connector 47">
+            <a:extLst>
+              <a:ext uri="{FF2B5EF4-FFF2-40B4-BE49-F238E27FC236}">
+                <a16:creationId xmlns:a16="http://schemas.microsoft.com/office/drawing/2014/main" id="{B4A3B568-9BF7-CD2B-3E4C-65980E002AE7}"/>
+              </a:ext>
+              <a:ext uri="{C183D7F6-B498-43B3-948B-1728B52AA6E4}">
+                <adec:decorative xmlns:adec="http://schemas.microsoft.com/office/drawing/2017/decorative" val="1"/>
+              </a:ext>
+            </a:extLst>
+          </p:cNvPr>
+          <p:cNvCxnSpPr>
+            <a:cxnSpLocks noGrp="1" noRot="1" noChangeAspect="1" noMove="1" noResize="1" noEditPoints="1" noAdjustHandles="1" noChangeArrowheads="1" noChangeShapeType="1"/>
+          </p:cNvCxnSpPr>
+          <p:nvPr>
+            <p:extLst>
+              <p:ext uri="{386F3935-93C4-4BCD-93E2-E3B085C9AB24}">
+                <p16:designElem xmlns:p16="http://schemas.microsoft.com/office/powerpoint/2015/main" val="1"/>
+              </p:ext>
+            </p:extLst>
+          </p:nvPr>
+        </p:nvCxnSpPr>
+        <p:spPr>
+          <a:xfrm>
+            <a:off x="643467" y="6309695"/>
+            <a:ext cx="10905066" cy="0"/>
+          </a:xfrm>
+          <a:prstGeom prst="line">
+            <a:avLst/>
+          </a:prstGeom>
+          <a:ln w="6350">
+            <a:solidFill>
+              <a:schemeClr val="tx1"/>
+            </a:solidFill>
+          </a:ln>
+        </p:spPr>
+        <p:style>
+          <a:lnRef idx="1">
+            <a:schemeClr val="accent1"/>
+          </a:lnRef>
+          <a:fillRef idx="0">
+            <a:schemeClr val="accent1"/>
+          </a:fillRef>
+          <a:effectRef idx="0">
+            <a:schemeClr val="accent1"/>
+          </a:effectRef>
+          <a:fontRef idx="minor">
+            <a:schemeClr val="tx1"/>
+          </a:fontRef>
+        </p:style>
+      </p:cxnSp>
+      <p:sp>
+        <p:nvSpPr>
+          <p:cNvPr id="4" name="Content Placeholder 3">
+            <a:extLst>
+              <a:ext uri="{FF2B5EF4-FFF2-40B4-BE49-F238E27FC236}">
+                <a16:creationId xmlns:a16="http://schemas.microsoft.com/office/drawing/2014/main" id="{0EC0B331-B36C-E02E-EB47-D6E8D1264D07}"/>
+              </a:ext>
+            </a:extLst>
+          </p:cNvPr>
+          <p:cNvSpPr>
+            <a:spLocks noGrp="1"/>
+          </p:cNvSpPr>
+          <p:nvPr>
+            <p:ph idx="1"/>
+          </p:nvPr>
+        </p:nvSpPr>
+        <p:spPr/>
+        <p:txBody>
+          <a:bodyPr/>
+          <a:lstStyle/>
+          <a:p>
+            <a:r>
+              <a:rPr lang="en-US" b="0" i="0" dirty="0">
+                <a:solidFill>
+                  <a:srgbClr val="1F2328"/>
+                </a:solidFill>
+                <a:effectLst/>
+              </a:rPr>
+              <a:t>The data was extracted from 3 sources</a:t>
+            </a:r>
+          </a:p>
+          <a:p>
+            <a:pPr lvl="1"/>
+            <a:r>
+              <a:rPr lang="en-US" b="0" i="0" dirty="0">
+                <a:solidFill>
+                  <a:srgbClr val="1F2328"/>
+                </a:solidFill>
+                <a:effectLst/>
+              </a:rPr>
+              <a:t>Weather in Bucharest, Romania: </a:t>
+            </a:r>
+            <a:r>
+              <a:rPr lang="en-US" b="1" i="0" u="sng" dirty="0">
+                <a:solidFill>
+                  <a:srgbClr val="1F2328"/>
+                </a:solidFill>
+                <a:effectLst/>
+                <a:hlinkClick r:id="rId3"/>
+              </a:rPr>
+              <a:t>Visual Crossing's weather data services</a:t>
+            </a:r>
+            <a:endParaRPr lang="en-US" b="1" i="0" u="sng" dirty="0">
+              <a:solidFill>
+                <a:srgbClr val="1F2328"/>
+              </a:solidFill>
+              <a:effectLst/>
+            </a:endParaRPr>
+          </a:p>
+          <a:p>
+            <a:pPr lvl="1"/>
+            <a:r>
+              <a:rPr lang="en-US" b="0" i="0" dirty="0">
+                <a:solidFill>
+                  <a:srgbClr val="1F2328"/>
+                </a:solidFill>
+                <a:effectLst/>
+              </a:rPr>
+              <a:t>Electricity Cost per Hour: </a:t>
+            </a:r>
+            <a:r>
+              <a:rPr lang="en-US" b="1" i="0" u="sng" dirty="0" err="1">
+                <a:solidFill>
+                  <a:srgbClr val="1F2328"/>
+                </a:solidFill>
+                <a:effectLst/>
+                <a:hlinkClick r:id="rId4"/>
+              </a:rPr>
+              <a:t>Thingler</a:t>
+            </a:r>
+            <a:r>
+              <a:rPr lang="en-US" b="0" i="0" dirty="0">
+                <a:solidFill>
+                  <a:srgbClr val="1F2328"/>
+                </a:solidFill>
+                <a:effectLst/>
+              </a:rPr>
+              <a:t>, by interpreting the bar charts and making personal notes</a:t>
+            </a:r>
+          </a:p>
+          <a:p>
+            <a:pPr lvl="1"/>
+            <a:r>
+              <a:rPr lang="en-US" b="0" i="0" dirty="0">
+                <a:solidFill>
+                  <a:srgbClr val="1F2328"/>
+                </a:solidFill>
+                <a:effectLst/>
+              </a:rPr>
+              <a:t>Electricity Production per Hour: </a:t>
+            </a:r>
+            <a:r>
+              <a:rPr lang="en-US" b="1" i="0" u="sng" dirty="0">
+                <a:solidFill>
+                  <a:srgbClr val="1F2328"/>
+                </a:solidFill>
+                <a:effectLst/>
+                <a:hlinkClick r:id="rId5"/>
+              </a:rPr>
+              <a:t>Kaggle</a:t>
+            </a:r>
+            <a:endParaRPr lang="en-US" b="0" i="0" dirty="0">
+              <a:solidFill>
+                <a:srgbClr val="1F2328"/>
+              </a:solidFill>
+              <a:effectLst/>
+            </a:endParaRPr>
+          </a:p>
+          <a:p>
+            <a:r>
+              <a:rPr lang="en-US" b="0" i="0" dirty="0">
+                <a:solidFill>
+                  <a:srgbClr val="1F2328"/>
+                </a:solidFill>
+                <a:effectLst/>
+                <a:latin typeface="-apple-system"/>
+              </a:rPr>
+              <a:t>All three datasets cover the period from January 2024 to March 2024 on hourly basis. The data for March 31, 2024 was intentionally removed due to missing one hour because of daylight saving adjustments.</a:t>
+            </a:r>
+          </a:p>
+          <a:p>
+            <a:endParaRPr lang="en-US" b="0" i="0" dirty="0">
+              <a:solidFill>
+                <a:srgbClr val="1F2328"/>
+              </a:solidFill>
+              <a:effectLst/>
+            </a:endParaRPr>
+          </a:p>
+          <a:p>
+            <a:endParaRPr lang="en-US" dirty="0"/>
+          </a:p>
+        </p:txBody>
+      </p:sp>
+    </p:spTree>
+    <p:extLst>
+      <p:ext uri="{BB962C8B-B14F-4D97-AF65-F5344CB8AC3E}">
+        <p14:creationId xmlns:p14="http://schemas.microsoft.com/office/powerpoint/2010/main" val="2016582262"/>
+      </p:ext>
+    </p:extLst>
+  </p:cSld>
+  <p:clrMapOvr>
+    <a:masterClrMapping/>
+  </p:clrMapOvr>
+</p:sld>
+</file>
+
+<file path=ppt/slides/slide7.xml><?xml version="1.0" encoding="utf-8"?>
+<p:sld xmlns:a="http://schemas.openxmlformats.org/drawingml/2006/main" xmlns:r="http://schemas.openxmlformats.org/officeDocument/2006/relationships" xmlns:p="http://schemas.openxmlformats.org/presentationml/2006/main">
+  <p:cSld>
+    <p:bg>
+      <p:bgPr>
+        <a:solidFill>
+          <a:schemeClr val="bg1"/>
+        </a:solidFill>
+        <a:effectLst/>
+      </p:bgPr>
+    </p:bg>
+    <p:spTree>
+      <p:nvGrpSpPr>
+        <p:cNvPr id="1" name="">
+          <a:extLst>
+            <a:ext uri="{FF2B5EF4-FFF2-40B4-BE49-F238E27FC236}">
+              <a16:creationId xmlns:a16="http://schemas.microsoft.com/office/drawing/2014/main" id="{FAE8499E-DE90-889D-CD50-EF6E90F1C8AD}"/>
+            </a:ext>
+          </a:extLst>
+        </p:cNvPr>
+        <p:cNvGrpSpPr/>
+        <p:nvPr/>
+      </p:nvGrpSpPr>
+      <p:grpSpPr>
+        <a:xfrm>
+          <a:off x="0" y="0"/>
+          <a:ext cx="0" cy="0"/>
+          <a:chOff x="0" y="0"/>
+          <a:chExt cx="0" cy="0"/>
+        </a:xfrm>
+      </p:grpSpPr>
+      <p:sp useBgFill="1">
+        <p:nvSpPr>
+          <p:cNvPr id="66" name="Rectangle 65">
+            <a:extLst>
+              <a:ext uri="{FF2B5EF4-FFF2-40B4-BE49-F238E27FC236}">
+                <a16:creationId xmlns:a16="http://schemas.microsoft.com/office/drawing/2014/main" id="{8D4CB34F-8558-4D70-B3B1-7F18AB386FE1}"/>
+              </a:ext>
+              <a:ext uri="{C183D7F6-B498-43B3-948B-1728B52AA6E4}">
+                <adec:decorative xmlns:adec="http://schemas.microsoft.com/office/drawing/2017/decorative" val="1"/>
+              </a:ext>
+            </a:extLst>
+          </p:cNvPr>
+          <p:cNvSpPr>
+            <a:spLocks noGrp="1" noRot="1" noChangeAspect="1" noMove="1" noResize="1" noEditPoints="1" noAdjustHandles="1" noChangeArrowheads="1" noChangeShapeType="1" noTextEdit="1"/>
+          </p:cNvSpPr>
+          <p:nvPr>
+            <p:extLst>
+              <p:ext uri="{386F3935-93C4-4BCD-93E2-E3B085C9AB24}">
+                <p16:designElem xmlns:p16="http://schemas.microsoft.com/office/powerpoint/2015/main" val="1"/>
+              </p:ext>
+            </p:extLst>
+          </p:nvPr>
+        </p:nvSpPr>
+        <p:spPr>
+          <a:xfrm>
+            <a:off x="0" y="0"/>
+            <a:ext cx="12192000" cy="6858000"/>
+          </a:xfrm>
+          <a:prstGeom prst="rect">
+            <a:avLst/>
+          </a:prstGeom>
+          <a:ln w="12700" cap="flat" cmpd="sng" algn="ctr">
+            <a:noFill/>
+            <a:prstDash val="solid"/>
+            <a:miter lim="800000"/>
+          </a:ln>
+          <a:effectLst/>
+          <a:extLst>
+            <a:ext uri="{91240B29-F687-4F45-9708-019B960494DF}">
+              <a14:hiddenLine xmlns:a14="http://schemas.microsoft.com/office/drawing/2010/main" w="12700" cap="flat" cmpd="sng" algn="ctr">
+                <a:solidFill>
+                  <a:schemeClr val="accent1">
+                    <a:shade val="50000"/>
+                  </a:schemeClr>
+                </a:solidFill>
+                <a:prstDash val="solid"/>
+                <a:miter lim="800000"/>
+              </a14:hiddenLine>
+            </a:ext>
+          </a:extLst>
+        </p:spPr>
+        <p:style>
+          <a:lnRef idx="2">
+            <a:schemeClr val="accent1">
+              <a:shade val="50000"/>
+            </a:schemeClr>
+          </a:lnRef>
+          <a:fillRef idx="1">
+            <a:schemeClr val="accent1"/>
+          </a:fillRef>
+          <a:effectRef idx="0">
+            <a:schemeClr val="accent1"/>
+          </a:effectRef>
+          <a:fontRef idx="minor">
+            <a:schemeClr val="lt1"/>
+          </a:fontRef>
+        </p:style>
+        <p:txBody>
+          <a:bodyPr rtlCol="0" anchor="ctr"/>
+          <a:lstStyle/>
+          <a:p>
+            <a:pPr algn="ctr"/>
+            <a:endParaRPr lang="en-US"/>
+          </a:p>
+        </p:txBody>
+      </p:sp>
+      <p:sp>
+        <p:nvSpPr>
+          <p:cNvPr id="2" name="Title 1">
+            <a:extLst>
+              <a:ext uri="{FF2B5EF4-FFF2-40B4-BE49-F238E27FC236}">
+                <a16:creationId xmlns:a16="http://schemas.microsoft.com/office/drawing/2014/main" id="{967B779C-6C5C-8927-1B12-03DC1ABE95F7}"/>
+              </a:ext>
+            </a:extLst>
+          </p:cNvPr>
+          <p:cNvSpPr>
+            <a:spLocks noGrp="1"/>
+          </p:cNvSpPr>
+          <p:nvPr>
+            <p:ph type="title"/>
+          </p:nvPr>
+        </p:nvSpPr>
+        <p:spPr>
+          <a:xfrm>
+            <a:off x="548640" y="950977"/>
+            <a:ext cx="5555815" cy="1692824"/>
+          </a:xfrm>
+        </p:spPr>
+        <p:txBody>
+          <a:bodyPr vert="horz" lIns="91440" tIns="45720" rIns="91440" bIns="45720" rtlCol="0" anchor="t">
+            <a:normAutofit/>
+          </a:bodyPr>
+          <a:lstStyle/>
+          <a:p>
+            <a:r>
+              <a:rPr lang="en-US" sz="4400" kern="1200" dirty="0">
+                <a:solidFill>
+                  <a:schemeClr val="accent1"/>
+                </a:solidFill>
+                <a:latin typeface="+mj-lt"/>
+                <a:ea typeface="+mj-ea"/>
+                <a:cs typeface="+mj-cs"/>
+              </a:rPr>
+              <a:t>Exploratory Data Analysis</a:t>
+            </a:r>
+          </a:p>
+        </p:txBody>
+      </p:sp>
+      <p:cxnSp>
+        <p:nvCxnSpPr>
+          <p:cNvPr id="68" name="Straight Connector 67">
+            <a:extLst>
+              <a:ext uri="{FF2B5EF4-FFF2-40B4-BE49-F238E27FC236}">
+                <a16:creationId xmlns:a16="http://schemas.microsoft.com/office/drawing/2014/main" id="{110D73D2-BCDE-4BF7-A260-2FAD9184B342}"/>
+              </a:ext>
+              <a:ext uri="{C183D7F6-B498-43B3-948B-1728B52AA6E4}">
+                <adec:decorative xmlns:adec="http://schemas.microsoft.com/office/drawing/2017/decorative" val="1"/>
+              </a:ext>
+            </a:extLst>
+          </p:cNvPr>
+          <p:cNvCxnSpPr>
+            <a:cxnSpLocks noGrp="1" noRot="1" noChangeAspect="1" noMove="1" noResize="1" noEditPoints="1" noAdjustHandles="1" noChangeArrowheads="1" noChangeShapeType="1"/>
+          </p:cNvCxnSpPr>
+          <p:nvPr>
+            <p:extLst>
+              <p:ext uri="{386F3935-93C4-4BCD-93E2-E3B085C9AB24}">
+                <p16:designElem xmlns:p16="http://schemas.microsoft.com/office/powerpoint/2015/main" val="1"/>
+              </p:ext>
+            </p:extLst>
+          </p:nvPr>
+        </p:nvCxnSpPr>
+        <p:spPr>
+          <a:xfrm>
+            <a:off x="643467" y="678719"/>
+            <a:ext cx="10905066" cy="0"/>
+          </a:xfrm>
+          <a:prstGeom prst="line">
+            <a:avLst/>
+          </a:prstGeom>
+          <a:ln w="38100"/>
+        </p:spPr>
+        <p:style>
+          <a:lnRef idx="1">
+            <a:schemeClr val="accent1"/>
+          </a:lnRef>
+          <a:fillRef idx="0">
+            <a:schemeClr val="accent1"/>
+          </a:fillRef>
+          <a:effectRef idx="0">
+            <a:schemeClr val="accent1"/>
+          </a:effectRef>
+          <a:fontRef idx="minor">
+            <a:schemeClr val="tx1"/>
+          </a:fontRef>
+        </p:style>
+      </p:cxnSp>
+      <p:sp>
+        <p:nvSpPr>
+          <p:cNvPr id="4" name="Rectangle 1">
+            <a:extLst>
+              <a:ext uri="{FF2B5EF4-FFF2-40B4-BE49-F238E27FC236}">
+                <a16:creationId xmlns:a16="http://schemas.microsoft.com/office/drawing/2014/main" id="{06473D7D-8AD8-B3A3-A8C0-904D2B52F189}"/>
+              </a:ext>
+            </a:extLst>
+          </p:cNvPr>
+          <p:cNvSpPr txBox="1">
+            <a:spLocks noChangeArrowheads="1"/>
+          </p:cNvSpPr>
+          <p:nvPr/>
+        </p:nvSpPr>
+        <p:spPr bwMode="auto">
+          <a:xfrm>
+            <a:off x="6732780" y="952499"/>
+            <a:ext cx="4811520" cy="1724198"/>
+          </a:xfrm>
+          <a:prstGeom prst="rect">
+            <a:avLst/>
+          </a:prstGeom>
+          <a:extLst>
+            <a:ext uri="{909E8E84-426E-40DD-AFC4-6F175D3DCCD1}">
+              <a14:hiddenFill xmlns:a14="http://schemas.microsoft.com/office/drawing/2010/main">
+                <a:solidFill>
+                  <a:schemeClr val="accent1"/>
+                </a:solidFill>
+              </a14:hiddenFill>
+            </a:ext>
+            <a:ext uri="{91240B29-F687-4F45-9708-019B960494DF}">
+              <a14:hiddenLine xmlns:a14="http://schemas.microsoft.com/office/drawing/2010/main" w="9525">
+                <a:solidFill>
+                  <a:schemeClr val="tx1"/>
+                </a:solidFill>
+                <a:miter lim="800000"/>
+                <a:headEnd/>
+                <a:tailEnd/>
+              </a14:hiddenLine>
+            </a:ext>
+            <a:ext uri="{AF507438-7753-43E0-B8FC-AC1667EBCBE1}">
+              <a14:hiddenEffects xmlns:a14="http://schemas.microsoft.com/office/drawing/2010/main">
+                <a:effectLst>
+                  <a:outerShdw dist="35921" dir="2700000" algn="ctr" rotWithShape="0">
+                    <a:schemeClr val="bg2"/>
+                  </a:outerShdw>
+                </a:effectLst>
+              </a14:hiddenEffects>
+            </a:ext>
+          </a:extLst>
+        </p:spPr>
+        <p:txBody>
+          <a:bodyPr vert="horz" lIns="91440" tIns="45720" rIns="91440" bIns="45720" numCol="1" rtlCol="0" anchorCtr="0" compatLnSpc="1">
+            <a:prstTxWarp prst="textNoShape">
+              <a:avLst/>
+            </a:prstTxWarp>
+            <a:normAutofit/>
+          </a:bodyPr>
+          <a:lstStyle>
+            <a:lvl1pPr marL="228600" indent="-228600" algn="l" defTabSz="914400" rtl="0" eaLnBrk="1" latinLnBrk="0" hangingPunct="1">
+              <a:lnSpc>
+                <a:spcPct val="120000"/>
+              </a:lnSpc>
+              <a:spcBef>
+                <a:spcPts val="1000"/>
+              </a:spcBef>
+              <a:buFont typeface="Arial" panose="020B0604020202020204" pitchFamily="34" charset="0"/>
+              <a:buChar char="•"/>
+              <a:defRPr sz="2000" kern="1200">
+                <a:solidFill>
+                  <a:schemeClr val="tx1"/>
+                </a:solidFill>
+                <a:latin typeface="+mn-lt"/>
+                <a:ea typeface="+mn-ea"/>
+                <a:cs typeface="+mn-cs"/>
+              </a:defRPr>
+            </a:lvl1pPr>
+            <a:lvl2pPr marL="502920" indent="-228600" algn="l" defTabSz="914400" rtl="0" eaLnBrk="1" latinLnBrk="0" hangingPunct="1">
+              <a:lnSpc>
+                <a:spcPct val="120000"/>
+              </a:lnSpc>
+              <a:spcBef>
+                <a:spcPts val="500"/>
+              </a:spcBef>
+              <a:buFont typeface="Arial" panose="020B0604020202020204" pitchFamily="34" charset="0"/>
+              <a:buChar char="•"/>
+              <a:defRPr sz="1800" kern="1200">
+                <a:solidFill>
+                  <a:schemeClr val="tx1"/>
+                </a:solidFill>
+                <a:latin typeface="+mn-lt"/>
+                <a:ea typeface="+mn-ea"/>
+                <a:cs typeface="+mn-cs"/>
+              </a:defRPr>
+            </a:lvl2pPr>
+            <a:lvl3pPr marL="731520" indent="-228600" algn="l" defTabSz="914400" rtl="0" eaLnBrk="1" latinLnBrk="0" hangingPunct="1">
+              <a:lnSpc>
+                <a:spcPct val="120000"/>
+              </a:lnSpc>
+              <a:spcBef>
+                <a:spcPts val="500"/>
+              </a:spcBef>
+              <a:buFont typeface="Arial" panose="020B0604020202020204" pitchFamily="34" charset="0"/>
+              <a:buChar char="•"/>
+              <a:defRPr sz="1600" kern="1200">
+                <a:solidFill>
+                  <a:schemeClr val="tx1"/>
+                </a:solidFill>
+                <a:latin typeface="+mn-lt"/>
+                <a:ea typeface="+mn-ea"/>
+                <a:cs typeface="+mn-cs"/>
+              </a:defRPr>
+            </a:lvl3pPr>
+            <a:lvl4pPr marL="1005840" indent="-228600" algn="l" defTabSz="914400" rtl="0" eaLnBrk="1" latinLnBrk="0" hangingPunct="1">
+              <a:lnSpc>
+                <a:spcPct val="120000"/>
+              </a:lnSpc>
+              <a:spcBef>
+                <a:spcPts val="500"/>
+              </a:spcBef>
+              <a:buFont typeface="Arial" panose="020B0604020202020204" pitchFamily="34" charset="0"/>
+              <a:buChar char="•"/>
+              <a:defRPr sz="1400" kern="1200">
+                <a:solidFill>
+                  <a:schemeClr val="tx1"/>
+                </a:solidFill>
+                <a:latin typeface="+mn-lt"/>
+                <a:ea typeface="+mn-ea"/>
+                <a:cs typeface="+mn-cs"/>
+              </a:defRPr>
+            </a:lvl4pPr>
+            <a:lvl5pPr marL="1234440" indent="-228600" algn="l" defTabSz="914400" rtl="0" eaLnBrk="1" latinLnBrk="0" hangingPunct="1">
+              <a:lnSpc>
+                <a:spcPct val="120000"/>
+              </a:lnSpc>
+              <a:spcBef>
+                <a:spcPts val="500"/>
+              </a:spcBef>
+              <a:buFont typeface="Arial" panose="020B0604020202020204" pitchFamily="34" charset="0"/>
+              <a:buChar char="•"/>
+              <a:defRPr sz="1400" kern="1200">
+                <a:solidFill>
+                  <a:schemeClr val="tx1"/>
+                </a:solidFill>
+                <a:latin typeface="+mn-lt"/>
+                <a:ea typeface="+mn-ea"/>
+                <a:cs typeface="+mn-cs"/>
+              </a:defRPr>
+            </a:lvl5pPr>
+            <a:lvl6pPr marL="2514600" indent="-228600" algn="l" defTabSz="914400" rtl="0" eaLnBrk="1" latinLnBrk="0" hangingPunct="1">
+              <a:lnSpc>
+                <a:spcPct val="90000"/>
+              </a:lnSpc>
+              <a:spcBef>
+                <a:spcPts val="500"/>
+              </a:spcBef>
+              <a:buFont typeface="Arial" panose="020B0604020202020204" pitchFamily="34" charset="0"/>
+              <a:buChar char="•"/>
+              <a:defRPr sz="1800" kern="1200">
+                <a:solidFill>
+                  <a:schemeClr val="tx1"/>
+                </a:solidFill>
+                <a:latin typeface="+mn-lt"/>
+                <a:ea typeface="+mn-ea"/>
+                <a:cs typeface="+mn-cs"/>
+              </a:defRPr>
+            </a:lvl6pPr>
+            <a:lvl7pPr marL="2971800" indent="-228600" algn="l" defTabSz="914400" rtl="0" eaLnBrk="1" latinLnBrk="0" hangingPunct="1">
+              <a:lnSpc>
+                <a:spcPct val="90000"/>
+              </a:lnSpc>
+              <a:spcBef>
+                <a:spcPts val="500"/>
+              </a:spcBef>
+              <a:buFont typeface="Arial" panose="020B0604020202020204" pitchFamily="34" charset="0"/>
+              <a:buChar char="•"/>
+              <a:defRPr sz="1800" kern="1200">
+                <a:solidFill>
+                  <a:schemeClr val="tx1"/>
+                </a:solidFill>
+                <a:latin typeface="+mn-lt"/>
+                <a:ea typeface="+mn-ea"/>
+                <a:cs typeface="+mn-cs"/>
+              </a:defRPr>
+            </a:lvl7pPr>
+            <a:lvl8pPr marL="3429000" indent="-228600" algn="l" defTabSz="914400" rtl="0" eaLnBrk="1" latinLnBrk="0" hangingPunct="1">
+              <a:lnSpc>
+                <a:spcPct val="90000"/>
+              </a:lnSpc>
+              <a:spcBef>
+                <a:spcPts val="500"/>
+              </a:spcBef>
+              <a:buFont typeface="Arial" panose="020B0604020202020204" pitchFamily="34" charset="0"/>
+              <a:buChar char="•"/>
+              <a:defRPr sz="1800" kern="1200">
+                <a:solidFill>
+                  <a:schemeClr val="tx1"/>
+                </a:solidFill>
+                <a:latin typeface="+mn-lt"/>
+                <a:ea typeface="+mn-ea"/>
+                <a:cs typeface="+mn-cs"/>
+              </a:defRPr>
+            </a:lvl8pPr>
+            <a:lvl9pPr marL="3886200" indent="-228600" algn="l" defTabSz="914400" rtl="0" eaLnBrk="1" latinLnBrk="0" hangingPunct="1">
+              <a:lnSpc>
+                <a:spcPct val="90000"/>
+              </a:lnSpc>
+              <a:spcBef>
+                <a:spcPts val="500"/>
+              </a:spcBef>
+              <a:buFont typeface="Arial" panose="020B0604020202020204" pitchFamily="34" charset="0"/>
+              <a:buChar char="•"/>
+              <a:defRPr sz="1800" kern="1200">
+                <a:solidFill>
+                  <a:schemeClr val="tx1"/>
+                </a:solidFill>
+                <a:latin typeface="+mn-lt"/>
+                <a:ea typeface="+mn-ea"/>
+                <a:cs typeface="+mn-cs"/>
+              </a:defRPr>
+            </a:lvl9pPr>
+          </a:lstStyle>
+          <a:p>
+            <a:pPr marL="0" indent="0" fontAlgn="base">
+              <a:spcAft>
+                <a:spcPct val="0"/>
+              </a:spcAft>
+              <a:buNone/>
+            </a:pPr>
+            <a:r>
+              <a:rPr lang="en-US" sz="1600" b="1" dirty="0"/>
+              <a:t>Relationship between Weather and Solar Energy</a:t>
+            </a:r>
+          </a:p>
+          <a:p>
+            <a:pPr marL="0" fontAlgn="base">
+              <a:spcAft>
+                <a:spcPct val="0"/>
+              </a:spcAft>
+            </a:pPr>
+            <a:r>
+              <a:rPr lang="en-US" sz="1400" b="1" dirty="0"/>
+              <a:t>Temperature</a:t>
+            </a:r>
+            <a:r>
+              <a:rPr lang="en-US" sz="1400" dirty="0"/>
+              <a:t> and </a:t>
+            </a:r>
+            <a:r>
+              <a:rPr lang="en-US" sz="1400" b="1" dirty="0"/>
+              <a:t>Wind</a:t>
+            </a:r>
+            <a:r>
+              <a:rPr lang="en-US" sz="1400" dirty="0"/>
+              <a:t> show </a:t>
+            </a:r>
+            <a:r>
+              <a:rPr lang="en-US" sz="1400" b="1" dirty="0">
+                <a:solidFill>
+                  <a:srgbClr val="00B050"/>
+                </a:solidFill>
+              </a:rPr>
+              <a:t>positive</a:t>
+            </a:r>
+            <a:r>
+              <a:rPr lang="en-US" sz="1400" dirty="0"/>
+              <a:t> relationship with solar power.</a:t>
+            </a:r>
+          </a:p>
+          <a:p>
+            <a:pPr marL="0" fontAlgn="base">
+              <a:spcAft>
+                <a:spcPct val="0"/>
+              </a:spcAft>
+            </a:pPr>
+            <a:r>
+              <a:rPr lang="en-US" sz="1400" b="1" dirty="0"/>
+              <a:t>Humidity</a:t>
+            </a:r>
+            <a:r>
+              <a:rPr lang="en-US" sz="1400" dirty="0"/>
+              <a:t> shows a </a:t>
+            </a:r>
+            <a:r>
+              <a:rPr lang="en-US" sz="1400" b="1" dirty="0">
+                <a:solidFill>
+                  <a:srgbClr val="FF0000"/>
+                </a:solidFill>
+              </a:rPr>
+              <a:t>negative</a:t>
+            </a:r>
+            <a:r>
+              <a:rPr lang="en-US" sz="1400" dirty="0"/>
+              <a:t> relationship.</a:t>
+            </a:r>
+          </a:p>
+        </p:txBody>
+      </p:sp>
       <p:pic>
         <p:nvPicPr>
           <p:cNvPr id="8" name="Content Placeholder 7" descr="A graph with lines and curves&#10;&#10;Description automatically generated with medium confidence">
             <a:extLst>
               <a:ext uri="{FF2B5EF4-FFF2-40B4-BE49-F238E27FC236}">
-                <a16:creationId xmlns:a16="http://schemas.microsoft.com/office/drawing/2014/main" id="{2F2E781C-BF85-75B2-A89A-5FE68097F4D2}"/>
+                <a16:creationId xmlns:a16="http://schemas.microsoft.com/office/drawing/2014/main" id="{73AF7AEB-E17C-826E-67C1-73B5FA9419E1}"/>
               </a:ext>
             </a:extLst>
           </p:cNvPr>
@@ -6264,15 +11261,1186 @@
         </p:blipFill>
         <p:spPr>
           <a:xfrm>
-            <a:off x="549275" y="3207887"/>
-            <a:ext cx="10995025" cy="2756801"/>
+            <a:off x="647699" y="3114141"/>
+            <a:ext cx="10900834" cy="2725213"/>
           </a:xfrm>
+          <a:prstGeom prst="rect">
+            <a:avLst/>
+          </a:prstGeom>
         </p:spPr>
       </p:pic>
+      <p:cxnSp>
+        <p:nvCxnSpPr>
+          <p:cNvPr id="70" name="Straight Connector 69">
+            <a:extLst>
+              <a:ext uri="{FF2B5EF4-FFF2-40B4-BE49-F238E27FC236}">
+                <a16:creationId xmlns:a16="http://schemas.microsoft.com/office/drawing/2014/main" id="{BFF36C3C-3D8F-4943-BA3B-C0323975750D}"/>
+              </a:ext>
+              <a:ext uri="{C183D7F6-B498-43B3-948B-1728B52AA6E4}">
+                <adec:decorative xmlns:adec="http://schemas.microsoft.com/office/drawing/2017/decorative" val="1"/>
+              </a:ext>
+            </a:extLst>
+          </p:cNvPr>
+          <p:cNvCxnSpPr>
+            <a:cxnSpLocks noGrp="1" noRot="1" noChangeAspect="1" noMove="1" noResize="1" noEditPoints="1" noAdjustHandles="1" noChangeArrowheads="1" noChangeShapeType="1"/>
+          </p:cNvCxnSpPr>
+          <p:nvPr>
+            <p:extLst>
+              <p:ext uri="{386F3935-93C4-4BCD-93E2-E3B085C9AB24}">
+                <p16:designElem xmlns:p16="http://schemas.microsoft.com/office/powerpoint/2015/main" val="1"/>
+              </p:ext>
+            </p:extLst>
+          </p:nvPr>
+        </p:nvCxnSpPr>
+        <p:spPr>
+          <a:xfrm>
+            <a:off x="643467" y="6309695"/>
+            <a:ext cx="10905066" cy="0"/>
+          </a:xfrm>
+          <a:prstGeom prst="line">
+            <a:avLst/>
+          </a:prstGeom>
+          <a:ln w="6350">
+            <a:solidFill>
+              <a:schemeClr val="tx1"/>
+            </a:solidFill>
+          </a:ln>
+        </p:spPr>
+        <p:style>
+          <a:lnRef idx="1">
+            <a:schemeClr val="accent1"/>
+          </a:lnRef>
+          <a:fillRef idx="0">
+            <a:schemeClr val="accent1"/>
+          </a:fillRef>
+          <a:effectRef idx="0">
+            <a:schemeClr val="accent1"/>
+          </a:effectRef>
+          <a:fontRef idx="minor">
+            <a:schemeClr val="tx1"/>
+          </a:fontRef>
+        </p:style>
+      </p:cxnSp>
     </p:spTree>
     <p:extLst>
       <p:ext uri="{BB962C8B-B14F-4D97-AF65-F5344CB8AC3E}">
-        <p14:creationId xmlns:p14="http://schemas.microsoft.com/office/powerpoint/2010/main" val="2785948070"/>
+        <p14:creationId xmlns:p14="http://schemas.microsoft.com/office/powerpoint/2010/main" val="2270076402"/>
+      </p:ext>
+    </p:extLst>
+  </p:cSld>
+  <p:clrMapOvr>
+    <a:masterClrMapping/>
+  </p:clrMapOvr>
+</p:sld>
+</file>
+
+<file path=ppt/slides/slide8.xml><?xml version="1.0" encoding="utf-8"?>
+<p:sld xmlns:a="http://schemas.openxmlformats.org/drawingml/2006/main" xmlns:r="http://schemas.openxmlformats.org/officeDocument/2006/relationships" xmlns:p="http://schemas.openxmlformats.org/presentationml/2006/main">
+  <p:cSld>
+    <p:bg>
+      <p:bgPr>
+        <a:solidFill>
+          <a:schemeClr val="bg1"/>
+        </a:solidFill>
+        <a:effectLst/>
+      </p:bgPr>
+    </p:bg>
+    <p:spTree>
+      <p:nvGrpSpPr>
+        <p:cNvPr id="1" name="">
+          <a:extLst>
+            <a:ext uri="{FF2B5EF4-FFF2-40B4-BE49-F238E27FC236}">
+              <a16:creationId xmlns:a16="http://schemas.microsoft.com/office/drawing/2014/main" id="{F96AFF21-DEA6-6BA2-9B87-AF51946892DB}"/>
+            </a:ext>
+          </a:extLst>
+        </p:cNvPr>
+        <p:cNvGrpSpPr/>
+        <p:nvPr/>
+      </p:nvGrpSpPr>
+      <p:grpSpPr>
+        <a:xfrm>
+          <a:off x="0" y="0"/>
+          <a:ext cx="0" cy="0"/>
+          <a:chOff x="0" y="0"/>
+          <a:chExt cx="0" cy="0"/>
+        </a:xfrm>
+      </p:grpSpPr>
+      <p:sp useBgFill="1">
+        <p:nvSpPr>
+          <p:cNvPr id="66" name="Rectangle 65">
+            <a:extLst>
+              <a:ext uri="{FF2B5EF4-FFF2-40B4-BE49-F238E27FC236}">
+                <a16:creationId xmlns:a16="http://schemas.microsoft.com/office/drawing/2014/main" id="{4028AB3D-CA9B-B8C2-1441-AF6DA10A7C64}"/>
+              </a:ext>
+              <a:ext uri="{C183D7F6-B498-43B3-948B-1728B52AA6E4}">
+                <adec:decorative xmlns:adec="http://schemas.microsoft.com/office/drawing/2017/decorative" val="1"/>
+              </a:ext>
+            </a:extLst>
+          </p:cNvPr>
+          <p:cNvSpPr>
+            <a:spLocks noGrp="1" noRot="1" noChangeAspect="1" noMove="1" noResize="1" noEditPoints="1" noAdjustHandles="1" noChangeArrowheads="1" noChangeShapeType="1" noTextEdit="1"/>
+          </p:cNvSpPr>
+          <p:nvPr>
+            <p:extLst>
+              <p:ext uri="{386F3935-93C4-4BCD-93E2-E3B085C9AB24}">
+                <p16:designElem xmlns:p16="http://schemas.microsoft.com/office/powerpoint/2015/main" val="1"/>
+              </p:ext>
+            </p:extLst>
+          </p:nvPr>
+        </p:nvSpPr>
+        <p:spPr>
+          <a:xfrm>
+            <a:off x="0" y="0"/>
+            <a:ext cx="12192000" cy="6858000"/>
+          </a:xfrm>
+          <a:prstGeom prst="rect">
+            <a:avLst/>
+          </a:prstGeom>
+          <a:ln w="12700" cap="flat" cmpd="sng" algn="ctr">
+            <a:noFill/>
+            <a:prstDash val="solid"/>
+            <a:miter lim="800000"/>
+          </a:ln>
+          <a:effectLst/>
+          <a:extLst>
+            <a:ext uri="{91240B29-F687-4F45-9708-019B960494DF}">
+              <a14:hiddenLine xmlns:a14="http://schemas.microsoft.com/office/drawing/2010/main" w="12700" cap="flat" cmpd="sng" algn="ctr">
+                <a:solidFill>
+                  <a:schemeClr val="accent1">
+                    <a:shade val="50000"/>
+                  </a:schemeClr>
+                </a:solidFill>
+                <a:prstDash val="solid"/>
+                <a:miter lim="800000"/>
+              </a14:hiddenLine>
+            </a:ext>
+          </a:extLst>
+        </p:spPr>
+        <p:style>
+          <a:lnRef idx="2">
+            <a:schemeClr val="accent1">
+              <a:shade val="50000"/>
+            </a:schemeClr>
+          </a:lnRef>
+          <a:fillRef idx="1">
+            <a:schemeClr val="accent1"/>
+          </a:fillRef>
+          <a:effectRef idx="0">
+            <a:schemeClr val="accent1"/>
+          </a:effectRef>
+          <a:fontRef idx="minor">
+            <a:schemeClr val="lt1"/>
+          </a:fontRef>
+        </p:style>
+        <p:txBody>
+          <a:bodyPr rtlCol="0" anchor="ctr"/>
+          <a:lstStyle/>
+          <a:p>
+            <a:pPr algn="ctr"/>
+            <a:endParaRPr lang="en-US"/>
+          </a:p>
+        </p:txBody>
+      </p:sp>
+      <p:sp>
+        <p:nvSpPr>
+          <p:cNvPr id="2" name="Title 1">
+            <a:extLst>
+              <a:ext uri="{FF2B5EF4-FFF2-40B4-BE49-F238E27FC236}">
+                <a16:creationId xmlns:a16="http://schemas.microsoft.com/office/drawing/2014/main" id="{252B7DEF-7719-A345-52ED-AFE344F21ECF}"/>
+              </a:ext>
+            </a:extLst>
+          </p:cNvPr>
+          <p:cNvSpPr>
+            <a:spLocks noGrp="1"/>
+          </p:cNvSpPr>
+          <p:nvPr>
+            <p:ph type="title"/>
+          </p:nvPr>
+        </p:nvSpPr>
+        <p:spPr>
+          <a:xfrm>
+            <a:off x="548640" y="950977"/>
+            <a:ext cx="5555815" cy="1692824"/>
+          </a:xfrm>
+        </p:spPr>
+        <p:txBody>
+          <a:bodyPr vert="horz" lIns="91440" tIns="45720" rIns="91440" bIns="45720" rtlCol="0" anchor="t">
+            <a:normAutofit/>
+          </a:bodyPr>
+          <a:lstStyle/>
+          <a:p>
+            <a:r>
+              <a:rPr lang="en-US" sz="4400" kern="1200" dirty="0">
+                <a:solidFill>
+                  <a:schemeClr val="accent1"/>
+                </a:solidFill>
+                <a:latin typeface="+mj-lt"/>
+                <a:ea typeface="+mj-ea"/>
+                <a:cs typeface="+mj-cs"/>
+              </a:rPr>
+              <a:t>Exploratory Data Analysis</a:t>
+            </a:r>
+          </a:p>
+        </p:txBody>
+      </p:sp>
+      <p:cxnSp>
+        <p:nvCxnSpPr>
+          <p:cNvPr id="68" name="Straight Connector 67">
+            <a:extLst>
+              <a:ext uri="{FF2B5EF4-FFF2-40B4-BE49-F238E27FC236}">
+                <a16:creationId xmlns:a16="http://schemas.microsoft.com/office/drawing/2014/main" id="{B5317C8F-4205-4CDE-E87C-EFF818F8B1D6}"/>
+              </a:ext>
+              <a:ext uri="{C183D7F6-B498-43B3-948B-1728B52AA6E4}">
+                <adec:decorative xmlns:adec="http://schemas.microsoft.com/office/drawing/2017/decorative" val="1"/>
+              </a:ext>
+            </a:extLst>
+          </p:cNvPr>
+          <p:cNvCxnSpPr>
+            <a:cxnSpLocks noGrp="1" noRot="1" noChangeAspect="1" noMove="1" noResize="1" noEditPoints="1" noAdjustHandles="1" noChangeArrowheads="1" noChangeShapeType="1"/>
+          </p:cNvCxnSpPr>
+          <p:nvPr>
+            <p:extLst>
+              <p:ext uri="{386F3935-93C4-4BCD-93E2-E3B085C9AB24}">
+                <p16:designElem xmlns:p16="http://schemas.microsoft.com/office/powerpoint/2015/main" val="1"/>
+              </p:ext>
+            </p:extLst>
+          </p:nvPr>
+        </p:nvCxnSpPr>
+        <p:spPr>
+          <a:xfrm>
+            <a:off x="643467" y="678719"/>
+            <a:ext cx="10905066" cy="0"/>
+          </a:xfrm>
+          <a:prstGeom prst="line">
+            <a:avLst/>
+          </a:prstGeom>
+          <a:ln w="38100"/>
+        </p:spPr>
+        <p:style>
+          <a:lnRef idx="1">
+            <a:schemeClr val="accent1"/>
+          </a:lnRef>
+          <a:fillRef idx="0">
+            <a:schemeClr val="accent1"/>
+          </a:fillRef>
+          <a:effectRef idx="0">
+            <a:schemeClr val="accent1"/>
+          </a:effectRef>
+          <a:fontRef idx="minor">
+            <a:schemeClr val="tx1"/>
+          </a:fontRef>
+        </p:style>
+      </p:cxnSp>
+      <p:sp>
+        <p:nvSpPr>
+          <p:cNvPr id="4" name="Rectangle 1">
+            <a:extLst>
+              <a:ext uri="{FF2B5EF4-FFF2-40B4-BE49-F238E27FC236}">
+                <a16:creationId xmlns:a16="http://schemas.microsoft.com/office/drawing/2014/main" id="{82D82EAB-F23B-9053-9685-CF54841C4A81}"/>
+              </a:ext>
+            </a:extLst>
+          </p:cNvPr>
+          <p:cNvSpPr txBox="1">
+            <a:spLocks noChangeArrowheads="1"/>
+          </p:cNvSpPr>
+          <p:nvPr/>
+        </p:nvSpPr>
+        <p:spPr bwMode="auto">
+          <a:xfrm>
+            <a:off x="6732780" y="952499"/>
+            <a:ext cx="4811520" cy="1724198"/>
+          </a:xfrm>
+          <a:prstGeom prst="rect">
+            <a:avLst/>
+          </a:prstGeom>
+          <a:extLst>
+            <a:ext uri="{909E8E84-426E-40DD-AFC4-6F175D3DCCD1}">
+              <a14:hiddenFill xmlns:a14="http://schemas.microsoft.com/office/drawing/2010/main">
+                <a:solidFill>
+                  <a:schemeClr val="accent1"/>
+                </a:solidFill>
+              </a14:hiddenFill>
+            </a:ext>
+            <a:ext uri="{91240B29-F687-4F45-9708-019B960494DF}">
+              <a14:hiddenLine xmlns:a14="http://schemas.microsoft.com/office/drawing/2010/main" w="9525">
+                <a:solidFill>
+                  <a:schemeClr val="tx1"/>
+                </a:solidFill>
+                <a:miter lim="800000"/>
+                <a:headEnd/>
+                <a:tailEnd/>
+              </a14:hiddenLine>
+            </a:ext>
+            <a:ext uri="{AF507438-7753-43E0-B8FC-AC1667EBCBE1}">
+              <a14:hiddenEffects xmlns:a14="http://schemas.microsoft.com/office/drawing/2010/main">
+                <a:effectLst>
+                  <a:outerShdw dist="35921" dir="2700000" algn="ctr" rotWithShape="0">
+                    <a:schemeClr val="bg2"/>
+                  </a:outerShdw>
+                </a:effectLst>
+              </a14:hiddenEffects>
+            </a:ext>
+          </a:extLst>
+        </p:spPr>
+        <p:txBody>
+          <a:bodyPr vert="horz" lIns="91440" tIns="45720" rIns="91440" bIns="45720" numCol="1" rtlCol="0" anchorCtr="0" compatLnSpc="1">
+            <a:prstTxWarp prst="textNoShape">
+              <a:avLst/>
+            </a:prstTxWarp>
+            <a:normAutofit fontScale="92500" lnSpcReduction="20000"/>
+          </a:bodyPr>
+          <a:lstStyle>
+            <a:lvl1pPr marL="228600" indent="-228600" algn="l" defTabSz="914400" rtl="0" eaLnBrk="1" latinLnBrk="0" hangingPunct="1">
+              <a:lnSpc>
+                <a:spcPct val="120000"/>
+              </a:lnSpc>
+              <a:spcBef>
+                <a:spcPts val="1000"/>
+              </a:spcBef>
+              <a:buFont typeface="Arial" panose="020B0604020202020204" pitchFamily="34" charset="0"/>
+              <a:buChar char="•"/>
+              <a:defRPr sz="2000" kern="1200">
+                <a:solidFill>
+                  <a:schemeClr val="tx1"/>
+                </a:solidFill>
+                <a:latin typeface="+mn-lt"/>
+                <a:ea typeface="+mn-ea"/>
+                <a:cs typeface="+mn-cs"/>
+              </a:defRPr>
+            </a:lvl1pPr>
+            <a:lvl2pPr marL="502920" indent="-228600" algn="l" defTabSz="914400" rtl="0" eaLnBrk="1" latinLnBrk="0" hangingPunct="1">
+              <a:lnSpc>
+                <a:spcPct val="120000"/>
+              </a:lnSpc>
+              <a:spcBef>
+                <a:spcPts val="500"/>
+              </a:spcBef>
+              <a:buFont typeface="Arial" panose="020B0604020202020204" pitchFamily="34" charset="0"/>
+              <a:buChar char="•"/>
+              <a:defRPr sz="1800" kern="1200">
+                <a:solidFill>
+                  <a:schemeClr val="tx1"/>
+                </a:solidFill>
+                <a:latin typeface="+mn-lt"/>
+                <a:ea typeface="+mn-ea"/>
+                <a:cs typeface="+mn-cs"/>
+              </a:defRPr>
+            </a:lvl2pPr>
+            <a:lvl3pPr marL="731520" indent="-228600" algn="l" defTabSz="914400" rtl="0" eaLnBrk="1" latinLnBrk="0" hangingPunct="1">
+              <a:lnSpc>
+                <a:spcPct val="120000"/>
+              </a:lnSpc>
+              <a:spcBef>
+                <a:spcPts val="500"/>
+              </a:spcBef>
+              <a:buFont typeface="Arial" panose="020B0604020202020204" pitchFamily="34" charset="0"/>
+              <a:buChar char="•"/>
+              <a:defRPr sz="1600" kern="1200">
+                <a:solidFill>
+                  <a:schemeClr val="tx1"/>
+                </a:solidFill>
+                <a:latin typeface="+mn-lt"/>
+                <a:ea typeface="+mn-ea"/>
+                <a:cs typeface="+mn-cs"/>
+              </a:defRPr>
+            </a:lvl3pPr>
+            <a:lvl4pPr marL="1005840" indent="-228600" algn="l" defTabSz="914400" rtl="0" eaLnBrk="1" latinLnBrk="0" hangingPunct="1">
+              <a:lnSpc>
+                <a:spcPct val="120000"/>
+              </a:lnSpc>
+              <a:spcBef>
+                <a:spcPts val="500"/>
+              </a:spcBef>
+              <a:buFont typeface="Arial" panose="020B0604020202020204" pitchFamily="34" charset="0"/>
+              <a:buChar char="•"/>
+              <a:defRPr sz="1400" kern="1200">
+                <a:solidFill>
+                  <a:schemeClr val="tx1"/>
+                </a:solidFill>
+                <a:latin typeface="+mn-lt"/>
+                <a:ea typeface="+mn-ea"/>
+                <a:cs typeface="+mn-cs"/>
+              </a:defRPr>
+            </a:lvl4pPr>
+            <a:lvl5pPr marL="1234440" indent="-228600" algn="l" defTabSz="914400" rtl="0" eaLnBrk="1" latinLnBrk="0" hangingPunct="1">
+              <a:lnSpc>
+                <a:spcPct val="120000"/>
+              </a:lnSpc>
+              <a:spcBef>
+                <a:spcPts val="500"/>
+              </a:spcBef>
+              <a:buFont typeface="Arial" panose="020B0604020202020204" pitchFamily="34" charset="0"/>
+              <a:buChar char="•"/>
+              <a:defRPr sz="1400" kern="1200">
+                <a:solidFill>
+                  <a:schemeClr val="tx1"/>
+                </a:solidFill>
+                <a:latin typeface="+mn-lt"/>
+                <a:ea typeface="+mn-ea"/>
+                <a:cs typeface="+mn-cs"/>
+              </a:defRPr>
+            </a:lvl5pPr>
+            <a:lvl6pPr marL="2514600" indent="-228600" algn="l" defTabSz="914400" rtl="0" eaLnBrk="1" latinLnBrk="0" hangingPunct="1">
+              <a:lnSpc>
+                <a:spcPct val="90000"/>
+              </a:lnSpc>
+              <a:spcBef>
+                <a:spcPts val="500"/>
+              </a:spcBef>
+              <a:buFont typeface="Arial" panose="020B0604020202020204" pitchFamily="34" charset="0"/>
+              <a:buChar char="•"/>
+              <a:defRPr sz="1800" kern="1200">
+                <a:solidFill>
+                  <a:schemeClr val="tx1"/>
+                </a:solidFill>
+                <a:latin typeface="+mn-lt"/>
+                <a:ea typeface="+mn-ea"/>
+                <a:cs typeface="+mn-cs"/>
+              </a:defRPr>
+            </a:lvl6pPr>
+            <a:lvl7pPr marL="2971800" indent="-228600" algn="l" defTabSz="914400" rtl="0" eaLnBrk="1" latinLnBrk="0" hangingPunct="1">
+              <a:lnSpc>
+                <a:spcPct val="90000"/>
+              </a:lnSpc>
+              <a:spcBef>
+                <a:spcPts val="500"/>
+              </a:spcBef>
+              <a:buFont typeface="Arial" panose="020B0604020202020204" pitchFamily="34" charset="0"/>
+              <a:buChar char="•"/>
+              <a:defRPr sz="1800" kern="1200">
+                <a:solidFill>
+                  <a:schemeClr val="tx1"/>
+                </a:solidFill>
+                <a:latin typeface="+mn-lt"/>
+                <a:ea typeface="+mn-ea"/>
+                <a:cs typeface="+mn-cs"/>
+              </a:defRPr>
+            </a:lvl7pPr>
+            <a:lvl8pPr marL="3429000" indent="-228600" algn="l" defTabSz="914400" rtl="0" eaLnBrk="1" latinLnBrk="0" hangingPunct="1">
+              <a:lnSpc>
+                <a:spcPct val="90000"/>
+              </a:lnSpc>
+              <a:spcBef>
+                <a:spcPts val="500"/>
+              </a:spcBef>
+              <a:buFont typeface="Arial" panose="020B0604020202020204" pitchFamily="34" charset="0"/>
+              <a:buChar char="•"/>
+              <a:defRPr sz="1800" kern="1200">
+                <a:solidFill>
+                  <a:schemeClr val="tx1"/>
+                </a:solidFill>
+                <a:latin typeface="+mn-lt"/>
+                <a:ea typeface="+mn-ea"/>
+                <a:cs typeface="+mn-cs"/>
+              </a:defRPr>
+            </a:lvl8pPr>
+            <a:lvl9pPr marL="3886200" indent="-228600" algn="l" defTabSz="914400" rtl="0" eaLnBrk="1" latinLnBrk="0" hangingPunct="1">
+              <a:lnSpc>
+                <a:spcPct val="90000"/>
+              </a:lnSpc>
+              <a:spcBef>
+                <a:spcPts val="500"/>
+              </a:spcBef>
+              <a:buFont typeface="Arial" panose="020B0604020202020204" pitchFamily="34" charset="0"/>
+              <a:buChar char="•"/>
+              <a:defRPr sz="1800" kern="1200">
+                <a:solidFill>
+                  <a:schemeClr val="tx1"/>
+                </a:solidFill>
+                <a:latin typeface="+mn-lt"/>
+                <a:ea typeface="+mn-ea"/>
+                <a:cs typeface="+mn-cs"/>
+              </a:defRPr>
+            </a:lvl9pPr>
+          </a:lstStyle>
+          <a:p>
+            <a:pPr marL="0" indent="0" fontAlgn="base">
+              <a:spcAft>
+                <a:spcPct val="0"/>
+              </a:spcAft>
+              <a:buNone/>
+            </a:pPr>
+            <a:r>
+              <a:rPr lang="en-US" sz="1700" b="1" dirty="0">
+                <a:latin typeface="+mj-lt"/>
+              </a:rPr>
+              <a:t>Relationship between Electricity Production and Electricity Cost per Hour</a:t>
+            </a:r>
+          </a:p>
+          <a:p>
+            <a:pPr algn="l">
+              <a:buFont typeface="Arial" panose="020B0604020202020204" pitchFamily="34" charset="0"/>
+              <a:buChar char="•"/>
+            </a:pPr>
+            <a:r>
+              <a:rPr lang="en-US" sz="1500" b="1" i="0" dirty="0">
+                <a:solidFill>
+                  <a:srgbClr val="1F2328"/>
+                </a:solidFill>
+                <a:effectLst/>
+                <a:latin typeface="+mj-lt"/>
+              </a:rPr>
+              <a:t>Electricity costs </a:t>
+            </a:r>
+            <a:r>
+              <a:rPr lang="en-US" sz="1500" b="0" i="0" dirty="0">
+                <a:solidFill>
+                  <a:srgbClr val="1F2328"/>
+                </a:solidFill>
+                <a:effectLst/>
+                <a:latin typeface="+mj-lt"/>
+              </a:rPr>
+              <a:t>are </a:t>
+            </a:r>
+            <a:r>
+              <a:rPr lang="en-US" sz="1500" b="1" i="0" dirty="0">
+                <a:solidFill>
+                  <a:srgbClr val="00B050"/>
+                </a:solidFill>
+                <a:effectLst/>
+                <a:latin typeface="+mj-lt"/>
+              </a:rPr>
+              <a:t>positively</a:t>
+            </a:r>
+            <a:r>
+              <a:rPr lang="en-US" sz="1500" b="0" i="0" dirty="0">
+                <a:solidFill>
+                  <a:srgbClr val="1F2328"/>
+                </a:solidFill>
+                <a:effectLst/>
+                <a:latin typeface="+mj-lt"/>
+              </a:rPr>
+              <a:t> related to </a:t>
+            </a:r>
+            <a:r>
+              <a:rPr lang="en-US" sz="1500" b="1" i="0" dirty="0">
+                <a:solidFill>
+                  <a:srgbClr val="1F2328"/>
+                </a:solidFill>
+                <a:effectLst/>
+                <a:latin typeface="+mj-lt"/>
+              </a:rPr>
+              <a:t>energy production.</a:t>
+            </a:r>
+            <a:endParaRPr lang="en-US" sz="1500" b="0" i="0" dirty="0">
+              <a:solidFill>
+                <a:srgbClr val="1F2328"/>
+              </a:solidFill>
+              <a:effectLst/>
+              <a:latin typeface="+mj-lt"/>
+            </a:endParaRPr>
+          </a:p>
+          <a:p>
+            <a:pPr algn="l">
+              <a:buFont typeface="Arial" panose="020B0604020202020204" pitchFamily="34" charset="0"/>
+              <a:buChar char="•"/>
+            </a:pPr>
+            <a:r>
+              <a:rPr lang="en-US" sz="1500" b="0" i="0" dirty="0">
+                <a:solidFill>
+                  <a:srgbClr val="1F2328"/>
+                </a:solidFill>
+                <a:effectLst/>
+                <a:latin typeface="+mj-lt"/>
+              </a:rPr>
+              <a:t>However, when there is </a:t>
+            </a:r>
+            <a:r>
+              <a:rPr lang="en-US" sz="1500" b="1" i="0" dirty="0">
+                <a:solidFill>
+                  <a:srgbClr val="1F2328"/>
+                </a:solidFill>
+                <a:effectLst/>
+                <a:latin typeface="+mj-lt"/>
+              </a:rPr>
+              <a:t>excess production</a:t>
+            </a:r>
+            <a:r>
+              <a:rPr lang="en-US" sz="1500" b="0" i="0" dirty="0">
+                <a:solidFill>
+                  <a:srgbClr val="1F2328"/>
+                </a:solidFill>
+                <a:effectLst/>
+                <a:latin typeface="+mj-lt"/>
+              </a:rPr>
+              <a:t>, </a:t>
+            </a:r>
+            <a:r>
+              <a:rPr lang="en-US" sz="1500" b="1" i="0" dirty="0">
+                <a:solidFill>
+                  <a:srgbClr val="1F2328"/>
+                </a:solidFill>
+                <a:effectLst/>
+                <a:latin typeface="+mj-lt"/>
+              </a:rPr>
+              <a:t>electricity costs </a:t>
+            </a:r>
+            <a:r>
+              <a:rPr lang="en-US" sz="1500" b="0" i="0" dirty="0">
+                <a:solidFill>
+                  <a:srgbClr val="1F2328"/>
+                </a:solidFill>
+                <a:effectLst/>
+                <a:latin typeface="+mj-lt"/>
+              </a:rPr>
+              <a:t>decrease, showing a </a:t>
+            </a:r>
+            <a:r>
+              <a:rPr lang="en-US" sz="1500" b="1" i="0" dirty="0">
+                <a:solidFill>
+                  <a:srgbClr val="FF0000"/>
+                </a:solidFill>
+                <a:effectLst/>
+                <a:latin typeface="+mj-lt"/>
+              </a:rPr>
+              <a:t>negative relationship</a:t>
+            </a:r>
+            <a:r>
+              <a:rPr lang="en-US" sz="1500" b="0" i="0" dirty="0">
+                <a:solidFill>
+                  <a:srgbClr val="1F2328"/>
+                </a:solidFill>
+                <a:effectLst/>
+                <a:latin typeface="+mj-lt"/>
+              </a:rPr>
+              <a:t>.</a:t>
+            </a:r>
+          </a:p>
+        </p:txBody>
+      </p:sp>
+      <p:pic>
+        <p:nvPicPr>
+          <p:cNvPr id="8" name="Content Placeholder 7">
+            <a:extLst>
+              <a:ext uri="{FF2B5EF4-FFF2-40B4-BE49-F238E27FC236}">
+                <a16:creationId xmlns:a16="http://schemas.microsoft.com/office/drawing/2014/main" id="{F62ACBE5-1B15-5009-E3AF-4456068E2E9B}"/>
+              </a:ext>
+            </a:extLst>
+          </p:cNvPr>
+          <p:cNvPicPr>
+            <a:picLocks noGrp="1" noChangeAspect="1"/>
+          </p:cNvPicPr>
+          <p:nvPr>
+            <p:ph idx="1"/>
+          </p:nvPr>
+        </p:nvPicPr>
+        <p:blipFill>
+          <a:blip r:embed="rId3">
+            <a:extLst>
+              <a:ext uri="{28A0092B-C50C-407E-A947-70E740481C1C}">
+                <a14:useLocalDpi xmlns:a14="http://schemas.microsoft.com/office/drawing/2010/main" val="0"/>
+              </a:ext>
+            </a:extLst>
+          </a:blip>
+          <a:srcRect/>
+          <a:stretch/>
+        </p:blipFill>
+        <p:spPr>
+          <a:xfrm>
+            <a:off x="647699" y="3114141"/>
+            <a:ext cx="10900834" cy="2725213"/>
+          </a:xfrm>
+          <a:prstGeom prst="rect">
+            <a:avLst/>
+          </a:prstGeom>
+        </p:spPr>
+      </p:pic>
+      <p:cxnSp>
+        <p:nvCxnSpPr>
+          <p:cNvPr id="70" name="Straight Connector 69">
+            <a:extLst>
+              <a:ext uri="{FF2B5EF4-FFF2-40B4-BE49-F238E27FC236}">
+                <a16:creationId xmlns:a16="http://schemas.microsoft.com/office/drawing/2014/main" id="{BBC95DA4-674F-CE79-6958-A74EB70CB0B7}"/>
+              </a:ext>
+              <a:ext uri="{C183D7F6-B498-43B3-948B-1728B52AA6E4}">
+                <adec:decorative xmlns:adec="http://schemas.microsoft.com/office/drawing/2017/decorative" val="1"/>
+              </a:ext>
+            </a:extLst>
+          </p:cNvPr>
+          <p:cNvCxnSpPr>
+            <a:cxnSpLocks noGrp="1" noRot="1" noChangeAspect="1" noMove="1" noResize="1" noEditPoints="1" noAdjustHandles="1" noChangeArrowheads="1" noChangeShapeType="1"/>
+          </p:cNvCxnSpPr>
+          <p:nvPr>
+            <p:extLst>
+              <p:ext uri="{386F3935-93C4-4BCD-93E2-E3B085C9AB24}">
+                <p16:designElem xmlns:p16="http://schemas.microsoft.com/office/powerpoint/2015/main" val="1"/>
+              </p:ext>
+            </p:extLst>
+          </p:nvPr>
+        </p:nvCxnSpPr>
+        <p:spPr>
+          <a:xfrm>
+            <a:off x="643467" y="6309695"/>
+            <a:ext cx="10905066" cy="0"/>
+          </a:xfrm>
+          <a:prstGeom prst="line">
+            <a:avLst/>
+          </a:prstGeom>
+          <a:ln w="6350">
+            <a:solidFill>
+              <a:schemeClr val="tx1"/>
+            </a:solidFill>
+          </a:ln>
+        </p:spPr>
+        <p:style>
+          <a:lnRef idx="1">
+            <a:schemeClr val="accent1"/>
+          </a:lnRef>
+          <a:fillRef idx="0">
+            <a:schemeClr val="accent1"/>
+          </a:fillRef>
+          <a:effectRef idx="0">
+            <a:schemeClr val="accent1"/>
+          </a:effectRef>
+          <a:fontRef idx="minor">
+            <a:schemeClr val="tx1"/>
+          </a:fontRef>
+        </p:style>
+      </p:cxnSp>
+    </p:spTree>
+    <p:extLst>
+      <p:ext uri="{BB962C8B-B14F-4D97-AF65-F5344CB8AC3E}">
+        <p14:creationId xmlns:p14="http://schemas.microsoft.com/office/powerpoint/2010/main" val="744625385"/>
+      </p:ext>
+    </p:extLst>
+  </p:cSld>
+  <p:clrMapOvr>
+    <a:masterClrMapping/>
+  </p:clrMapOvr>
+</p:sld>
+</file>
+
+<file path=ppt/slides/slide9.xml><?xml version="1.0" encoding="utf-8"?>
+<p:sld xmlns:a="http://schemas.openxmlformats.org/drawingml/2006/main" xmlns:r="http://schemas.openxmlformats.org/officeDocument/2006/relationships" xmlns:p="http://schemas.openxmlformats.org/presentationml/2006/main">
+  <p:cSld>
+    <p:bg>
+      <p:bgPr>
+        <a:solidFill>
+          <a:schemeClr val="bg1"/>
+        </a:solidFill>
+        <a:effectLst/>
+      </p:bgPr>
+    </p:bg>
+    <p:spTree>
+      <p:nvGrpSpPr>
+        <p:cNvPr id="1" name="">
+          <a:extLst>
+            <a:ext uri="{FF2B5EF4-FFF2-40B4-BE49-F238E27FC236}">
+              <a16:creationId xmlns:a16="http://schemas.microsoft.com/office/drawing/2014/main" id="{6DFF3D61-0D9E-3E80-ABED-92ABBCABEEFE}"/>
+            </a:ext>
+          </a:extLst>
+        </p:cNvPr>
+        <p:cNvGrpSpPr/>
+        <p:nvPr/>
+      </p:nvGrpSpPr>
+      <p:grpSpPr>
+        <a:xfrm>
+          <a:off x="0" y="0"/>
+          <a:ext cx="0" cy="0"/>
+          <a:chOff x="0" y="0"/>
+          <a:chExt cx="0" cy="0"/>
+        </a:xfrm>
+      </p:grpSpPr>
+      <p:sp useBgFill="1">
+        <p:nvSpPr>
+          <p:cNvPr id="121" name="Rectangle 120">
+            <a:extLst>
+              <a:ext uri="{FF2B5EF4-FFF2-40B4-BE49-F238E27FC236}">
+                <a16:creationId xmlns:a16="http://schemas.microsoft.com/office/drawing/2014/main" id="{1BB9B1F2-665B-4FBB-ACC6-BEE3112BFB50}"/>
+              </a:ext>
+              <a:ext uri="{C183D7F6-B498-43B3-948B-1728B52AA6E4}">
+                <adec:decorative xmlns:adec="http://schemas.microsoft.com/office/drawing/2017/decorative" val="1"/>
+              </a:ext>
+            </a:extLst>
+          </p:cNvPr>
+          <p:cNvSpPr>
+            <a:spLocks noGrp="1" noRot="1" noChangeAspect="1" noMove="1" noResize="1" noEditPoints="1" noAdjustHandles="1" noChangeArrowheads="1" noChangeShapeType="1" noTextEdit="1"/>
+          </p:cNvSpPr>
+          <p:nvPr>
+            <p:extLst>
+              <p:ext uri="{386F3935-93C4-4BCD-93E2-E3B085C9AB24}">
+                <p16:designElem xmlns:p16="http://schemas.microsoft.com/office/powerpoint/2015/main" val="1"/>
+              </p:ext>
+            </p:extLst>
+          </p:nvPr>
+        </p:nvSpPr>
+        <p:spPr>
+          <a:xfrm>
+            <a:off x="0" y="0"/>
+            <a:ext cx="12192000" cy="6858000"/>
+          </a:xfrm>
+          <a:prstGeom prst="rect">
+            <a:avLst/>
+          </a:prstGeom>
+          <a:ln w="12700" cap="flat" cmpd="sng" algn="ctr">
+            <a:noFill/>
+            <a:prstDash val="solid"/>
+            <a:miter lim="800000"/>
+          </a:ln>
+          <a:effectLst/>
+          <a:extLst>
+            <a:ext uri="{91240B29-F687-4F45-9708-019B960494DF}">
+              <a14:hiddenLine xmlns:a14="http://schemas.microsoft.com/office/drawing/2010/main" w="12700" cap="flat" cmpd="sng" algn="ctr">
+                <a:solidFill>
+                  <a:schemeClr val="accent1">
+                    <a:shade val="50000"/>
+                  </a:schemeClr>
+                </a:solidFill>
+                <a:prstDash val="solid"/>
+                <a:miter lim="800000"/>
+              </a14:hiddenLine>
+            </a:ext>
+          </a:extLst>
+        </p:spPr>
+        <p:style>
+          <a:lnRef idx="2">
+            <a:schemeClr val="accent1">
+              <a:shade val="50000"/>
+            </a:schemeClr>
+          </a:lnRef>
+          <a:fillRef idx="1">
+            <a:schemeClr val="accent1"/>
+          </a:fillRef>
+          <a:effectRef idx="0">
+            <a:schemeClr val="accent1"/>
+          </a:effectRef>
+          <a:fontRef idx="minor">
+            <a:schemeClr val="lt1"/>
+          </a:fontRef>
+        </p:style>
+        <p:txBody>
+          <a:bodyPr rtlCol="0" anchor="ctr"/>
+          <a:lstStyle/>
+          <a:p>
+            <a:pPr algn="ctr"/>
+            <a:endParaRPr lang="en-US"/>
+          </a:p>
+        </p:txBody>
+      </p:sp>
+      <p:sp>
+        <p:nvSpPr>
+          <p:cNvPr id="2" name="Title 1">
+            <a:extLst>
+              <a:ext uri="{FF2B5EF4-FFF2-40B4-BE49-F238E27FC236}">
+                <a16:creationId xmlns:a16="http://schemas.microsoft.com/office/drawing/2014/main" id="{97F98ACD-DFDF-88BE-C283-9D2AE08C4CAE}"/>
+              </a:ext>
+            </a:extLst>
+          </p:cNvPr>
+          <p:cNvSpPr>
+            <a:spLocks noGrp="1"/>
+          </p:cNvSpPr>
+          <p:nvPr>
+            <p:ph type="title"/>
+          </p:nvPr>
+        </p:nvSpPr>
+        <p:spPr>
+          <a:xfrm>
+            <a:off x="548640" y="950976"/>
+            <a:ext cx="5547359" cy="1766587"/>
+          </a:xfrm>
+        </p:spPr>
+        <p:txBody>
+          <a:bodyPr vert="horz" lIns="91440" tIns="45720" rIns="91440" bIns="45720" rtlCol="0">
+            <a:normAutofit/>
+          </a:bodyPr>
+          <a:lstStyle/>
+          <a:p>
+            <a:r>
+              <a:rPr lang="en-US" kern="1200" dirty="0">
+                <a:latin typeface="+mj-lt"/>
+                <a:ea typeface="+mj-ea"/>
+                <a:cs typeface="+mj-cs"/>
+              </a:rPr>
+              <a:t>Insight from Predictive Models</a:t>
+            </a:r>
+          </a:p>
+        </p:txBody>
+      </p:sp>
+      <p:cxnSp>
+        <p:nvCxnSpPr>
+          <p:cNvPr id="122" name="Straight Connector 121">
+            <a:extLst>
+              <a:ext uri="{FF2B5EF4-FFF2-40B4-BE49-F238E27FC236}">
+                <a16:creationId xmlns:a16="http://schemas.microsoft.com/office/drawing/2014/main" id="{8CF20DFB-5301-4092-ACCB-8FB5CBDE3C4B}"/>
+              </a:ext>
+              <a:ext uri="{C183D7F6-B498-43B3-948B-1728B52AA6E4}">
+                <adec:decorative xmlns:adec="http://schemas.microsoft.com/office/drawing/2017/decorative" val="1"/>
+              </a:ext>
+            </a:extLst>
+          </p:cNvPr>
+          <p:cNvCxnSpPr>
+            <a:cxnSpLocks noGrp="1" noRot="1" noChangeAspect="1" noMove="1" noResize="1" noEditPoints="1" noAdjustHandles="1" noChangeArrowheads="1" noChangeShapeType="1"/>
+          </p:cNvCxnSpPr>
+          <p:nvPr>
+            <p:extLst>
+              <p:ext uri="{386F3935-93C4-4BCD-93E2-E3B085C9AB24}">
+                <p16:designElem xmlns:p16="http://schemas.microsoft.com/office/powerpoint/2015/main" val="1"/>
+              </p:ext>
+            </p:extLst>
+          </p:nvPr>
+        </p:nvCxnSpPr>
+        <p:spPr>
+          <a:xfrm>
+            <a:off x="643467" y="678719"/>
+            <a:ext cx="10905066" cy="0"/>
+          </a:xfrm>
+          <a:prstGeom prst="line">
+            <a:avLst/>
+          </a:prstGeom>
+          <a:ln w="38100"/>
+        </p:spPr>
+        <p:style>
+          <a:lnRef idx="1">
+            <a:schemeClr val="accent1"/>
+          </a:lnRef>
+          <a:fillRef idx="0">
+            <a:schemeClr val="accent1"/>
+          </a:fillRef>
+          <a:effectRef idx="0">
+            <a:schemeClr val="accent1"/>
+          </a:effectRef>
+          <a:fontRef idx="minor">
+            <a:schemeClr val="tx1"/>
+          </a:fontRef>
+        </p:style>
+      </p:cxnSp>
+      <p:graphicFrame>
+        <p:nvGraphicFramePr>
+          <p:cNvPr id="127" name="Content Placeholder 2">
+            <a:extLst>
+              <a:ext uri="{FF2B5EF4-FFF2-40B4-BE49-F238E27FC236}">
+                <a16:creationId xmlns:a16="http://schemas.microsoft.com/office/drawing/2014/main" id="{108FA2B0-316A-CBFF-9CFD-317471EF8C3B}"/>
+              </a:ext>
+            </a:extLst>
+          </p:cNvPr>
+          <p:cNvGraphicFramePr>
+            <a:graphicFrameLocks noGrp="1"/>
+          </p:cNvGraphicFramePr>
+          <p:nvPr>
+            <p:ph idx="1"/>
+            <p:extLst>
+              <p:ext uri="{D42A27DB-BD31-4B8C-83A1-F6EECF244321}">
+                <p14:modId xmlns:p14="http://schemas.microsoft.com/office/powerpoint/2010/main" val="3105644456"/>
+              </p:ext>
+            </p:extLst>
+          </p:nvPr>
+        </p:nvGraphicFramePr>
+        <p:xfrm>
+          <a:off x="718217" y="2250678"/>
+          <a:ext cx="5547359" cy="3162300"/>
+        </p:xfrm>
+        <a:graphic>
+          <a:graphicData uri="http://schemas.openxmlformats.org/drawingml/2006/diagram">
+            <dgm:relIds xmlns:dgm="http://schemas.openxmlformats.org/drawingml/2006/diagram" xmlns:r="http://schemas.openxmlformats.org/officeDocument/2006/relationships" r:dm="rId3" r:lo="rId4" r:qs="rId5" r:cs="rId6"/>
+          </a:graphicData>
+        </a:graphic>
+      </p:graphicFrame>
+      <p:pic>
+        <p:nvPicPr>
+          <p:cNvPr id="21" name="Picture 20" descr="A graph of a graph with text&#10;&#10;Description automatically generated with medium confidence">
+            <a:extLst>
+              <a:ext uri="{FF2B5EF4-FFF2-40B4-BE49-F238E27FC236}">
+                <a16:creationId xmlns:a16="http://schemas.microsoft.com/office/drawing/2014/main" id="{F5A06423-677D-F025-53F4-204F339B7A52}"/>
+              </a:ext>
+            </a:extLst>
+          </p:cNvPr>
+          <p:cNvPicPr>
+            <a:picLocks noChangeAspect="1"/>
+          </p:cNvPicPr>
+          <p:nvPr/>
+        </p:nvPicPr>
+        <p:blipFill>
+          <a:blip r:embed="rId8">
+            <a:extLst>
+              <a:ext uri="{28A0092B-C50C-407E-A947-70E740481C1C}">
+                <a14:useLocalDpi xmlns:a14="http://schemas.microsoft.com/office/drawing/2010/main" val="0"/>
+              </a:ext>
+            </a:extLst>
+          </a:blip>
+          <a:srcRect l="150" t="5717" r="3035" b="40889"/>
+          <a:stretch/>
+        </p:blipFill>
+        <p:spPr>
+          <a:xfrm>
+            <a:off x="6814215" y="815611"/>
+            <a:ext cx="4659568" cy="2556931"/>
+          </a:xfrm>
+          <a:prstGeom prst="rect">
+            <a:avLst/>
+          </a:prstGeom>
+          <a:ln>
+            <a:solidFill>
+              <a:schemeClr val="tx1"/>
+            </a:solidFill>
+          </a:ln>
+        </p:spPr>
+      </p:pic>
+      <p:pic>
+        <p:nvPicPr>
+          <p:cNvPr id="17" name="Picture 16" descr="A graph of a graph showing a graph of a cost&#10;&#10;Description automatically generated with medium confidence">
+            <a:extLst>
+              <a:ext uri="{FF2B5EF4-FFF2-40B4-BE49-F238E27FC236}">
+                <a16:creationId xmlns:a16="http://schemas.microsoft.com/office/drawing/2014/main" id="{19F18784-5E48-F3B5-EF36-4B0042E66E62}"/>
+              </a:ext>
+            </a:extLst>
+          </p:cNvPr>
+          <p:cNvPicPr>
+            <a:picLocks noChangeAspect="1"/>
+          </p:cNvPicPr>
+          <p:nvPr/>
+        </p:nvPicPr>
+        <p:blipFill>
+          <a:blip r:embed="rId9">
+            <a:extLst>
+              <a:ext uri="{28A0092B-C50C-407E-A947-70E740481C1C}">
+                <a14:useLocalDpi xmlns:a14="http://schemas.microsoft.com/office/drawing/2010/main" val="0"/>
+              </a:ext>
+            </a:extLst>
+          </a:blip>
+          <a:srcRect t="10478" b="222"/>
+          <a:stretch/>
+        </p:blipFill>
+        <p:spPr>
+          <a:xfrm>
+            <a:off x="6814215" y="3509433"/>
+            <a:ext cx="4659568" cy="2669848"/>
+          </a:xfrm>
+          <a:prstGeom prst="rect">
+            <a:avLst/>
+          </a:prstGeom>
+          <a:ln>
+            <a:solidFill>
+              <a:schemeClr val="tx1"/>
+            </a:solidFill>
+          </a:ln>
+        </p:spPr>
+      </p:pic>
+      <p:cxnSp>
+        <p:nvCxnSpPr>
+          <p:cNvPr id="123" name="Straight Connector 122">
+            <a:extLst>
+              <a:ext uri="{FF2B5EF4-FFF2-40B4-BE49-F238E27FC236}">
+                <a16:creationId xmlns:a16="http://schemas.microsoft.com/office/drawing/2014/main" id="{CA269EEA-1BDB-4A4E-A4F0-C125095456C5}"/>
+              </a:ext>
+              <a:ext uri="{C183D7F6-B498-43B3-948B-1728B52AA6E4}">
+                <adec:decorative xmlns:adec="http://schemas.microsoft.com/office/drawing/2017/decorative" val="1"/>
+              </a:ext>
+            </a:extLst>
+          </p:cNvPr>
+          <p:cNvCxnSpPr>
+            <a:cxnSpLocks noGrp="1" noRot="1" noChangeAspect="1" noMove="1" noResize="1" noEditPoints="1" noAdjustHandles="1" noChangeArrowheads="1" noChangeShapeType="1"/>
+          </p:cNvCxnSpPr>
+          <p:nvPr>
+            <p:extLst>
+              <p:ext uri="{386F3935-93C4-4BCD-93E2-E3B085C9AB24}">
+                <p16:designElem xmlns:p16="http://schemas.microsoft.com/office/powerpoint/2015/main" val="1"/>
+              </p:ext>
+            </p:extLst>
+          </p:nvPr>
+        </p:nvCxnSpPr>
+        <p:spPr>
+          <a:xfrm>
+            <a:off x="643467" y="6309695"/>
+            <a:ext cx="10905066" cy="0"/>
+          </a:xfrm>
+          <a:prstGeom prst="line">
+            <a:avLst/>
+          </a:prstGeom>
+          <a:ln w="6350">
+            <a:solidFill>
+              <a:schemeClr val="tx1"/>
+            </a:solidFill>
+          </a:ln>
+        </p:spPr>
+        <p:style>
+          <a:lnRef idx="1">
+            <a:schemeClr val="accent1"/>
+          </a:lnRef>
+          <a:fillRef idx="0">
+            <a:schemeClr val="accent1"/>
+          </a:fillRef>
+          <a:effectRef idx="0">
+            <a:schemeClr val="accent1"/>
+          </a:effectRef>
+          <a:fontRef idx="minor">
+            <a:schemeClr val="tx1"/>
+          </a:fontRef>
+        </p:style>
+      </p:cxnSp>
+      <p:sp>
+        <p:nvSpPr>
+          <p:cNvPr id="23" name="TextBox 22">
+            <a:extLst>
+              <a:ext uri="{FF2B5EF4-FFF2-40B4-BE49-F238E27FC236}">
+                <a16:creationId xmlns:a16="http://schemas.microsoft.com/office/drawing/2014/main" id="{E634FB67-8EF2-1163-AD05-28FDEDFEAF8A}"/>
+              </a:ext>
+            </a:extLst>
+          </p:cNvPr>
+          <p:cNvSpPr txBox="1"/>
+          <p:nvPr/>
+        </p:nvSpPr>
+        <p:spPr>
+          <a:xfrm>
+            <a:off x="9749073" y="2801710"/>
+            <a:ext cx="1652065" cy="461665"/>
+          </a:xfrm>
+          <a:prstGeom prst="rect">
+            <a:avLst/>
+          </a:prstGeom>
+          <a:noFill/>
+        </p:spPr>
+        <p:txBody>
+          <a:bodyPr wrap="square" rtlCol="0">
+            <a:spAutoFit/>
+          </a:bodyPr>
+          <a:lstStyle/>
+          <a:p>
+            <a:r>
+              <a:rPr lang="en-US" sz="800" dirty="0"/>
+              <a:t>Solar Energy Prediction Models: Feature Importance from Gradient Boosting Model</a:t>
+            </a:r>
+          </a:p>
+        </p:txBody>
+      </p:sp>
+      <p:sp>
+        <p:nvSpPr>
+          <p:cNvPr id="24" name="TextBox 23">
+            <a:extLst>
+              <a:ext uri="{FF2B5EF4-FFF2-40B4-BE49-F238E27FC236}">
+                <a16:creationId xmlns:a16="http://schemas.microsoft.com/office/drawing/2014/main" id="{4835E0C6-E0C8-22AD-B890-969BC5EF8B3B}"/>
+              </a:ext>
+            </a:extLst>
+          </p:cNvPr>
+          <p:cNvSpPr txBox="1"/>
+          <p:nvPr/>
+        </p:nvSpPr>
+        <p:spPr>
+          <a:xfrm>
+            <a:off x="7244285" y="3502956"/>
+            <a:ext cx="1359965" cy="461665"/>
+          </a:xfrm>
+          <a:prstGeom prst="rect">
+            <a:avLst/>
+          </a:prstGeom>
+          <a:noFill/>
+        </p:spPr>
+        <p:txBody>
+          <a:bodyPr wrap="square" rtlCol="0">
+            <a:spAutoFit/>
+          </a:bodyPr>
+          <a:lstStyle/>
+          <a:p>
+            <a:r>
+              <a:rPr lang="en-US" sz="800" dirty="0"/>
+              <a:t>Electricity Cost Prediction Models: The SARIMAX  with  24-hour seasonality</a:t>
+            </a:r>
+          </a:p>
+        </p:txBody>
+      </p:sp>
+    </p:spTree>
+    <p:extLst>
+      <p:ext uri="{BB962C8B-B14F-4D97-AF65-F5344CB8AC3E}">
+        <p14:creationId xmlns:p14="http://schemas.microsoft.com/office/powerpoint/2010/main" val="3017942023"/>
       </p:ext>
     </p:extLst>
   </p:cSld>

--- a/projects/project_capstone/Project_Capstone_Presentation.pptx
+++ b/projects/project_capstone/Project_Capstone_Presentation.pptx
@@ -3021,7 +3021,7 @@
           <a:p>
             <a:fld id="{FAF4C97F-4EE2-4647-82A1-74BB83C0D90A}" type="datetimeFigureOut">
               <a:rPr lang="en-AE" smtClean="0"/>
-              <a:t>16/12/2024</a:t>
+              <a:t>17/12/2024</a:t>
             </a:fld>
             <a:endParaRPr lang="en-AE"/>
           </a:p>
@@ -4412,7 +4412,7 @@
           <a:p>
             <a:fld id="{4CDE23C7-78A4-413A-A84B-93D4CC0A9EB1}" type="datetimeFigureOut">
               <a:rPr lang="en-US" smtClean="0"/>
-              <a:t>12/16/2024</a:t>
+              <a:t>12/17/2024</a:t>
             </a:fld>
             <a:endParaRPr lang="en-US"/>
           </a:p>
@@ -4615,7 +4615,7 @@
           <a:p>
             <a:fld id="{4CDE23C7-78A4-413A-A84B-93D4CC0A9EB1}" type="datetimeFigureOut">
               <a:rPr lang="en-US" smtClean="0"/>
-              <a:t>12/16/2024</a:t>
+              <a:t>12/17/2024</a:t>
             </a:fld>
             <a:endParaRPr lang="en-US"/>
           </a:p>
@@ -4823,7 +4823,7 @@
           <a:p>
             <a:fld id="{4CDE23C7-78A4-413A-A84B-93D4CC0A9EB1}" type="datetimeFigureOut">
               <a:rPr lang="en-US" smtClean="0"/>
-              <a:t>12/16/2024</a:t>
+              <a:t>12/17/2024</a:t>
             </a:fld>
             <a:endParaRPr lang="en-US"/>
           </a:p>
@@ -5021,7 +5021,7 @@
           <a:p>
             <a:fld id="{4CDE23C7-78A4-413A-A84B-93D4CC0A9EB1}" type="datetimeFigureOut">
               <a:rPr lang="en-US" smtClean="0"/>
-              <a:t>12/16/2024</a:t>
+              <a:t>12/17/2024</a:t>
             </a:fld>
             <a:endParaRPr lang="en-US"/>
           </a:p>
@@ -5298,7 +5298,7 @@
           <a:p>
             <a:fld id="{4CDE23C7-78A4-413A-A84B-93D4CC0A9EB1}" type="datetimeFigureOut">
               <a:rPr lang="en-US" smtClean="0"/>
-              <a:t>12/16/2024</a:t>
+              <a:t>12/17/2024</a:t>
             </a:fld>
             <a:endParaRPr lang="en-US"/>
           </a:p>
@@ -5563,7 +5563,7 @@
           <a:p>
             <a:fld id="{4CDE23C7-78A4-413A-A84B-93D4CC0A9EB1}" type="datetimeFigureOut">
               <a:rPr lang="en-US" smtClean="0"/>
-              <a:t>12/16/2024</a:t>
+              <a:t>12/17/2024</a:t>
             </a:fld>
             <a:endParaRPr lang="en-US"/>
           </a:p>
@@ -5979,7 +5979,7 @@
           <a:p>
             <a:fld id="{4CDE23C7-78A4-413A-A84B-93D4CC0A9EB1}" type="datetimeFigureOut">
               <a:rPr lang="en-US" smtClean="0"/>
-              <a:t>12/16/2024</a:t>
+              <a:t>12/17/2024</a:t>
             </a:fld>
             <a:endParaRPr lang="en-US"/>
           </a:p>
@@ -6120,7 +6120,7 @@
           <a:p>
             <a:fld id="{4CDE23C7-78A4-413A-A84B-93D4CC0A9EB1}" type="datetimeFigureOut">
               <a:rPr lang="en-US" smtClean="0"/>
-              <a:t>12/16/2024</a:t>
+              <a:t>12/17/2024</a:t>
             </a:fld>
             <a:endParaRPr lang="en-US"/>
           </a:p>
@@ -6233,7 +6233,7 @@
           <a:p>
             <a:fld id="{4CDE23C7-78A4-413A-A84B-93D4CC0A9EB1}" type="datetimeFigureOut">
               <a:rPr lang="en-US" smtClean="0"/>
-              <a:t>12/16/2024</a:t>
+              <a:t>12/17/2024</a:t>
             </a:fld>
             <a:endParaRPr lang="en-US"/>
           </a:p>
@@ -6544,7 +6544,7 @@
           <a:p>
             <a:fld id="{4CDE23C7-78A4-413A-A84B-93D4CC0A9EB1}" type="datetimeFigureOut">
               <a:rPr lang="en-US" smtClean="0"/>
-              <a:t>12/16/2024</a:t>
+              <a:t>12/17/2024</a:t>
             </a:fld>
             <a:endParaRPr lang="en-US"/>
           </a:p>
@@ -6832,7 +6832,7 @@
           <a:p>
             <a:fld id="{4CDE23C7-78A4-413A-A84B-93D4CC0A9EB1}" type="datetimeFigureOut">
               <a:rPr lang="en-US" smtClean="0"/>
-              <a:t>12/16/2024</a:t>
+              <a:t>12/17/2024</a:t>
             </a:fld>
             <a:endParaRPr lang="en-US"/>
           </a:p>
@@ -7072,7 +7072,7 @@
             <a:fld id="{4CDE23C7-78A4-413A-A84B-93D4CC0A9EB1}" type="datetimeFigureOut">
               <a:rPr lang="en-US" smtClean="0"/>
               <a:pPr/>
-              <a:t>12/16/2024</a:t>
+              <a:t>12/17/2024</a:t>
             </a:fld>
             <a:endParaRPr lang="en-US" dirty="0"/>
           </a:p>
@@ -8625,52 +8625,6 @@
           </a:p>
         </p:txBody>
       </p:sp>
-      <p:pic>
-        <p:nvPicPr>
-          <p:cNvPr id="1026" name="Picture 2" descr="Research on Q-Table Design for Maximum Power Point Tracking-Based Reinforcement  Learning in PV Systems">
-            <a:extLst>
-              <a:ext uri="{FF2B5EF4-FFF2-40B4-BE49-F238E27FC236}">
-                <a16:creationId xmlns:a16="http://schemas.microsoft.com/office/drawing/2014/main" id="{0D7FDF20-AA52-10B8-5C38-D881F1BCECE3}"/>
-              </a:ext>
-            </a:extLst>
-          </p:cNvPr>
-          <p:cNvPicPr>
-            <a:picLocks noChangeAspect="1" noChangeArrowheads="1"/>
-          </p:cNvPicPr>
-          <p:nvPr/>
-        </p:nvPicPr>
-        <p:blipFill>
-          <a:blip r:embed="rId3">
-            <a:extLst>
-              <a:ext uri="{28A0092B-C50C-407E-A947-70E740481C1C}">
-                <a14:useLocalDpi xmlns:a14="http://schemas.microsoft.com/office/drawing/2010/main" val="0"/>
-              </a:ext>
-            </a:extLst>
-          </a:blip>
-          <a:stretch>
-            <a:fillRect/>
-          </a:stretch>
-        </p:blipFill>
-        <p:spPr bwMode="auto">
-          <a:xfrm>
-            <a:off x="6747404" y="1566167"/>
-            <a:ext cx="4804105" cy="3890853"/>
-          </a:xfrm>
-          <a:prstGeom prst="rect">
-            <a:avLst/>
-          </a:prstGeom>
-          <a:noFill/>
-          <a:extLst>
-            <a:ext uri="{909E8E84-426E-40DD-AFC4-6F175D3DCCD1}">
-              <a14:hiddenFill xmlns:a14="http://schemas.microsoft.com/office/drawing/2010/main">
-                <a:solidFill>
-                  <a:srgbClr val="FFFFFF"/>
-                </a:solidFill>
-              </a14:hiddenFill>
-            </a:ext>
-          </a:extLst>
-        </p:spPr>
-      </p:pic>
       <p:cxnSp>
         <p:nvCxnSpPr>
           <p:cNvPr id="1035" name="Straight Connector 1034">
@@ -8723,6 +8677,452 @@
           </a:fontRef>
         </p:style>
       </p:cxnSp>
+      <p:sp>
+        <p:nvSpPr>
+          <p:cNvPr id="5" name="Rectangle 4">
+            <a:extLst>
+              <a:ext uri="{FF2B5EF4-FFF2-40B4-BE49-F238E27FC236}">
+                <a16:creationId xmlns:a16="http://schemas.microsoft.com/office/drawing/2014/main" id="{FBA3A730-6646-2287-AEEC-2DB18070079A}"/>
+              </a:ext>
+            </a:extLst>
+          </p:cNvPr>
+          <p:cNvSpPr/>
+          <p:nvPr/>
+        </p:nvSpPr>
+        <p:spPr>
+          <a:xfrm>
+            <a:off x="7726269" y="3083647"/>
+            <a:ext cx="1600611" cy="527006"/>
+          </a:xfrm>
+          <a:prstGeom prst="rect">
+            <a:avLst/>
+          </a:prstGeom>
+        </p:spPr>
+        <p:style>
+          <a:lnRef idx="2">
+            <a:schemeClr val="accent1">
+              <a:shade val="15000"/>
+            </a:schemeClr>
+          </a:lnRef>
+          <a:fillRef idx="1">
+            <a:schemeClr val="accent1"/>
+          </a:fillRef>
+          <a:effectRef idx="0">
+            <a:schemeClr val="accent1"/>
+          </a:effectRef>
+          <a:fontRef idx="minor">
+            <a:schemeClr val="lt1"/>
+          </a:fontRef>
+        </p:style>
+        <p:txBody>
+          <a:bodyPr rtlCol="0" anchor="ctr"/>
+          <a:lstStyle/>
+          <a:p>
+            <a:pPr algn="ctr"/>
+            <a:r>
+              <a:rPr lang="en-US" dirty="0"/>
+              <a:t>Environment</a:t>
+            </a:r>
+            <a:endParaRPr lang="en-AE" dirty="0"/>
+          </a:p>
+        </p:txBody>
+      </p:sp>
+      <p:sp>
+        <p:nvSpPr>
+          <p:cNvPr id="6" name="TextBox 5">
+            <a:extLst>
+              <a:ext uri="{FF2B5EF4-FFF2-40B4-BE49-F238E27FC236}">
+                <a16:creationId xmlns:a16="http://schemas.microsoft.com/office/drawing/2014/main" id="{24372969-B67E-E098-AC2A-2D82B0E4C927}"/>
+              </a:ext>
+            </a:extLst>
+          </p:cNvPr>
+          <p:cNvSpPr txBox="1"/>
+          <p:nvPr/>
+        </p:nvSpPr>
+        <p:spPr>
+          <a:xfrm>
+            <a:off x="7562413" y="1804415"/>
+            <a:ext cx="659155" cy="307777"/>
+          </a:xfrm>
+          <a:prstGeom prst="rect">
+            <a:avLst/>
+          </a:prstGeom>
+          <a:noFill/>
+        </p:spPr>
+        <p:txBody>
+          <a:bodyPr wrap="none" rtlCol="0">
+            <a:spAutoFit/>
+          </a:bodyPr>
+          <a:lstStyle/>
+          <a:p>
+            <a:r>
+              <a:rPr lang="en-US" sz="1400" dirty="0"/>
+              <a:t>Agent</a:t>
+            </a:r>
+            <a:endParaRPr lang="en-AE" sz="1400" dirty="0"/>
+          </a:p>
+        </p:txBody>
+      </p:sp>
+      <p:pic>
+        <p:nvPicPr>
+          <p:cNvPr id="8" name="Graphic 7" descr="Robot with solid fill">
+            <a:extLst>
+              <a:ext uri="{FF2B5EF4-FFF2-40B4-BE49-F238E27FC236}">
+                <a16:creationId xmlns:a16="http://schemas.microsoft.com/office/drawing/2014/main" id="{C77FE543-680F-435B-808A-C4E5967ECA9A}"/>
+              </a:ext>
+            </a:extLst>
+          </p:cNvPr>
+          <p:cNvPicPr>
+            <a:picLocks noChangeAspect="1"/>
+          </p:cNvPicPr>
+          <p:nvPr/>
+        </p:nvPicPr>
+        <p:blipFill>
+          <a:blip r:embed="rId3">
+            <a:extLst>
+              <a:ext uri="{96DAC541-7B7A-43D3-8B79-37D633B846F1}">
+                <asvg:svgBlip xmlns:asvg="http://schemas.microsoft.com/office/drawing/2016/SVG/main" r:embed="rId4"/>
+              </a:ext>
+            </a:extLst>
+          </a:blip>
+          <a:stretch>
+            <a:fillRect/>
+          </a:stretch>
+        </p:blipFill>
+        <p:spPr>
+          <a:xfrm>
+            <a:off x="8053929" y="1445996"/>
+            <a:ext cx="914400" cy="914400"/>
+          </a:xfrm>
+          <a:prstGeom prst="rect">
+            <a:avLst/>
+          </a:prstGeom>
+        </p:spPr>
+      </p:pic>
+      <p:cxnSp>
+        <p:nvCxnSpPr>
+          <p:cNvPr id="10" name="Straight Arrow Connector 9">
+            <a:extLst>
+              <a:ext uri="{FF2B5EF4-FFF2-40B4-BE49-F238E27FC236}">
+                <a16:creationId xmlns:a16="http://schemas.microsoft.com/office/drawing/2014/main" id="{7B47C923-F79A-E89A-2CED-EFBA16BB0496}"/>
+              </a:ext>
+            </a:extLst>
+          </p:cNvPr>
+          <p:cNvCxnSpPr>
+            <a:cxnSpLocks/>
+            <a:stCxn id="8" idx="2"/>
+            <a:endCxn id="5" idx="0"/>
+          </p:cNvCxnSpPr>
+          <p:nvPr/>
+        </p:nvCxnSpPr>
+        <p:spPr>
+          <a:xfrm>
+            <a:off x="8511129" y="2360396"/>
+            <a:ext cx="15446" cy="723251"/>
+          </a:xfrm>
+          <a:prstGeom prst="straightConnector1">
+            <a:avLst/>
+          </a:prstGeom>
+          <a:ln>
+            <a:tailEnd type="triangle"/>
+          </a:ln>
+        </p:spPr>
+        <p:style>
+          <a:lnRef idx="1">
+            <a:schemeClr val="accent1"/>
+          </a:lnRef>
+          <a:fillRef idx="0">
+            <a:schemeClr val="accent1"/>
+          </a:fillRef>
+          <a:effectRef idx="0">
+            <a:schemeClr val="accent1"/>
+          </a:effectRef>
+          <a:fontRef idx="minor">
+            <a:schemeClr val="tx1"/>
+          </a:fontRef>
+        </p:style>
+      </p:cxnSp>
+      <p:sp>
+        <p:nvSpPr>
+          <p:cNvPr id="15" name="TextBox 14">
+            <a:extLst>
+              <a:ext uri="{FF2B5EF4-FFF2-40B4-BE49-F238E27FC236}">
+                <a16:creationId xmlns:a16="http://schemas.microsoft.com/office/drawing/2014/main" id="{C52FC0A1-9411-ACED-A6D3-4017701A370D}"/>
+              </a:ext>
+            </a:extLst>
+          </p:cNvPr>
+          <p:cNvSpPr txBox="1"/>
+          <p:nvPr/>
+        </p:nvSpPr>
+        <p:spPr>
+          <a:xfrm>
+            <a:off x="9336270" y="3206281"/>
+            <a:ext cx="691215" cy="276999"/>
+          </a:xfrm>
+          <a:prstGeom prst="rect">
+            <a:avLst/>
+          </a:prstGeom>
+          <a:noFill/>
+        </p:spPr>
+        <p:txBody>
+          <a:bodyPr wrap="none" rtlCol="0">
+            <a:spAutoFit/>
+          </a:bodyPr>
+          <a:lstStyle/>
+          <a:p>
+            <a:r>
+              <a:rPr lang="en-US" sz="1200" dirty="0"/>
+              <a:t>State S</a:t>
+            </a:r>
+            <a:r>
+              <a:rPr lang="en-US" sz="1200" baseline="-25000" dirty="0"/>
+              <a:t>t</a:t>
+            </a:r>
+            <a:endParaRPr lang="en-AE" sz="1200" dirty="0"/>
+          </a:p>
+        </p:txBody>
+      </p:sp>
+      <p:sp>
+        <p:nvSpPr>
+          <p:cNvPr id="18" name="TextBox 17">
+            <a:extLst>
+              <a:ext uri="{FF2B5EF4-FFF2-40B4-BE49-F238E27FC236}">
+                <a16:creationId xmlns:a16="http://schemas.microsoft.com/office/drawing/2014/main" id="{85773CAB-7034-6279-F33B-909B176646E0}"/>
+              </a:ext>
+            </a:extLst>
+          </p:cNvPr>
+          <p:cNvSpPr txBox="1"/>
+          <p:nvPr/>
+        </p:nvSpPr>
+        <p:spPr>
+          <a:xfrm>
+            <a:off x="8511129" y="2535343"/>
+            <a:ext cx="904415" cy="307777"/>
+          </a:xfrm>
+          <a:prstGeom prst="rect">
+            <a:avLst/>
+          </a:prstGeom>
+          <a:noFill/>
+        </p:spPr>
+        <p:txBody>
+          <a:bodyPr wrap="none" rtlCol="0">
+            <a:spAutoFit/>
+          </a:bodyPr>
+          <a:lstStyle/>
+          <a:p>
+            <a:r>
+              <a:rPr lang="en-US" sz="1400" dirty="0"/>
+              <a:t>Action A</a:t>
+            </a:r>
+            <a:r>
+              <a:rPr lang="en-US" sz="1400" baseline="-25000" dirty="0"/>
+              <a:t>t</a:t>
+            </a:r>
+            <a:endParaRPr lang="en-AE" sz="1400" dirty="0"/>
+          </a:p>
+        </p:txBody>
+      </p:sp>
+      <p:cxnSp>
+        <p:nvCxnSpPr>
+          <p:cNvPr id="19" name="Straight Arrow Connector 18">
+            <a:extLst>
+              <a:ext uri="{FF2B5EF4-FFF2-40B4-BE49-F238E27FC236}">
+                <a16:creationId xmlns:a16="http://schemas.microsoft.com/office/drawing/2014/main" id="{C8C8A523-9367-88F4-C87B-E5E57B7FE182}"/>
+              </a:ext>
+            </a:extLst>
+          </p:cNvPr>
+          <p:cNvCxnSpPr>
+            <a:cxnSpLocks/>
+            <a:stCxn id="5" idx="2"/>
+            <a:endCxn id="23" idx="0"/>
+          </p:cNvCxnSpPr>
+          <p:nvPr/>
+        </p:nvCxnSpPr>
+        <p:spPr>
+          <a:xfrm flipH="1">
+            <a:off x="8526574" y="3610653"/>
+            <a:ext cx="1" cy="667326"/>
+          </a:xfrm>
+          <a:prstGeom prst="straightConnector1">
+            <a:avLst/>
+          </a:prstGeom>
+          <a:ln>
+            <a:tailEnd type="triangle"/>
+          </a:ln>
+        </p:spPr>
+        <p:style>
+          <a:lnRef idx="1">
+            <a:schemeClr val="accent1"/>
+          </a:lnRef>
+          <a:fillRef idx="0">
+            <a:schemeClr val="accent1"/>
+          </a:fillRef>
+          <a:effectRef idx="0">
+            <a:schemeClr val="accent1"/>
+          </a:effectRef>
+          <a:fontRef idx="minor">
+            <a:schemeClr val="tx1"/>
+          </a:fontRef>
+        </p:style>
+      </p:cxnSp>
+      <p:pic>
+        <p:nvPicPr>
+          <p:cNvPr id="23" name="Graphic 22" descr="Trophy with solid fill">
+            <a:extLst>
+              <a:ext uri="{FF2B5EF4-FFF2-40B4-BE49-F238E27FC236}">
+                <a16:creationId xmlns:a16="http://schemas.microsoft.com/office/drawing/2014/main" id="{F8FF6F91-0209-7C7A-42B7-9FC0ABD2494D}"/>
+              </a:ext>
+            </a:extLst>
+          </p:cNvPr>
+          <p:cNvPicPr>
+            <a:picLocks noChangeAspect="1"/>
+          </p:cNvPicPr>
+          <p:nvPr/>
+        </p:nvPicPr>
+        <p:blipFill>
+          <a:blip r:embed="rId5">
+            <a:extLst>
+              <a:ext uri="{96DAC541-7B7A-43D3-8B79-37D633B846F1}">
+                <asvg:svgBlip xmlns:asvg="http://schemas.microsoft.com/office/drawing/2016/SVG/main" r:embed="rId6"/>
+              </a:ext>
+            </a:extLst>
+          </a:blip>
+          <a:stretch>
+            <a:fillRect/>
+          </a:stretch>
+        </p:blipFill>
+        <p:spPr>
+          <a:xfrm>
+            <a:off x="8069374" y="4277979"/>
+            <a:ext cx="914400" cy="914400"/>
+          </a:xfrm>
+          <a:prstGeom prst="rect">
+            <a:avLst/>
+          </a:prstGeom>
+        </p:spPr>
+      </p:pic>
+      <p:sp>
+        <p:nvSpPr>
+          <p:cNvPr id="26" name="TextBox 25">
+            <a:extLst>
+              <a:ext uri="{FF2B5EF4-FFF2-40B4-BE49-F238E27FC236}">
+                <a16:creationId xmlns:a16="http://schemas.microsoft.com/office/drawing/2014/main" id="{1B3A66EE-2DB2-A9A1-68F9-5B93090C6B31}"/>
+              </a:ext>
+            </a:extLst>
+          </p:cNvPr>
+          <p:cNvSpPr txBox="1"/>
+          <p:nvPr/>
+        </p:nvSpPr>
+        <p:spPr>
+          <a:xfrm>
+            <a:off x="8526574" y="3846442"/>
+            <a:ext cx="998991" cy="307777"/>
+          </a:xfrm>
+          <a:prstGeom prst="rect">
+            <a:avLst/>
+          </a:prstGeom>
+          <a:noFill/>
+        </p:spPr>
+        <p:txBody>
+          <a:bodyPr wrap="none" rtlCol="0">
+            <a:spAutoFit/>
+          </a:bodyPr>
+          <a:lstStyle/>
+          <a:p>
+            <a:r>
+              <a:rPr lang="en-US" sz="1400" dirty="0"/>
+              <a:t>Reward R</a:t>
+            </a:r>
+            <a:r>
+              <a:rPr lang="en-US" sz="1400" baseline="-25000" dirty="0"/>
+              <a:t>t</a:t>
+            </a:r>
+            <a:endParaRPr lang="en-AE" sz="1400" dirty="0"/>
+          </a:p>
+        </p:txBody>
+      </p:sp>
+      <p:cxnSp>
+        <p:nvCxnSpPr>
+          <p:cNvPr id="31" name="Connector: Elbow 30">
+            <a:extLst>
+              <a:ext uri="{FF2B5EF4-FFF2-40B4-BE49-F238E27FC236}">
+                <a16:creationId xmlns:a16="http://schemas.microsoft.com/office/drawing/2014/main" id="{DCFD46CB-8E8C-DF69-1251-1FD534DB697C}"/>
+              </a:ext>
+            </a:extLst>
+          </p:cNvPr>
+          <p:cNvCxnSpPr>
+            <a:cxnSpLocks/>
+            <a:stCxn id="23" idx="2"/>
+            <a:endCxn id="5" idx="1"/>
+          </p:cNvCxnSpPr>
+          <p:nvPr/>
+        </p:nvCxnSpPr>
+        <p:spPr>
+          <a:xfrm rot="5400000" flipH="1">
+            <a:off x="7203807" y="3869613"/>
+            <a:ext cx="1845229" cy="800305"/>
+          </a:xfrm>
+          <a:prstGeom prst="bentConnector4">
+            <a:avLst>
+              <a:gd name="adj1" fmla="val -12389"/>
+              <a:gd name="adj2" fmla="val 128564"/>
+            </a:avLst>
+          </a:prstGeom>
+          <a:ln>
+            <a:tailEnd type="triangle"/>
+          </a:ln>
+        </p:spPr>
+        <p:style>
+          <a:lnRef idx="1">
+            <a:schemeClr val="accent1"/>
+          </a:lnRef>
+          <a:fillRef idx="0">
+            <a:schemeClr val="accent1"/>
+          </a:fillRef>
+          <a:effectRef idx="0">
+            <a:schemeClr val="accent1"/>
+          </a:effectRef>
+          <a:fontRef idx="minor">
+            <a:schemeClr val="tx1"/>
+          </a:fontRef>
+        </p:style>
+      </p:cxnSp>
+      <p:sp>
+        <p:nvSpPr>
+          <p:cNvPr id="37" name="TextBox 36">
+            <a:extLst>
+              <a:ext uri="{FF2B5EF4-FFF2-40B4-BE49-F238E27FC236}">
+                <a16:creationId xmlns:a16="http://schemas.microsoft.com/office/drawing/2014/main" id="{98757CD1-5B74-6D3B-7888-113CECCD66A2}"/>
+              </a:ext>
+            </a:extLst>
+          </p:cNvPr>
+          <p:cNvSpPr txBox="1"/>
+          <p:nvPr/>
+        </p:nvSpPr>
+        <p:spPr>
+          <a:xfrm>
+            <a:off x="6743700" y="4262568"/>
+            <a:ext cx="772969" cy="307777"/>
+          </a:xfrm>
+          <a:prstGeom prst="rect">
+            <a:avLst/>
+          </a:prstGeom>
+          <a:noFill/>
+        </p:spPr>
+        <p:txBody>
+          <a:bodyPr wrap="none" rtlCol="0">
+            <a:spAutoFit/>
+          </a:bodyPr>
+          <a:lstStyle/>
+          <a:p>
+            <a:r>
+              <a:rPr lang="en-US" sz="1400" dirty="0"/>
+              <a:t>t = t + 1</a:t>
+            </a:r>
+            <a:endParaRPr lang="en-AE" sz="1400" dirty="0"/>
+          </a:p>
+        </p:txBody>
+      </p:sp>
     </p:spTree>
     <p:extLst>
       <p:ext uri="{BB962C8B-B14F-4D97-AF65-F5344CB8AC3E}">
@@ -9551,8 +9951,8 @@
         </p:nvSpPr>
         <p:spPr bwMode="auto">
           <a:xfrm>
-            <a:off x="643467" y="1615465"/>
-            <a:ext cx="10999893" cy="646331"/>
+            <a:off x="643467" y="1677020"/>
+            <a:ext cx="10999893" cy="523220"/>
           </a:xfrm>
           <a:prstGeom prst="rect">
             <a:avLst/>
@@ -9617,10 +10017,10 @@
               <a:tabLst/>
             </a:pPr>
             <a:r>
-              <a:rPr lang="en-US" sz="1800" dirty="0"/>
+              <a:rPr lang="en-US" sz="1400" dirty="0"/>
               <a:t>The hourly electricity cost fluctuates between peak (9-11 AM, 5-7 PM) and off-peak hours, forming a multimodal distribution with two distinct peaks.</a:t>
             </a:r>
-            <a:endParaRPr kumimoji="0" lang="en-US" altLang="en-US" sz="1800" b="0" i="0" u="none" strike="noStrike" cap="none" normalizeH="0" baseline="0" dirty="0">
+            <a:endParaRPr kumimoji="0" lang="en-US" altLang="en-US" sz="1400" b="0" i="0" u="none" strike="noStrike" cap="none" normalizeH="0" baseline="0" dirty="0">
               <a:ln>
                 <a:noFill/>
               </a:ln>
@@ -9837,138 +10237,6 @@
           </a:fontRef>
         </p:style>
       </p:cxnSp>
-      <p:sp>
-        <p:nvSpPr>
-          <p:cNvPr id="3" name="Content Placeholder 2">
-            <a:extLst>
-              <a:ext uri="{FF2B5EF4-FFF2-40B4-BE49-F238E27FC236}">
-                <a16:creationId xmlns:a16="http://schemas.microsoft.com/office/drawing/2014/main" id="{3032ADE2-A5D8-F9C4-8EC4-6AC62B28F4EF}"/>
-              </a:ext>
-            </a:extLst>
-          </p:cNvPr>
-          <p:cNvSpPr>
-            <a:spLocks noGrp="1"/>
-          </p:cNvSpPr>
-          <p:nvPr>
-            <p:ph idx="1"/>
-          </p:nvPr>
-        </p:nvSpPr>
-        <p:spPr>
-          <a:xfrm>
-            <a:off x="555136" y="1629696"/>
-            <a:ext cx="5547360" cy="4440992"/>
-          </a:xfrm>
-        </p:spPr>
-        <p:txBody>
-          <a:bodyPr>
-            <a:normAutofit/>
-          </a:bodyPr>
-          <a:lstStyle/>
-          <a:p>
-            <a:r>
-              <a:rPr lang="en-US" dirty="0"/>
-              <a:t>Households with solar panels face the challenge of reducing electricity costs by effectively analyzing hourly solar generation and electricity prices to determine the optimal timing for battery </a:t>
-            </a:r>
-            <a:r>
-              <a:rPr lang="en-US" b="1" dirty="0">
-                <a:solidFill>
-                  <a:srgbClr val="FF0000"/>
-                </a:solidFill>
-              </a:rPr>
-              <a:t>charging</a:t>
-            </a:r>
-            <a:r>
-              <a:rPr lang="en-US" dirty="0"/>
-              <a:t> and </a:t>
-            </a:r>
-            <a:r>
-              <a:rPr lang="en-US" b="1" dirty="0">
-                <a:solidFill>
-                  <a:srgbClr val="FF0000"/>
-                </a:solidFill>
-              </a:rPr>
-              <a:t>discharging</a:t>
-            </a:r>
-            <a:r>
-              <a:rPr lang="en-US" dirty="0"/>
-              <a:t>.</a:t>
-            </a:r>
-          </a:p>
-          <a:p>
-            <a:pPr marL="0" indent="0">
-              <a:buNone/>
-            </a:pPr>
-            <a:endParaRPr lang="en-US" dirty="0"/>
-          </a:p>
-          <a:p>
-            <a:r>
-              <a:rPr lang="en-US" b="1" dirty="0"/>
-              <a:t>Why it is hard?</a:t>
-            </a:r>
-          </a:p>
-          <a:p>
-            <a:pPr lvl="1"/>
-            <a:r>
-              <a:rPr lang="en-US" dirty="0"/>
-              <a:t>Solar energy production varies throughout the day due to uneven sunlight intensity.</a:t>
-            </a:r>
-            <a:endParaRPr lang="en-US" b="1" dirty="0"/>
-          </a:p>
-          <a:p>
-            <a:pPr lvl="1"/>
-            <a:r>
-              <a:rPr lang="en-US" dirty="0"/>
-              <a:t>Electricity costs fluctuate between peak and off-peak hours.</a:t>
-            </a:r>
-            <a:endParaRPr lang="en-US" b="1" dirty="0"/>
-          </a:p>
-        </p:txBody>
-      </p:sp>
-      <p:pic>
-        <p:nvPicPr>
-          <p:cNvPr id="4" name="Picture 2" descr="A house with a solar panel on the roof&#10;&#10;Description automatically generated">
-            <a:extLst>
-              <a:ext uri="{FF2B5EF4-FFF2-40B4-BE49-F238E27FC236}">
-                <a16:creationId xmlns:a16="http://schemas.microsoft.com/office/drawing/2014/main" id="{2290B623-93A3-E452-BFC3-854BE4D44F48}"/>
-              </a:ext>
-            </a:extLst>
-          </p:cNvPr>
-          <p:cNvPicPr>
-            <a:picLocks noChangeAspect="1" noChangeArrowheads="1"/>
-          </p:cNvPicPr>
-          <p:nvPr/>
-        </p:nvPicPr>
-        <p:blipFill>
-          <a:blip r:embed="rId3">
-            <a:extLst>
-              <a:ext uri="{28A0092B-C50C-407E-A947-70E740481C1C}">
-                <a14:useLocalDpi xmlns:a14="http://schemas.microsoft.com/office/drawing/2010/main" val="0"/>
-              </a:ext>
-            </a:extLst>
-          </a:blip>
-          <a:srcRect l="3068" r="3068"/>
-          <a:stretch/>
-        </p:blipFill>
-        <p:spPr bwMode="auto">
-          <a:xfrm>
-            <a:off x="6747404" y="952517"/>
-            <a:ext cx="4804105" cy="5118154"/>
-          </a:xfrm>
-          <a:prstGeom prst="rect">
-            <a:avLst/>
-          </a:prstGeom>
-          <a:noFill/>
-          <a:extLst>
-            <a:ext uri="{909E8E84-426E-40DD-AFC4-6F175D3DCCD1}">
-              <a14:hiddenFill xmlns:a14="http://schemas.microsoft.com/office/drawing/2010/main">
-                <a:solidFill>
-                  <a:srgbClr val="FFFFFF"/>
-                </a:solidFill>
-              </a14:hiddenFill>
-            </a:ext>
-          </a:extLst>
-        </p:spPr>
-      </p:pic>
       <p:cxnSp>
         <p:nvCxnSpPr>
           <p:cNvPr id="79" name="Straight Connector 78">
@@ -10021,6 +10289,374 @@
           </a:fontRef>
         </p:style>
       </p:cxnSp>
+      <p:sp>
+        <p:nvSpPr>
+          <p:cNvPr id="6" name="TextBox 5">
+            <a:extLst>
+              <a:ext uri="{FF2B5EF4-FFF2-40B4-BE49-F238E27FC236}">
+                <a16:creationId xmlns:a16="http://schemas.microsoft.com/office/drawing/2014/main" id="{C7749963-CD4A-F2FA-0611-5606C013ABF4}"/>
+              </a:ext>
+            </a:extLst>
+          </p:cNvPr>
+          <p:cNvSpPr txBox="1"/>
+          <p:nvPr/>
+        </p:nvSpPr>
+        <p:spPr>
+          <a:xfrm>
+            <a:off x="3304032" y="3001096"/>
+            <a:ext cx="2261515" cy="2062103"/>
+          </a:xfrm>
+          <a:prstGeom prst="rect">
+            <a:avLst/>
+          </a:prstGeom>
+          <a:noFill/>
+        </p:spPr>
+        <p:txBody>
+          <a:bodyPr wrap="square">
+            <a:spAutoFit/>
+          </a:bodyPr>
+          <a:lstStyle/>
+          <a:p>
+            <a:r>
+              <a:rPr lang="en-US" sz="1600" b="1" dirty="0"/>
+              <a:t>Why it is hard?</a:t>
+            </a:r>
+          </a:p>
+          <a:p>
+            <a:r>
+              <a:rPr lang="en-US" sz="1400" dirty="0"/>
+              <a:t>Solar energy production varies throughout the day due to uneven sunlight intensity.</a:t>
+            </a:r>
+          </a:p>
+          <a:p>
+            <a:endParaRPr lang="en-US" sz="1400" dirty="0"/>
+          </a:p>
+          <a:p>
+            <a:r>
+              <a:rPr lang="en-US" sz="1400" dirty="0"/>
+              <a:t>Electricity costs fluctuate between peak and off-peak hours.</a:t>
+            </a:r>
+            <a:endParaRPr lang="en-US" sz="1400" b="1" dirty="0"/>
+          </a:p>
+        </p:txBody>
+      </p:sp>
+      <p:sp>
+        <p:nvSpPr>
+          <p:cNvPr id="8" name="TextBox 7">
+            <a:extLst>
+              <a:ext uri="{FF2B5EF4-FFF2-40B4-BE49-F238E27FC236}">
+                <a16:creationId xmlns:a16="http://schemas.microsoft.com/office/drawing/2014/main" id="{C26FFA5A-051E-E030-4970-608C43361014}"/>
+              </a:ext>
+            </a:extLst>
+          </p:cNvPr>
+          <p:cNvSpPr txBox="1"/>
+          <p:nvPr/>
+        </p:nvSpPr>
+        <p:spPr>
+          <a:xfrm>
+            <a:off x="643467" y="3001096"/>
+            <a:ext cx="2261516" cy="2277547"/>
+          </a:xfrm>
+          <a:prstGeom prst="rect">
+            <a:avLst/>
+          </a:prstGeom>
+          <a:noFill/>
+        </p:spPr>
+        <p:txBody>
+          <a:bodyPr wrap="square">
+            <a:spAutoFit/>
+          </a:bodyPr>
+          <a:lstStyle/>
+          <a:p>
+            <a:r>
+              <a:rPr lang="en-US" sz="1600" b="1" dirty="0"/>
+              <a:t>Problem Statement</a:t>
+            </a:r>
+          </a:p>
+          <a:p>
+            <a:r>
+              <a:rPr lang="en-US" sz="1400" dirty="0"/>
+              <a:t>Households with solar panels face the challenge of reducing electricity costs by effectively analyzing hourly solar generation and electricity prices to determine the optimal timing for battery </a:t>
+            </a:r>
+            <a:r>
+              <a:rPr lang="en-US" sz="1400" b="1" dirty="0">
+                <a:solidFill>
+                  <a:srgbClr val="FF0000"/>
+                </a:solidFill>
+              </a:rPr>
+              <a:t>charging</a:t>
+            </a:r>
+            <a:r>
+              <a:rPr lang="en-US" sz="1400" dirty="0"/>
+              <a:t> and </a:t>
+            </a:r>
+            <a:r>
+              <a:rPr lang="en-US" sz="1400" b="1" dirty="0">
+                <a:solidFill>
+                  <a:srgbClr val="FF0000"/>
+                </a:solidFill>
+              </a:rPr>
+              <a:t>discharging</a:t>
+            </a:r>
+            <a:r>
+              <a:rPr lang="en-US" sz="1400" dirty="0"/>
+              <a:t>.</a:t>
+            </a:r>
+          </a:p>
+        </p:txBody>
+      </p:sp>
+      <p:pic>
+        <p:nvPicPr>
+          <p:cNvPr id="11" name="Picture 10" descr="A graph with blue and orange lines&#10;&#10;Description automatically generated">
+            <a:extLst>
+              <a:ext uri="{FF2B5EF4-FFF2-40B4-BE49-F238E27FC236}">
+                <a16:creationId xmlns:a16="http://schemas.microsoft.com/office/drawing/2014/main" id="{AA6A86BD-F438-33BF-E407-7AB350977CFC}"/>
+              </a:ext>
+            </a:extLst>
+          </p:cNvPr>
+          <p:cNvPicPr>
+            <a:picLocks noChangeAspect="1"/>
+          </p:cNvPicPr>
+          <p:nvPr/>
+        </p:nvPicPr>
+        <p:blipFill>
+          <a:blip r:embed="rId3">
+            <a:extLst>
+              <a:ext uri="{28A0092B-C50C-407E-A947-70E740481C1C}">
+                <a14:useLocalDpi xmlns:a14="http://schemas.microsoft.com/office/drawing/2010/main" val="0"/>
+              </a:ext>
+            </a:extLst>
+          </a:blip>
+          <a:srcRect l="66675" b="-1942"/>
+          <a:stretch/>
+        </p:blipFill>
+        <p:spPr>
+          <a:xfrm>
+            <a:off x="6032514" y="855373"/>
+            <a:ext cx="5559011" cy="3528534"/>
+          </a:xfrm>
+          <a:prstGeom prst="rect">
+            <a:avLst/>
+          </a:prstGeom>
+        </p:spPr>
+      </p:pic>
+      <p:cxnSp>
+        <p:nvCxnSpPr>
+          <p:cNvPr id="13" name="Straight Arrow Connector 12">
+            <a:extLst>
+              <a:ext uri="{FF2B5EF4-FFF2-40B4-BE49-F238E27FC236}">
+                <a16:creationId xmlns:a16="http://schemas.microsoft.com/office/drawing/2014/main" id="{DE9DB2E1-AA11-DA62-BDFF-7E9CDAF67916}"/>
+              </a:ext>
+            </a:extLst>
+          </p:cNvPr>
+          <p:cNvCxnSpPr>
+            <a:cxnSpLocks/>
+          </p:cNvCxnSpPr>
+          <p:nvPr/>
+        </p:nvCxnSpPr>
+        <p:spPr>
+          <a:xfrm flipV="1">
+            <a:off x="8193024" y="3867912"/>
+            <a:ext cx="0" cy="780288"/>
+          </a:xfrm>
+          <a:prstGeom prst="straightConnector1">
+            <a:avLst/>
+          </a:prstGeom>
+          <a:ln>
+            <a:tailEnd type="triangle"/>
+          </a:ln>
+        </p:spPr>
+        <p:style>
+          <a:lnRef idx="1">
+            <a:schemeClr val="accent1"/>
+          </a:lnRef>
+          <a:fillRef idx="0">
+            <a:schemeClr val="accent1"/>
+          </a:fillRef>
+          <a:effectRef idx="0">
+            <a:schemeClr val="accent1"/>
+          </a:effectRef>
+          <a:fontRef idx="minor">
+            <a:schemeClr val="tx1"/>
+          </a:fontRef>
+        </p:style>
+      </p:cxnSp>
+      <p:sp>
+        <p:nvSpPr>
+          <p:cNvPr id="17" name="TextBox 16">
+            <a:extLst>
+              <a:ext uri="{FF2B5EF4-FFF2-40B4-BE49-F238E27FC236}">
+                <a16:creationId xmlns:a16="http://schemas.microsoft.com/office/drawing/2014/main" id="{AB23668B-3BEE-31AB-6B06-B362D292B123}"/>
+              </a:ext>
+            </a:extLst>
+          </p:cNvPr>
+          <p:cNvSpPr txBox="1"/>
+          <p:nvPr/>
+        </p:nvSpPr>
+        <p:spPr>
+          <a:xfrm>
+            <a:off x="6013367" y="4755423"/>
+            <a:ext cx="976549" cy="523220"/>
+          </a:xfrm>
+          <a:prstGeom prst="rect">
+            <a:avLst/>
+          </a:prstGeom>
+          <a:noFill/>
+        </p:spPr>
+        <p:txBody>
+          <a:bodyPr wrap="none" rtlCol="0">
+            <a:spAutoFit/>
+          </a:bodyPr>
+          <a:lstStyle/>
+          <a:p>
+            <a:pPr algn="r"/>
+            <a:r>
+              <a:rPr lang="en-US" sz="1400" dirty="0"/>
+              <a:t>Charge</a:t>
+            </a:r>
+          </a:p>
+          <a:p>
+            <a:pPr algn="ctr"/>
+            <a:r>
+              <a:rPr lang="en-US" sz="1400" dirty="0"/>
+              <a:t>Discharge</a:t>
+            </a:r>
+            <a:endParaRPr lang="en-AE" sz="1400" dirty="0"/>
+          </a:p>
+        </p:txBody>
+      </p:sp>
+      <p:sp>
+        <p:nvSpPr>
+          <p:cNvPr id="18" name="TextBox 17">
+            <a:extLst>
+              <a:ext uri="{FF2B5EF4-FFF2-40B4-BE49-F238E27FC236}">
+                <a16:creationId xmlns:a16="http://schemas.microsoft.com/office/drawing/2014/main" id="{2BDA96EC-FD06-790A-96E6-222E8E2A2F35}"/>
+              </a:ext>
+            </a:extLst>
+          </p:cNvPr>
+          <p:cNvSpPr txBox="1"/>
+          <p:nvPr/>
+        </p:nvSpPr>
+        <p:spPr>
+          <a:xfrm>
+            <a:off x="6989916" y="4755423"/>
+            <a:ext cx="1686680" cy="523220"/>
+          </a:xfrm>
+          <a:prstGeom prst="rect">
+            <a:avLst/>
+          </a:prstGeom>
+          <a:noFill/>
+        </p:spPr>
+        <p:txBody>
+          <a:bodyPr wrap="none" rtlCol="0">
+            <a:spAutoFit/>
+          </a:bodyPr>
+          <a:lstStyle/>
+          <a:p>
+            <a:r>
+              <a:rPr lang="en-US" sz="1400" dirty="0"/>
+              <a:t>Battery </a:t>
+            </a:r>
+            <a:r>
+              <a:rPr lang="en-US" sz="1400" b="1" dirty="0">
+                <a:solidFill>
+                  <a:srgbClr val="00B050"/>
+                </a:solidFill>
+              </a:rPr>
+              <a:t>+0.15 </a:t>
+            </a:r>
+            <a:r>
+              <a:rPr lang="en-US" sz="1400" dirty="0"/>
+              <a:t>kWh</a:t>
+            </a:r>
+          </a:p>
+          <a:p>
+            <a:r>
+              <a:rPr lang="en-US" sz="1400" dirty="0"/>
+              <a:t>Battery </a:t>
+            </a:r>
+            <a:r>
+              <a:rPr lang="en-US" sz="1400" b="1" dirty="0">
+                <a:solidFill>
+                  <a:srgbClr val="FF0000"/>
+                </a:solidFill>
+              </a:rPr>
+              <a:t>-0.5 </a:t>
+            </a:r>
+            <a:r>
+              <a:rPr lang="en-US" sz="1400" dirty="0"/>
+              <a:t>kWh </a:t>
+            </a:r>
+            <a:endParaRPr lang="en-AE" sz="1400" dirty="0"/>
+          </a:p>
+        </p:txBody>
+      </p:sp>
+      <p:sp>
+        <p:nvSpPr>
+          <p:cNvPr id="22" name="TextBox 21">
+            <a:extLst>
+              <a:ext uri="{FF2B5EF4-FFF2-40B4-BE49-F238E27FC236}">
+                <a16:creationId xmlns:a16="http://schemas.microsoft.com/office/drawing/2014/main" id="{4319547E-A15E-5A93-4738-67EF80A9C533}"/>
+              </a:ext>
+            </a:extLst>
+          </p:cNvPr>
+          <p:cNvSpPr txBox="1"/>
+          <p:nvPr/>
+        </p:nvSpPr>
+        <p:spPr>
+          <a:xfrm>
+            <a:off x="8662545" y="4755423"/>
+            <a:ext cx="2788920" cy="523220"/>
+          </a:xfrm>
+          <a:prstGeom prst="rect">
+            <a:avLst/>
+          </a:prstGeom>
+          <a:noFill/>
+        </p:spPr>
+        <p:txBody>
+          <a:bodyPr wrap="square">
+            <a:spAutoFit/>
+          </a:bodyPr>
+          <a:lstStyle/>
+          <a:p>
+            <a:r>
+              <a:rPr lang="en-US" sz="1400" dirty="0"/>
+              <a:t>Electricity Cost 8 × 0.5 = </a:t>
+            </a:r>
+            <a:r>
+              <a:rPr lang="en-US" sz="1400" b="1" dirty="0">
+                <a:solidFill>
+                  <a:srgbClr val="FF0000"/>
+                </a:solidFill>
+              </a:rPr>
+              <a:t>4</a:t>
+            </a:r>
+            <a:r>
+              <a:rPr lang="en-US" sz="1400" dirty="0"/>
+              <a:t> Cents</a:t>
+            </a:r>
+          </a:p>
+          <a:p>
+            <a:r>
+              <a:rPr lang="en-US" sz="1400" dirty="0"/>
+              <a:t>Electricity Cost = </a:t>
+            </a:r>
+            <a:r>
+              <a:rPr lang="en-US" sz="1400" b="1" dirty="0">
+                <a:solidFill>
+                  <a:srgbClr val="00B050"/>
+                </a:solidFill>
+              </a:rPr>
+              <a:t>0</a:t>
+            </a:r>
+            <a:r>
+              <a:rPr lang="en-US" sz="1400" dirty="0"/>
+              <a:t> Cents</a:t>
+            </a:r>
+            <a:endParaRPr lang="en-AE" sz="1400" dirty="0"/>
+          </a:p>
+        </p:txBody>
+      </p:sp>
     </p:spTree>
     <p:extLst>
       <p:ext uri="{BB962C8B-B14F-4D97-AF65-F5344CB8AC3E}">
@@ -10602,7 +11238,7 @@
           <a:lstStyle/>
           <a:p>
             <a:r>
-              <a:rPr lang="en-US" b="0" i="0" dirty="0">
+              <a:rPr lang="en-US" sz="1600" b="0" i="0" dirty="0">
                 <a:solidFill>
                   <a:srgbClr val="1F2328"/>
                 </a:solidFill>
@@ -10614,7 +11250,7 @@
           <a:p>
             <a:pPr lvl="1"/>
             <a:r>
-              <a:rPr lang="en-US" b="0" i="0" dirty="0">
+              <a:rPr lang="en-US" sz="1400" b="0" i="0" dirty="0">
                 <a:solidFill>
                   <a:srgbClr val="1F2328"/>
                 </a:solidFill>
@@ -10623,7 +11259,7 @@
               <a:t>Weather in Bucharest, Romania: </a:t>
             </a:r>
             <a:r>
-              <a:rPr lang="en-US" b="1" i="0" u="sng" dirty="0">
+              <a:rPr lang="en-US" sz="1400" b="1" i="0" u="sng" dirty="0">
                 <a:solidFill>
                   <a:srgbClr val="1F2328"/>
                 </a:solidFill>
@@ -10632,7 +11268,7 @@
               </a:rPr>
               <a:t>Visual Crossing's weather data services</a:t>
             </a:r>
-            <a:endParaRPr lang="en-US" b="1" i="0" u="sng" dirty="0">
+            <a:endParaRPr lang="en-US" sz="1400" b="1" i="0" u="sng" dirty="0">
               <a:solidFill>
                 <a:srgbClr val="1F2328"/>
               </a:solidFill>
@@ -10642,7 +11278,7 @@
           <a:p>
             <a:pPr lvl="1"/>
             <a:r>
-              <a:rPr lang="en-US" b="0" i="0" dirty="0">
+              <a:rPr lang="en-US" sz="1400" b="0" i="0" dirty="0">
                 <a:solidFill>
                   <a:srgbClr val="1F2328"/>
                 </a:solidFill>
@@ -10651,7 +11287,7 @@
               <a:t>Electricity Cost per Hour: </a:t>
             </a:r>
             <a:r>
-              <a:rPr lang="en-US" b="1" i="0" u="sng" dirty="0" err="1">
+              <a:rPr lang="en-US" sz="1400" b="1" i="0" u="sng" dirty="0" err="1">
                 <a:solidFill>
                   <a:srgbClr val="1F2328"/>
                 </a:solidFill>
@@ -10661,7 +11297,7 @@
               <a:t>Thingler</a:t>
             </a:r>
             <a:r>
-              <a:rPr lang="en-US" b="0" i="0" dirty="0">
+              <a:rPr lang="en-US" sz="1400" b="0" i="0" dirty="0">
                 <a:solidFill>
                   <a:srgbClr val="1F2328"/>
                 </a:solidFill>
@@ -10673,7 +11309,7 @@
           <a:p>
             <a:pPr lvl="1"/>
             <a:r>
-              <a:rPr lang="en-US" b="0" i="0" dirty="0">
+              <a:rPr lang="en-US" sz="1400" b="0" i="0" dirty="0">
                 <a:solidFill>
                   <a:srgbClr val="1F2328"/>
                 </a:solidFill>
@@ -10682,7 +11318,7 @@
               <a:t>Electricity Production per Hour: </a:t>
             </a:r>
             <a:r>
-              <a:rPr lang="en-US" b="1" i="0" u="sng" dirty="0">
+              <a:rPr lang="en-US" sz="1400" b="1" i="0" u="sng" dirty="0">
                 <a:solidFill>
                   <a:srgbClr val="1F2328"/>
                 </a:solidFill>
@@ -10691,7 +11327,7 @@
               </a:rPr>
               <a:t>Kaggle</a:t>
             </a:r>
-            <a:endParaRPr lang="en-US" b="0" i="0" dirty="0">
+            <a:endParaRPr lang="en-US" sz="1400" b="0" i="0" dirty="0">
               <a:solidFill>
                 <a:srgbClr val="1F2328"/>
               </a:solidFill>
@@ -10700,14 +11336,26 @@
           </a:p>
           <a:p>
             <a:r>
-              <a:rPr lang="en-US" b="0" i="0" dirty="0">
+              <a:rPr lang="en-US" sz="1600" b="0" i="0" dirty="0">
                 <a:solidFill>
                   <a:srgbClr val="1F2328"/>
                 </a:solidFill>
                 <a:effectLst/>
                 <a:latin typeface="-apple-system"/>
               </a:rPr>
-              <a:t>All three datasets cover the period from January 2024 to March 2024 on hourly basis. The data for March 31, 2024 was intentionally removed due to missing one hour because of daylight saving adjustments.</a:t>
+              <a:t>All three datasets cover the period from January 2024 to March 2024 on hourly basis. </a:t>
+            </a:r>
+          </a:p>
+          <a:p>
+            <a:r>
+              <a:rPr lang="en-US" sz="1600" b="0" i="0" dirty="0">
+                <a:solidFill>
+                  <a:srgbClr val="1F2328"/>
+                </a:solidFill>
+                <a:effectLst/>
+                <a:latin typeface="-apple-system"/>
+              </a:rPr>
+              <a:t>The data for March 31, 2024 was intentionally removed due to missing one hour because of daylight saving adjustments.</a:t>
             </a:r>
           </a:p>
           <a:p>
@@ -10949,8 +11597,8 @@
         </p:nvSpPr>
         <p:spPr bwMode="auto">
           <a:xfrm>
-            <a:off x="6732780" y="952499"/>
-            <a:ext cx="4811520" cy="1724198"/>
+            <a:off x="5646081" y="950977"/>
+            <a:ext cx="5902452" cy="1260348"/>
           </a:xfrm>
           <a:prstGeom prst="rect">
             <a:avLst/>
@@ -11547,8 +12195,8 @@
         </p:nvSpPr>
         <p:spPr bwMode="auto">
           <a:xfrm>
-            <a:off x="6732780" y="952499"/>
-            <a:ext cx="4811520" cy="1724198"/>
+            <a:off x="5627793" y="950977"/>
+            <a:ext cx="5920740" cy="1724198"/>
           </a:xfrm>
           <a:prstGeom prst="rect">
             <a:avLst/>
@@ -11587,7 +12235,7 @@
             <a:prstTxWarp prst="textNoShape">
               <a:avLst/>
             </a:prstTxWarp>
-            <a:normAutofit fontScale="92500" lnSpcReduction="20000"/>
+            <a:normAutofit/>
           </a:bodyPr>
           <a:lstStyle>
             <a:lvl1pPr marL="228600" indent="-228600" algn="l" defTabSz="914400" rtl="0" eaLnBrk="1" latinLnBrk="0" hangingPunct="1">
@@ -11773,7 +12421,7 @@
               <a:buChar char="•"/>
             </a:pPr>
             <a:r>
-              <a:rPr lang="en-US" sz="1500" b="1" i="0" dirty="0">
+              <a:rPr lang="en-US" sz="1400" b="1" i="0" dirty="0">
                 <a:solidFill>
                   <a:srgbClr val="1F2328"/>
                 </a:solidFill>
@@ -11783,7 +12431,7 @@
               <a:t>Electricity costs </a:t>
             </a:r>
             <a:r>
-              <a:rPr lang="en-US" sz="1500" b="0" i="0" dirty="0">
+              <a:rPr lang="en-US" sz="1400" b="0" i="0" dirty="0">
                 <a:solidFill>
                   <a:srgbClr val="1F2328"/>
                 </a:solidFill>
@@ -11793,7 +12441,7 @@
               <a:t>are </a:t>
             </a:r>
             <a:r>
-              <a:rPr lang="en-US" sz="1500" b="1" i="0" dirty="0">
+              <a:rPr lang="en-US" sz="1400" b="1" i="0" dirty="0">
                 <a:solidFill>
                   <a:srgbClr val="00B050"/>
                 </a:solidFill>
@@ -11803,7 +12451,7 @@
               <a:t>positively</a:t>
             </a:r>
             <a:r>
-              <a:rPr lang="en-US" sz="1500" b="0" i="0" dirty="0">
+              <a:rPr lang="en-US" sz="1400" b="0" i="0" dirty="0">
                 <a:solidFill>
                   <a:srgbClr val="1F2328"/>
                 </a:solidFill>
@@ -11813,7 +12461,7 @@
               <a:t> related to </a:t>
             </a:r>
             <a:r>
-              <a:rPr lang="en-US" sz="1500" b="1" i="0" dirty="0">
+              <a:rPr lang="en-US" sz="1400" b="1" i="0" dirty="0">
                 <a:solidFill>
                   <a:srgbClr val="1F2328"/>
                 </a:solidFill>
@@ -11822,7 +12470,7 @@
               </a:rPr>
               <a:t>energy production.</a:t>
             </a:r>
-            <a:endParaRPr lang="en-US" sz="1500" b="0" i="0" dirty="0">
+            <a:endParaRPr lang="en-US" sz="1400" b="0" i="0" dirty="0">
               <a:solidFill>
                 <a:srgbClr val="1F2328"/>
               </a:solidFill>
@@ -11836,7 +12484,7 @@
               <a:buChar char="•"/>
             </a:pPr>
             <a:r>
-              <a:rPr lang="en-US" sz="1500" b="0" i="0" dirty="0">
+              <a:rPr lang="en-US" sz="1400" b="0" i="0" dirty="0">
                 <a:solidFill>
                   <a:srgbClr val="1F2328"/>
                 </a:solidFill>
@@ -11846,7 +12494,7 @@
               <a:t>However, when there is </a:t>
             </a:r>
             <a:r>
-              <a:rPr lang="en-US" sz="1500" b="1" i="0" dirty="0">
+              <a:rPr lang="en-US" sz="1400" b="1" i="0" dirty="0">
                 <a:solidFill>
                   <a:srgbClr val="1F2328"/>
                 </a:solidFill>
@@ -11856,7 +12504,7 @@
               <a:t>excess production</a:t>
             </a:r>
             <a:r>
-              <a:rPr lang="en-US" sz="1500" b="0" i="0" dirty="0">
+              <a:rPr lang="en-US" sz="1400" b="0" i="0" dirty="0">
                 <a:solidFill>
                   <a:srgbClr val="1F2328"/>
                 </a:solidFill>
@@ -11866,7 +12514,7 @@
               <a:t>, </a:t>
             </a:r>
             <a:r>
-              <a:rPr lang="en-US" sz="1500" b="1" i="0" dirty="0">
+              <a:rPr lang="en-US" sz="1400" b="1" i="0" dirty="0">
                 <a:solidFill>
                   <a:srgbClr val="1F2328"/>
                 </a:solidFill>
@@ -11876,7 +12524,7 @@
               <a:t>electricity costs </a:t>
             </a:r>
             <a:r>
-              <a:rPr lang="en-US" sz="1500" b="0" i="0" dirty="0">
+              <a:rPr lang="en-US" sz="1400" b="0" i="0" dirty="0">
                 <a:solidFill>
                   <a:srgbClr val="1F2328"/>
                 </a:solidFill>
@@ -11886,7 +12534,7 @@
               <a:t>decrease, showing a </a:t>
             </a:r>
             <a:r>
-              <a:rPr lang="en-US" sz="1500" b="1" i="0" dirty="0">
+              <a:rPr lang="en-US" sz="1400" b="1" i="0" dirty="0">
                 <a:solidFill>
                   <a:srgbClr val="FF0000"/>
                 </a:solidFill>
@@ -11896,7 +12544,7 @@
               <a:t>negative relationship</a:t>
             </a:r>
             <a:r>
-              <a:rPr lang="en-US" sz="1500" b="0" i="0" dirty="0">
+              <a:rPr lang="en-US" sz="1400" b="0" i="0" dirty="0">
                 <a:solidFill>
                   <a:srgbClr val="1F2328"/>
                 </a:solidFill>

--- a/projects/project_capstone/Project_Capstone_Presentation.pptx
+++ b/projects/project_capstone/Project_Capstone_Presentation.pptx
@@ -5,7 +5,7 @@
     <p:sldMasterId id="2147483699" r:id="rId1"/>
   </p:sldMasterIdLst>
   <p:notesMasterIdLst>
-    <p:notesMasterId r:id="rId12"/>
+    <p:notesMasterId r:id="rId13"/>
   </p:notesMasterIdLst>
   <p:sldIdLst>
     <p:sldId id="256" r:id="rId2"/>
@@ -18,6 +18,7 @@
     <p:sldId id="269" r:id="rId9"/>
     <p:sldId id="270" r:id="rId10"/>
     <p:sldId id="264" r:id="rId11"/>
+    <p:sldId id="271" r:id="rId12"/>
   </p:sldIdLst>
   <p:sldSz cx="12192000" cy="6858000"/>
   <p:notesSz cx="6858000" cy="9144000"/>
@@ -3397,6 +3398,114 @@
 </p:notes>
 </file>
 
+<file path=ppt/notesSlides/notesSlide10.xml><?xml version="1.0" encoding="utf-8"?>
+<p:notes xmlns:a="http://schemas.openxmlformats.org/drawingml/2006/main" xmlns:r="http://schemas.openxmlformats.org/officeDocument/2006/relationships" xmlns:p="http://schemas.openxmlformats.org/presentationml/2006/main">
+  <p:cSld>
+    <p:spTree>
+      <p:nvGrpSpPr>
+        <p:cNvPr id="1" name="">
+          <a:extLst>
+            <a:ext uri="{FF2B5EF4-FFF2-40B4-BE49-F238E27FC236}">
+              <a16:creationId xmlns:a16="http://schemas.microsoft.com/office/drawing/2014/main" id="{267CF40F-4852-D55C-4815-3E145F231AFC}"/>
+            </a:ext>
+          </a:extLst>
+        </p:cNvPr>
+        <p:cNvGrpSpPr/>
+        <p:nvPr/>
+      </p:nvGrpSpPr>
+      <p:grpSpPr>
+        <a:xfrm>
+          <a:off x="0" y="0"/>
+          <a:ext cx="0" cy="0"/>
+          <a:chOff x="0" y="0"/>
+          <a:chExt cx="0" cy="0"/>
+        </a:xfrm>
+      </p:grpSpPr>
+      <p:sp>
+        <p:nvSpPr>
+          <p:cNvPr id="2" name="Slide Image Placeholder 1">
+            <a:extLst>
+              <a:ext uri="{FF2B5EF4-FFF2-40B4-BE49-F238E27FC236}">
+                <a16:creationId xmlns:a16="http://schemas.microsoft.com/office/drawing/2014/main" id="{38D08DA4-142C-A479-5BB8-D9A9BED9AA44}"/>
+              </a:ext>
+            </a:extLst>
+          </p:cNvPr>
+          <p:cNvSpPr>
+            <a:spLocks noGrp="1" noRot="1" noChangeAspect="1"/>
+          </p:cNvSpPr>
+          <p:nvPr>
+            <p:ph type="sldImg"/>
+          </p:nvPr>
+        </p:nvSpPr>
+        <p:spPr/>
+      </p:sp>
+      <p:sp>
+        <p:nvSpPr>
+          <p:cNvPr id="3" name="Notes Placeholder 2">
+            <a:extLst>
+              <a:ext uri="{FF2B5EF4-FFF2-40B4-BE49-F238E27FC236}">
+                <a16:creationId xmlns:a16="http://schemas.microsoft.com/office/drawing/2014/main" id="{A7646E2F-7966-E2E2-6088-4CA3F027896A}"/>
+              </a:ext>
+            </a:extLst>
+          </p:cNvPr>
+          <p:cNvSpPr>
+            <a:spLocks noGrp="1"/>
+          </p:cNvSpPr>
+          <p:nvPr>
+            <p:ph type="body" idx="1"/>
+          </p:nvPr>
+        </p:nvSpPr>
+        <p:spPr/>
+        <p:txBody>
+          <a:bodyPr/>
+          <a:lstStyle/>
+          <a:p>
+            <a:endParaRPr lang="en-AE" dirty="0"/>
+          </a:p>
+        </p:txBody>
+      </p:sp>
+      <p:sp>
+        <p:nvSpPr>
+          <p:cNvPr id="4" name="Slide Number Placeholder 3">
+            <a:extLst>
+              <a:ext uri="{FF2B5EF4-FFF2-40B4-BE49-F238E27FC236}">
+                <a16:creationId xmlns:a16="http://schemas.microsoft.com/office/drawing/2014/main" id="{4D0C93CF-760D-9408-6F3D-F6679F9B3BFF}"/>
+              </a:ext>
+            </a:extLst>
+          </p:cNvPr>
+          <p:cNvSpPr>
+            <a:spLocks noGrp="1"/>
+          </p:cNvSpPr>
+          <p:nvPr>
+            <p:ph type="sldNum" sz="quarter" idx="5"/>
+          </p:nvPr>
+        </p:nvSpPr>
+        <p:spPr/>
+        <p:txBody>
+          <a:bodyPr/>
+          <a:lstStyle/>
+          <a:p>
+            <a:fld id="{E5C4BA0B-77F6-48B2-A36C-6022B77138CF}" type="slidenum">
+              <a:rPr lang="en-AE" smtClean="0"/>
+              <a:t>11</a:t>
+            </a:fld>
+            <a:endParaRPr lang="en-AE"/>
+          </a:p>
+        </p:txBody>
+      </p:sp>
+    </p:spTree>
+    <p:extLst>
+      <p:ext uri="{BB962C8B-B14F-4D97-AF65-F5344CB8AC3E}">
+        <p14:creationId xmlns:p14="http://schemas.microsoft.com/office/powerpoint/2010/main" val="417076925"/>
+      </p:ext>
+    </p:extLst>
+  </p:cSld>
+  <p:clrMapOvr>
+    <a:masterClrMapping/>
+  </p:clrMapOvr>
+</p:notes>
+</file>
+
 <file path=ppt/notesSlides/notesSlide2.xml><?xml version="1.0" encoding="utf-8"?>
 <p:notes xmlns:a="http://schemas.openxmlformats.org/drawingml/2006/main" xmlns:r="http://schemas.openxmlformats.org/officeDocument/2006/relationships" xmlns:p="http://schemas.openxmlformats.org/presentationml/2006/main">
   <p:cSld>
@@ -8691,7 +8800,7 @@
         </p:nvSpPr>
         <p:spPr>
           <a:xfrm>
-            <a:off x="7726269" y="3083647"/>
+            <a:off x="7580219" y="3150228"/>
             <a:ext cx="1600611" cy="527006"/>
           </a:xfrm>
           <a:prstGeom prst="rect">
@@ -8741,8 +8850,8 @@
         </p:nvSpPr>
         <p:spPr>
           <a:xfrm>
-            <a:off x="7562413" y="1804415"/>
-            <a:ext cx="659155" cy="307777"/>
+            <a:off x="7416363" y="1870996"/>
+            <a:ext cx="591829" cy="276999"/>
           </a:xfrm>
           <a:prstGeom prst="rect">
             <a:avLst/>
@@ -8756,10 +8865,10 @@
           <a:lstStyle/>
           <a:p>
             <a:r>
-              <a:rPr lang="en-US" sz="1400" dirty="0"/>
+              <a:rPr lang="en-US" sz="1200" dirty="0"/>
               <a:t>Agent</a:t>
             </a:r>
-            <a:endParaRPr lang="en-AE" sz="1400" dirty="0"/>
+            <a:endParaRPr lang="en-AE" sz="1200" dirty="0"/>
           </a:p>
         </p:txBody>
       </p:sp>
@@ -8791,7 +8900,7 @@
         </p:blipFill>
         <p:spPr>
           <a:xfrm>
-            <a:off x="8053929" y="1445996"/>
+            <a:off x="7907879" y="1512577"/>
             <a:ext cx="914400" cy="914400"/>
           </a:xfrm>
           <a:prstGeom prst="rect">
@@ -8817,7 +8926,7 @@
         </p:nvCxnSpPr>
         <p:spPr>
           <a:xfrm>
-            <a:off x="8511129" y="2360396"/>
+            <a:off x="8365079" y="2426977"/>
             <a:ext cx="15446" cy="723251"/>
           </a:xfrm>
           <a:prstGeom prst="straightConnector1">
@@ -8856,7 +8965,7 @@
         </p:nvSpPr>
         <p:spPr>
           <a:xfrm>
-            <a:off x="9336270" y="3206281"/>
+            <a:off x="9190220" y="3272862"/>
             <a:ext cx="691215" cy="276999"/>
           </a:xfrm>
           <a:prstGeom prst="rect">
@@ -8896,8 +9005,8 @@
         </p:nvSpPr>
         <p:spPr>
           <a:xfrm>
-            <a:off x="8511129" y="2535343"/>
-            <a:ext cx="904415" cy="307777"/>
+            <a:off x="8365079" y="2601924"/>
+            <a:ext cx="808235" cy="276999"/>
           </a:xfrm>
           <a:prstGeom prst="rect">
             <a:avLst/>
@@ -8911,14 +9020,14 @@
           <a:lstStyle/>
           <a:p>
             <a:r>
-              <a:rPr lang="en-US" sz="1400" dirty="0"/>
+              <a:rPr lang="en-US" sz="1200" dirty="0"/>
               <a:t>Action A</a:t>
             </a:r>
             <a:r>
-              <a:rPr lang="en-US" sz="1400" baseline="-25000" dirty="0"/>
+              <a:rPr lang="en-US" sz="1200" baseline="-25000" dirty="0"/>
               <a:t>t</a:t>
             </a:r>
-            <a:endParaRPr lang="en-AE" sz="1400" dirty="0"/>
+            <a:endParaRPr lang="en-AE" sz="1200" dirty="0"/>
           </a:p>
         </p:txBody>
       </p:sp>
@@ -8940,7 +9049,7 @@
         </p:nvCxnSpPr>
         <p:spPr>
           <a:xfrm flipH="1">
-            <a:off x="8526574" y="3610653"/>
+            <a:off x="8380524" y="3677234"/>
             <a:ext cx="1" cy="667326"/>
           </a:xfrm>
           <a:prstGeom prst="straightConnector1">
@@ -8993,7 +9102,7 @@
         </p:blipFill>
         <p:spPr>
           <a:xfrm>
-            <a:off x="8069374" y="4277979"/>
+            <a:off x="7923324" y="4344560"/>
             <a:ext cx="914400" cy="914400"/>
           </a:xfrm>
           <a:prstGeom prst="rect">
@@ -9015,8 +9124,8 @@
         </p:nvSpPr>
         <p:spPr>
           <a:xfrm>
-            <a:off x="8526574" y="3846442"/>
-            <a:ext cx="998991" cy="307777"/>
+            <a:off x="8380524" y="3913023"/>
+            <a:ext cx="875561" cy="276999"/>
           </a:xfrm>
           <a:prstGeom prst="rect">
             <a:avLst/>
@@ -9030,14 +9139,14 @@
           <a:lstStyle/>
           <a:p>
             <a:r>
-              <a:rPr lang="en-US" sz="1400" dirty="0"/>
+              <a:rPr lang="en-US" sz="1200" dirty="0"/>
               <a:t>Reward R</a:t>
             </a:r>
             <a:r>
-              <a:rPr lang="en-US" sz="1400" baseline="-25000" dirty="0"/>
+              <a:rPr lang="en-US" sz="1200" baseline="-25000" dirty="0"/>
               <a:t>t</a:t>
             </a:r>
-            <a:endParaRPr lang="en-AE" sz="1400" dirty="0"/>
+            <a:endParaRPr lang="en-AE" sz="1200" dirty="0"/>
           </a:p>
         </p:txBody>
       </p:sp>
@@ -9059,7 +9168,7 @@
         </p:nvCxnSpPr>
         <p:spPr>
           <a:xfrm rot="5400000" flipH="1">
-            <a:off x="7203807" y="3869613"/>
+            <a:off x="7057757" y="3936194"/>
             <a:ext cx="1845229" cy="800305"/>
           </a:xfrm>
           <a:prstGeom prst="bentConnector4">
@@ -9101,8 +9210,8 @@
         </p:nvSpPr>
         <p:spPr>
           <a:xfrm>
-            <a:off x="6743700" y="4262568"/>
-            <a:ext cx="772969" cy="307777"/>
+            <a:off x="6597650" y="4329149"/>
+            <a:ext cx="723275" cy="276999"/>
           </a:xfrm>
           <a:prstGeom prst="rect">
             <a:avLst/>
@@ -9116,10 +9225,577 @@
           <a:lstStyle/>
           <a:p>
             <a:r>
-              <a:rPr lang="en-US" sz="1400" dirty="0"/>
+              <a:rPr lang="en-US" sz="1200" dirty="0"/>
               <a:t>t = t + 1</a:t>
             </a:r>
-            <a:endParaRPr lang="en-AE" sz="1400" dirty="0"/>
+            <a:endParaRPr lang="en-AE" sz="1200" dirty="0"/>
+          </a:p>
+        </p:txBody>
+      </p:sp>
+      <p:graphicFrame>
+        <p:nvGraphicFramePr>
+          <p:cNvPr id="9" name="Table 8">
+            <a:extLst>
+              <a:ext uri="{FF2B5EF4-FFF2-40B4-BE49-F238E27FC236}">
+                <a16:creationId xmlns:a16="http://schemas.microsoft.com/office/drawing/2014/main" id="{239FE25B-28F9-1AA2-92B8-2297E99A743B}"/>
+              </a:ext>
+            </a:extLst>
+          </p:cNvPr>
+          <p:cNvGraphicFramePr>
+            <a:graphicFrameLocks noGrp="1"/>
+          </p:cNvGraphicFramePr>
+          <p:nvPr>
+            <p:extLst>
+              <p:ext uri="{D42A27DB-BD31-4B8C-83A1-F6EECF244321}">
+                <p14:modId xmlns:p14="http://schemas.microsoft.com/office/powerpoint/2010/main" val="2618266714"/>
+              </p:ext>
+            </p:extLst>
+          </p:nvPr>
+        </p:nvGraphicFramePr>
+        <p:xfrm>
+          <a:off x="10649603" y="3150228"/>
+          <a:ext cx="1148412" cy="542484"/>
+        </p:xfrm>
+        <a:graphic>
+          <a:graphicData uri="http://schemas.openxmlformats.org/drawingml/2006/table">
+            <a:tbl>
+              <a:tblPr firstRow="1" bandRow="1">
+                <a:tableStyleId>{5C22544A-7EE6-4342-B048-85BDC9FD1C3A}</a:tableStyleId>
+              </a:tblPr>
+              <a:tblGrid>
+                <a:gridCol w="382804">
+                  <a:extLst>
+                    <a:ext uri="{9D8B030D-6E8A-4147-A177-3AD203B41FA5}">
+                      <a16:colId xmlns:a16="http://schemas.microsoft.com/office/drawing/2014/main" val="706021307"/>
+                    </a:ext>
+                  </a:extLst>
+                </a:gridCol>
+                <a:gridCol w="382804">
+                  <a:extLst>
+                    <a:ext uri="{9D8B030D-6E8A-4147-A177-3AD203B41FA5}">
+                      <a16:colId xmlns:a16="http://schemas.microsoft.com/office/drawing/2014/main" val="694572017"/>
+                    </a:ext>
+                  </a:extLst>
+                </a:gridCol>
+                <a:gridCol w="382804">
+                  <a:extLst>
+                    <a:ext uri="{9D8B030D-6E8A-4147-A177-3AD203B41FA5}">
+                      <a16:colId xmlns:a16="http://schemas.microsoft.com/office/drawing/2014/main" val="2958316292"/>
+                    </a:ext>
+                  </a:extLst>
+                </a:gridCol>
+              </a:tblGrid>
+              <a:tr h="177094">
+                <a:tc>
+                  <a:txBody>
+                    <a:bodyPr/>
+                    <a:lstStyle/>
+                    <a:p>
+                      <a:pPr algn="ctr"/>
+                      <a:endParaRPr lang="en-US" sz="900"/>
+                    </a:p>
+                  </a:txBody>
+                  <a:tcPr marL="43667" marR="43667" marT="21834" marB="21834"/>
+                </a:tc>
+                <a:tc>
+                  <a:txBody>
+                    <a:bodyPr/>
+                    <a:lstStyle/>
+                    <a:p>
+                      <a:pPr algn="ctr"/>
+                      <a:r>
+                        <a:rPr lang="en-US" sz="900" dirty="0"/>
+                        <a:t>A</a:t>
+                      </a:r>
+                      <a:r>
+                        <a:rPr lang="en-US" sz="900" baseline="-25000" dirty="0"/>
+                        <a:t>0</a:t>
+                      </a:r>
+                      <a:endParaRPr lang="en-US" sz="900" dirty="0"/>
+                    </a:p>
+                  </a:txBody>
+                  <a:tcPr marL="43667" marR="43667" marT="21834" marB="21834"/>
+                </a:tc>
+                <a:tc>
+                  <a:txBody>
+                    <a:bodyPr/>
+                    <a:lstStyle/>
+                    <a:p>
+                      <a:pPr marL="0" marR="0" lvl="0" indent="0" algn="ctr" defTabSz="914400" rtl="0" eaLnBrk="1" fontAlgn="auto" latinLnBrk="0" hangingPunct="1">
+                        <a:lnSpc>
+                          <a:spcPct val="100000"/>
+                        </a:lnSpc>
+                        <a:spcBef>
+                          <a:spcPts val="0"/>
+                        </a:spcBef>
+                        <a:spcAft>
+                          <a:spcPts val="0"/>
+                        </a:spcAft>
+                        <a:buClrTx/>
+                        <a:buSzTx/>
+                        <a:buFontTx/>
+                        <a:buNone/>
+                        <a:tabLst/>
+                        <a:defRPr/>
+                      </a:pPr>
+                      <a:r>
+                        <a:rPr lang="en-US" sz="900" dirty="0"/>
+                        <a:t>A</a:t>
+                      </a:r>
+                      <a:r>
+                        <a:rPr lang="en-US" sz="900" baseline="-25000" dirty="0"/>
+                        <a:t>1</a:t>
+                      </a:r>
+                      <a:endParaRPr lang="en-US" sz="900" dirty="0"/>
+                    </a:p>
+                  </a:txBody>
+                  <a:tcPr marL="43667" marR="43667" marT="21834" marB="21834"/>
+                </a:tc>
+                <a:extLst>
+                  <a:ext uri="{0D108BD9-81ED-4DB2-BD59-A6C34878D82A}">
+                    <a16:rowId xmlns:a16="http://schemas.microsoft.com/office/drawing/2014/main" val="1412786622"/>
+                  </a:ext>
+                </a:extLst>
+              </a:tr>
+              <a:tr h="177094">
+                <a:tc>
+                  <a:txBody>
+                    <a:bodyPr/>
+                    <a:lstStyle/>
+                    <a:p>
+                      <a:pPr algn="ctr"/>
+                      <a:r>
+                        <a:rPr lang="en-US" sz="900" dirty="0"/>
+                        <a:t>S</a:t>
+                      </a:r>
+                      <a:r>
+                        <a:rPr lang="en-US" sz="900" baseline="-25000" dirty="0"/>
+                        <a:t>0</a:t>
+                      </a:r>
+                      <a:endParaRPr lang="en-US" sz="900" dirty="0"/>
+                    </a:p>
+                  </a:txBody>
+                  <a:tcPr marL="43667" marR="43667" marT="21834" marB="21834"/>
+                </a:tc>
+                <a:tc>
+                  <a:txBody>
+                    <a:bodyPr/>
+                    <a:lstStyle/>
+                    <a:p>
+                      <a:pPr algn="ctr"/>
+                      <a:r>
+                        <a:rPr lang="en-US" sz="900" dirty="0"/>
+                        <a:t>-1.1</a:t>
+                      </a:r>
+                    </a:p>
+                  </a:txBody>
+                  <a:tcPr marL="43667" marR="43667" marT="21834" marB="21834"/>
+                </a:tc>
+                <a:tc>
+                  <a:txBody>
+                    <a:bodyPr/>
+                    <a:lstStyle/>
+                    <a:p>
+                      <a:pPr algn="ctr"/>
+                      <a:r>
+                        <a:rPr lang="en-US" sz="900" dirty="0"/>
+                        <a:t>2</a:t>
+                      </a:r>
+                    </a:p>
+                  </a:txBody>
+                  <a:tcPr marL="43667" marR="43667" marT="21834" marB="21834"/>
+                </a:tc>
+                <a:extLst>
+                  <a:ext uri="{0D108BD9-81ED-4DB2-BD59-A6C34878D82A}">
+                    <a16:rowId xmlns:a16="http://schemas.microsoft.com/office/drawing/2014/main" val="648188587"/>
+                  </a:ext>
+                </a:extLst>
+              </a:tr>
+              <a:tr h="177094">
+                <a:tc>
+                  <a:txBody>
+                    <a:bodyPr/>
+                    <a:lstStyle/>
+                    <a:p>
+                      <a:pPr marL="0" marR="0" lvl="0" indent="0" algn="ctr" defTabSz="914400" rtl="0" eaLnBrk="1" fontAlgn="auto" latinLnBrk="0" hangingPunct="1">
+                        <a:lnSpc>
+                          <a:spcPct val="100000"/>
+                        </a:lnSpc>
+                        <a:spcBef>
+                          <a:spcPts val="0"/>
+                        </a:spcBef>
+                        <a:spcAft>
+                          <a:spcPts val="0"/>
+                        </a:spcAft>
+                        <a:buClrTx/>
+                        <a:buSzTx/>
+                        <a:buFontTx/>
+                        <a:buNone/>
+                        <a:tabLst/>
+                        <a:defRPr/>
+                      </a:pPr>
+                      <a:r>
+                        <a:rPr lang="en-US" sz="900" dirty="0"/>
+                        <a:t>S</a:t>
+                      </a:r>
+                      <a:r>
+                        <a:rPr lang="en-US" sz="900" baseline="-25000" dirty="0"/>
+                        <a:t>1</a:t>
+                      </a:r>
+                      <a:endParaRPr lang="en-US" sz="900" dirty="0"/>
+                    </a:p>
+                  </a:txBody>
+                  <a:tcPr marL="43667" marR="43667" marT="21834" marB="21834"/>
+                </a:tc>
+                <a:tc>
+                  <a:txBody>
+                    <a:bodyPr/>
+                    <a:lstStyle/>
+                    <a:p>
+                      <a:pPr algn="ctr"/>
+                      <a:r>
+                        <a:rPr lang="en-US" sz="900" dirty="0"/>
+                        <a:t>0</a:t>
+                      </a:r>
+                    </a:p>
+                  </a:txBody>
+                  <a:tcPr marL="43667" marR="43667" marT="21834" marB="21834"/>
+                </a:tc>
+                <a:tc>
+                  <a:txBody>
+                    <a:bodyPr/>
+                    <a:lstStyle/>
+                    <a:p>
+                      <a:pPr algn="ctr"/>
+                      <a:r>
+                        <a:rPr lang="en-US" sz="900" dirty="0"/>
+                        <a:t>-0.5</a:t>
+                      </a:r>
+                    </a:p>
+                  </a:txBody>
+                  <a:tcPr marL="43667" marR="43667" marT="21834" marB="21834"/>
+                </a:tc>
+                <a:extLst>
+                  <a:ext uri="{0D108BD9-81ED-4DB2-BD59-A6C34878D82A}">
+                    <a16:rowId xmlns:a16="http://schemas.microsoft.com/office/drawing/2014/main" val="1141571311"/>
+                  </a:ext>
+                </a:extLst>
+              </a:tr>
+            </a:tbl>
+          </a:graphicData>
+        </a:graphic>
+      </p:graphicFrame>
+      <p:sp>
+        <p:nvSpPr>
+          <p:cNvPr id="11" name="TextBox 10">
+            <a:extLst>
+              <a:ext uri="{FF2B5EF4-FFF2-40B4-BE49-F238E27FC236}">
+                <a16:creationId xmlns:a16="http://schemas.microsoft.com/office/drawing/2014/main" id="{EFCBC517-085D-33B5-546D-E7562581D0CC}"/>
+              </a:ext>
+            </a:extLst>
+          </p:cNvPr>
+          <p:cNvSpPr txBox="1"/>
+          <p:nvPr/>
+        </p:nvSpPr>
+        <p:spPr>
+          <a:xfrm>
+            <a:off x="10854156" y="2876108"/>
+            <a:ext cx="739305" cy="276999"/>
+          </a:xfrm>
+          <a:prstGeom prst="rect">
+            <a:avLst/>
+          </a:prstGeom>
+          <a:noFill/>
+        </p:spPr>
+        <p:txBody>
+          <a:bodyPr wrap="none" rtlCol="0">
+            <a:spAutoFit/>
+          </a:bodyPr>
+          <a:lstStyle/>
+          <a:p>
+            <a:r>
+              <a:rPr lang="en-US" sz="1200" dirty="0"/>
+              <a:t>Q-Table</a:t>
+            </a:r>
+            <a:endParaRPr lang="en-AE" sz="1200" dirty="0"/>
+          </a:p>
+        </p:txBody>
+      </p:sp>
+      <p:cxnSp>
+        <p:nvCxnSpPr>
+          <p:cNvPr id="16" name="Connector: Elbow 15">
+            <a:extLst>
+              <a:ext uri="{FF2B5EF4-FFF2-40B4-BE49-F238E27FC236}">
+                <a16:creationId xmlns:a16="http://schemas.microsoft.com/office/drawing/2014/main" id="{32FF7166-D727-A1C8-0E70-C05E5FEE8BF7}"/>
+              </a:ext>
+            </a:extLst>
+          </p:cNvPr>
+          <p:cNvCxnSpPr>
+            <a:cxnSpLocks/>
+            <a:stCxn id="9" idx="1"/>
+            <a:endCxn id="18" idx="3"/>
+          </p:cNvCxnSpPr>
+          <p:nvPr/>
+        </p:nvCxnSpPr>
+        <p:spPr>
+          <a:xfrm rot="10800000">
+            <a:off x="9173315" y="2740424"/>
+            <a:ext cx="1476289" cy="681046"/>
+          </a:xfrm>
+          <a:prstGeom prst="bentConnector3">
+            <a:avLst>
+              <a:gd name="adj1" fmla="val 18600"/>
+            </a:avLst>
+          </a:prstGeom>
+          <a:ln>
+            <a:tailEnd type="triangle"/>
+          </a:ln>
+        </p:spPr>
+        <p:style>
+          <a:lnRef idx="1">
+            <a:schemeClr val="accent1"/>
+          </a:lnRef>
+          <a:fillRef idx="0">
+            <a:schemeClr val="accent1"/>
+          </a:fillRef>
+          <a:effectRef idx="0">
+            <a:schemeClr val="accent1"/>
+          </a:effectRef>
+          <a:fontRef idx="minor">
+            <a:schemeClr val="tx1"/>
+          </a:fontRef>
+        </p:style>
+      </p:cxnSp>
+      <p:cxnSp>
+        <p:nvCxnSpPr>
+          <p:cNvPr id="21" name="Connector: Elbow 20">
+            <a:extLst>
+              <a:ext uri="{FF2B5EF4-FFF2-40B4-BE49-F238E27FC236}">
+                <a16:creationId xmlns:a16="http://schemas.microsoft.com/office/drawing/2014/main" id="{8828A45C-B00A-EA58-AA15-EC4D3B1E5600}"/>
+              </a:ext>
+            </a:extLst>
+          </p:cNvPr>
+          <p:cNvCxnSpPr>
+            <a:stCxn id="26" idx="3"/>
+            <a:endCxn id="9" idx="2"/>
+          </p:cNvCxnSpPr>
+          <p:nvPr/>
+        </p:nvCxnSpPr>
+        <p:spPr>
+          <a:xfrm flipV="1">
+            <a:off x="9256085" y="3692712"/>
+            <a:ext cx="1967724" cy="358811"/>
+          </a:xfrm>
+          <a:prstGeom prst="bentConnector2">
+            <a:avLst/>
+          </a:prstGeom>
+          <a:ln>
+            <a:tailEnd type="triangle"/>
+          </a:ln>
+        </p:spPr>
+        <p:style>
+          <a:lnRef idx="1">
+            <a:schemeClr val="accent1"/>
+          </a:lnRef>
+          <a:fillRef idx="0">
+            <a:schemeClr val="accent1"/>
+          </a:fillRef>
+          <a:effectRef idx="0">
+            <a:schemeClr val="accent1"/>
+          </a:effectRef>
+          <a:fontRef idx="minor">
+            <a:schemeClr val="tx1"/>
+          </a:fontRef>
+        </p:style>
+      </p:cxnSp>
+      <p:sp>
+        <p:nvSpPr>
+          <p:cNvPr id="22" name="TextBox 21">
+            <a:extLst>
+              <a:ext uri="{FF2B5EF4-FFF2-40B4-BE49-F238E27FC236}">
+                <a16:creationId xmlns:a16="http://schemas.microsoft.com/office/drawing/2014/main" id="{C36BE368-7D0F-E5D2-1DF0-FC4518C583F4}"/>
+              </a:ext>
+            </a:extLst>
+          </p:cNvPr>
+          <p:cNvSpPr txBox="1"/>
+          <p:nvPr/>
+        </p:nvSpPr>
+        <p:spPr>
+          <a:xfrm>
+            <a:off x="9378529" y="2328011"/>
+            <a:ext cx="878766" cy="461665"/>
+          </a:xfrm>
+          <a:prstGeom prst="rect">
+            <a:avLst/>
+          </a:prstGeom>
+          <a:noFill/>
+        </p:spPr>
+        <p:txBody>
+          <a:bodyPr wrap="none" rtlCol="0">
+            <a:spAutoFit/>
+          </a:bodyPr>
+          <a:lstStyle/>
+          <a:p>
+            <a:pPr algn="ctr"/>
+            <a:r>
+              <a:rPr lang="en-AE" sz="1200" dirty="0"/>
+              <a:t>Random </a:t>
+            </a:r>
+          </a:p>
+          <a:p>
+            <a:pPr algn="ctr"/>
+            <a:r>
+              <a:rPr lang="en-AE" sz="1200" dirty="0"/>
+              <a:t>or Choose</a:t>
+            </a:r>
+          </a:p>
+        </p:txBody>
+      </p:sp>
+      <p:sp>
+        <p:nvSpPr>
+          <p:cNvPr id="29" name="TextBox 28">
+            <a:extLst>
+              <a:ext uri="{FF2B5EF4-FFF2-40B4-BE49-F238E27FC236}">
+                <a16:creationId xmlns:a16="http://schemas.microsoft.com/office/drawing/2014/main" id="{F820EC49-8387-6902-AC0D-38F4A48A908D}"/>
+              </a:ext>
+            </a:extLst>
+          </p:cNvPr>
+          <p:cNvSpPr txBox="1"/>
+          <p:nvPr/>
+        </p:nvSpPr>
+        <p:spPr>
+          <a:xfrm>
+            <a:off x="9831197" y="4047545"/>
+            <a:ext cx="684803" cy="276999"/>
+          </a:xfrm>
+          <a:prstGeom prst="rect">
+            <a:avLst/>
+          </a:prstGeom>
+          <a:noFill/>
+        </p:spPr>
+        <p:txBody>
+          <a:bodyPr wrap="none" rtlCol="0">
+            <a:spAutoFit/>
+          </a:bodyPr>
+          <a:lstStyle/>
+          <a:p>
+            <a:pPr algn="ctr"/>
+            <a:r>
+              <a:rPr lang="en-AE" sz="1200" dirty="0"/>
+              <a:t>Update</a:t>
+            </a:r>
+          </a:p>
+        </p:txBody>
+      </p:sp>
+      <p:cxnSp>
+        <p:nvCxnSpPr>
+          <p:cNvPr id="39" name="Connector: Elbow 38">
+            <a:extLst>
+              <a:ext uri="{FF2B5EF4-FFF2-40B4-BE49-F238E27FC236}">
+                <a16:creationId xmlns:a16="http://schemas.microsoft.com/office/drawing/2014/main" id="{6E2E3200-C926-BF98-2D80-5C003CA2CB40}"/>
+              </a:ext>
+            </a:extLst>
+          </p:cNvPr>
+          <p:cNvCxnSpPr>
+            <a:cxnSpLocks/>
+            <a:stCxn id="22" idx="0"/>
+            <a:endCxn id="40" idx="1"/>
+          </p:cNvCxnSpPr>
+          <p:nvPr/>
+        </p:nvCxnSpPr>
+        <p:spPr>
+          <a:xfrm rot="5400000" flipH="1" flipV="1">
+            <a:off x="9829473" y="1718248"/>
+            <a:ext cx="598203" cy="621324"/>
+          </a:xfrm>
+          <a:prstGeom prst="bentConnector2">
+            <a:avLst/>
+          </a:prstGeom>
+        </p:spPr>
+        <p:style>
+          <a:lnRef idx="1">
+            <a:schemeClr val="accent1"/>
+          </a:lnRef>
+          <a:fillRef idx="0">
+            <a:schemeClr val="accent1"/>
+          </a:fillRef>
+          <a:effectRef idx="0">
+            <a:schemeClr val="accent1"/>
+          </a:effectRef>
+          <a:fontRef idx="minor">
+            <a:schemeClr val="tx1"/>
+          </a:fontRef>
+        </p:style>
+      </p:cxnSp>
+      <p:sp>
+        <p:nvSpPr>
+          <p:cNvPr id="40" name="TextBox 39">
+            <a:extLst>
+              <a:ext uri="{FF2B5EF4-FFF2-40B4-BE49-F238E27FC236}">
+                <a16:creationId xmlns:a16="http://schemas.microsoft.com/office/drawing/2014/main" id="{6D638A16-C48F-29C4-3A43-BEC20C55E9A6}"/>
+              </a:ext>
+            </a:extLst>
+          </p:cNvPr>
+          <p:cNvSpPr txBox="1"/>
+          <p:nvPr/>
+        </p:nvSpPr>
+        <p:spPr>
+          <a:xfrm>
+            <a:off x="10439236" y="1314309"/>
+            <a:ext cx="1310440" cy="830997"/>
+          </a:xfrm>
+          <a:prstGeom prst="rect">
+            <a:avLst/>
+          </a:prstGeom>
+          <a:noFill/>
+        </p:spPr>
+        <p:txBody>
+          <a:bodyPr wrap="square" rtlCol="0">
+            <a:spAutoFit/>
+          </a:bodyPr>
+          <a:lstStyle/>
+          <a:p>
+            <a:pPr algn="ctr"/>
+            <a:r>
+              <a:rPr lang="en-AE" sz="1200" dirty="0"/>
+              <a:t>After learning for a while, the agent will follow Q-Table</a:t>
+            </a:r>
+          </a:p>
+        </p:txBody>
+      </p:sp>
+      <p:sp>
+        <p:nvSpPr>
+          <p:cNvPr id="47" name="TextBox 46">
+            <a:extLst>
+              <a:ext uri="{FF2B5EF4-FFF2-40B4-BE49-F238E27FC236}">
+                <a16:creationId xmlns:a16="http://schemas.microsoft.com/office/drawing/2014/main" id="{63E3B7A9-4C18-306D-C891-9983B0B7FD3A}"/>
+              </a:ext>
+            </a:extLst>
+          </p:cNvPr>
+          <p:cNvSpPr txBox="1"/>
+          <p:nvPr/>
+        </p:nvSpPr>
+        <p:spPr>
+          <a:xfrm>
+            <a:off x="7397963" y="5483236"/>
+            <a:ext cx="1019831" cy="276999"/>
+          </a:xfrm>
+          <a:prstGeom prst="rect">
+            <a:avLst/>
+          </a:prstGeom>
+          <a:noFill/>
+        </p:spPr>
+        <p:txBody>
+          <a:bodyPr wrap="none" rtlCol="0">
+            <a:spAutoFit/>
+          </a:bodyPr>
+          <a:lstStyle/>
+          <a:p>
+            <a:pPr algn="ctr"/>
+            <a:r>
+              <a:rPr lang="en-AE" sz="1200" dirty="0"/>
+              <a:t>End Episode</a:t>
+            </a:r>
           </a:p>
         </p:txBody>
       </p:sp>
@@ -9127,6 +9803,579 @@
     <p:extLst>
       <p:ext uri="{BB962C8B-B14F-4D97-AF65-F5344CB8AC3E}">
         <p14:creationId xmlns:p14="http://schemas.microsoft.com/office/powerpoint/2010/main" val="1270025113"/>
+      </p:ext>
+    </p:extLst>
+  </p:cSld>
+  <p:clrMapOvr>
+    <a:masterClrMapping/>
+  </p:clrMapOvr>
+</p:sld>
+</file>
+
+<file path=ppt/slides/slide11.xml><?xml version="1.0" encoding="utf-8"?>
+<p:sld xmlns:a="http://schemas.openxmlformats.org/drawingml/2006/main" xmlns:r="http://schemas.openxmlformats.org/officeDocument/2006/relationships" xmlns:p="http://schemas.openxmlformats.org/presentationml/2006/main">
+  <p:cSld>
+    <p:bg>
+      <p:bgPr>
+        <a:solidFill>
+          <a:schemeClr val="bg1"/>
+        </a:solidFill>
+        <a:effectLst/>
+      </p:bgPr>
+    </p:bg>
+    <p:spTree>
+      <p:nvGrpSpPr>
+        <p:cNvPr id="1" name="">
+          <a:extLst>
+            <a:ext uri="{FF2B5EF4-FFF2-40B4-BE49-F238E27FC236}">
+              <a16:creationId xmlns:a16="http://schemas.microsoft.com/office/drawing/2014/main" id="{A14B7878-FE3F-989F-FA43-2C4182935E2F}"/>
+            </a:ext>
+          </a:extLst>
+        </p:cNvPr>
+        <p:cNvGrpSpPr/>
+        <p:nvPr/>
+      </p:nvGrpSpPr>
+      <p:grpSpPr>
+        <a:xfrm>
+          <a:off x="0" y="0"/>
+          <a:ext cx="0" cy="0"/>
+          <a:chOff x="0" y="0"/>
+          <a:chExt cx="0" cy="0"/>
+        </a:xfrm>
+      </p:grpSpPr>
+      <p:sp useBgFill="1">
+        <p:nvSpPr>
+          <p:cNvPr id="1031" name="Rectangle 1030">
+            <a:extLst>
+              <a:ext uri="{FF2B5EF4-FFF2-40B4-BE49-F238E27FC236}">
+                <a16:creationId xmlns:a16="http://schemas.microsoft.com/office/drawing/2014/main" id="{5FE61FB8-97CF-F1C9-8CA8-1C795AE2FF5C}"/>
+              </a:ext>
+              <a:ext uri="{C183D7F6-B498-43B3-948B-1728B52AA6E4}">
+                <adec:decorative xmlns:adec="http://schemas.microsoft.com/office/drawing/2017/decorative" val="1"/>
+              </a:ext>
+            </a:extLst>
+          </p:cNvPr>
+          <p:cNvSpPr>
+            <a:spLocks noGrp="1" noRot="1" noChangeAspect="1" noMove="1" noResize="1" noEditPoints="1" noAdjustHandles="1" noChangeArrowheads="1" noChangeShapeType="1" noTextEdit="1"/>
+          </p:cNvSpPr>
+          <p:nvPr>
+            <p:extLst>
+              <p:ext uri="{386F3935-93C4-4BCD-93E2-E3B085C9AB24}">
+                <p16:designElem xmlns:p16="http://schemas.microsoft.com/office/powerpoint/2015/main" val="1"/>
+              </p:ext>
+            </p:extLst>
+          </p:nvPr>
+        </p:nvSpPr>
+        <p:spPr>
+          <a:xfrm>
+            <a:off x="0" y="0"/>
+            <a:ext cx="12192000" cy="6858000"/>
+          </a:xfrm>
+          <a:prstGeom prst="rect">
+            <a:avLst/>
+          </a:prstGeom>
+          <a:ln w="12700" cap="flat" cmpd="sng" algn="ctr">
+            <a:noFill/>
+            <a:prstDash val="solid"/>
+            <a:miter lim="800000"/>
+          </a:ln>
+          <a:effectLst/>
+          <a:extLst>
+            <a:ext uri="{91240B29-F687-4F45-9708-019B960494DF}">
+              <a14:hiddenLine xmlns:a14="http://schemas.microsoft.com/office/drawing/2010/main" w="12700" cap="flat" cmpd="sng" algn="ctr">
+                <a:solidFill>
+                  <a:schemeClr val="accent1">
+                    <a:shade val="50000"/>
+                  </a:schemeClr>
+                </a:solidFill>
+                <a:prstDash val="solid"/>
+                <a:miter lim="800000"/>
+              </a14:hiddenLine>
+            </a:ext>
+          </a:extLst>
+        </p:spPr>
+        <p:style>
+          <a:lnRef idx="2">
+            <a:schemeClr val="accent1">
+              <a:shade val="50000"/>
+            </a:schemeClr>
+          </a:lnRef>
+          <a:fillRef idx="1">
+            <a:schemeClr val="accent1"/>
+          </a:fillRef>
+          <a:effectRef idx="0">
+            <a:schemeClr val="accent1"/>
+          </a:effectRef>
+          <a:fontRef idx="minor">
+            <a:schemeClr val="lt1"/>
+          </a:fontRef>
+        </p:style>
+        <p:txBody>
+          <a:bodyPr rtlCol="0" anchor="ctr"/>
+          <a:lstStyle/>
+          <a:p>
+            <a:pPr algn="ctr"/>
+            <a:endParaRPr lang="en-US"/>
+          </a:p>
+        </p:txBody>
+      </p:sp>
+      <p:sp>
+        <p:nvSpPr>
+          <p:cNvPr id="2" name="Title 1">
+            <a:extLst>
+              <a:ext uri="{FF2B5EF4-FFF2-40B4-BE49-F238E27FC236}">
+                <a16:creationId xmlns:a16="http://schemas.microsoft.com/office/drawing/2014/main" id="{D45148AC-D8F2-88BD-414B-F07FAEBCEC2A}"/>
+              </a:ext>
+            </a:extLst>
+          </p:cNvPr>
+          <p:cNvSpPr>
+            <a:spLocks noGrp="1"/>
+          </p:cNvSpPr>
+          <p:nvPr>
+            <p:ph type="title"/>
+          </p:nvPr>
+        </p:nvSpPr>
+        <p:spPr>
+          <a:xfrm>
+            <a:off x="548640" y="950976"/>
+            <a:ext cx="5547360" cy="1828798"/>
+          </a:xfrm>
+        </p:spPr>
+        <p:txBody>
+          <a:bodyPr vert="horz" lIns="91440" tIns="45720" rIns="91440" bIns="45720" rtlCol="0" anchor="t">
+            <a:normAutofit/>
+          </a:bodyPr>
+          <a:lstStyle/>
+          <a:p>
+            <a:pPr marL="0" fontAlgn="base">
+              <a:spcAft>
+                <a:spcPct val="0"/>
+              </a:spcAft>
+            </a:pPr>
+            <a:r>
+              <a:rPr lang="en-US" sz="3200" dirty="0"/>
+              <a:t>Solar Battery Optimization</a:t>
+            </a:r>
+          </a:p>
+        </p:txBody>
+      </p:sp>
+      <p:cxnSp>
+        <p:nvCxnSpPr>
+          <p:cNvPr id="1033" name="Straight Connector 1032">
+            <a:extLst>
+              <a:ext uri="{FF2B5EF4-FFF2-40B4-BE49-F238E27FC236}">
+                <a16:creationId xmlns:a16="http://schemas.microsoft.com/office/drawing/2014/main" id="{D3B35766-8BC6-19DB-7087-C14E792311E9}"/>
+              </a:ext>
+              <a:ext uri="{C183D7F6-B498-43B3-948B-1728B52AA6E4}">
+                <adec:decorative xmlns:adec="http://schemas.microsoft.com/office/drawing/2017/decorative" val="1"/>
+              </a:ext>
+            </a:extLst>
+          </p:cNvPr>
+          <p:cNvCxnSpPr>
+            <a:cxnSpLocks noGrp="1" noRot="1" noChangeAspect="1" noMove="1" noResize="1" noEditPoints="1" noAdjustHandles="1" noChangeArrowheads="1" noChangeShapeType="1"/>
+          </p:cNvCxnSpPr>
+          <p:nvPr>
+            <p:extLst>
+              <p:ext uri="{386F3935-93C4-4BCD-93E2-E3B085C9AB24}">
+                <p16:designElem xmlns:p16="http://schemas.microsoft.com/office/powerpoint/2015/main" val="1"/>
+              </p:ext>
+            </p:extLst>
+          </p:nvPr>
+        </p:nvCxnSpPr>
+        <p:spPr>
+          <a:xfrm>
+            <a:off x="643467" y="678719"/>
+            <a:ext cx="10905066" cy="0"/>
+          </a:xfrm>
+          <a:prstGeom prst="line">
+            <a:avLst/>
+          </a:prstGeom>
+          <a:ln w="38100"/>
+        </p:spPr>
+        <p:style>
+          <a:lnRef idx="1">
+            <a:schemeClr val="accent1"/>
+          </a:lnRef>
+          <a:fillRef idx="0">
+            <a:schemeClr val="accent1"/>
+          </a:fillRef>
+          <a:effectRef idx="0">
+            <a:schemeClr val="accent1"/>
+          </a:effectRef>
+          <a:fontRef idx="minor">
+            <a:schemeClr val="tx1"/>
+          </a:fontRef>
+        </p:style>
+      </p:cxnSp>
+      <p:cxnSp>
+        <p:nvCxnSpPr>
+          <p:cNvPr id="1035" name="Straight Connector 1034">
+            <a:extLst>
+              <a:ext uri="{FF2B5EF4-FFF2-40B4-BE49-F238E27FC236}">
+                <a16:creationId xmlns:a16="http://schemas.microsoft.com/office/drawing/2014/main" id="{6AE11D1D-0097-7CAF-64C6-2FEC40B8F5D8}"/>
+              </a:ext>
+              <a:ext uri="{C183D7F6-B498-43B3-948B-1728B52AA6E4}">
+                <adec:decorative xmlns:adec="http://schemas.microsoft.com/office/drawing/2017/decorative" val="1"/>
+              </a:ext>
+            </a:extLst>
+          </p:cNvPr>
+          <p:cNvCxnSpPr>
+            <a:cxnSpLocks noGrp="1" noRot="1" noChangeAspect="1" noMove="1" noResize="1" noEditPoints="1" noAdjustHandles="1" noChangeArrowheads="1" noChangeShapeType="1"/>
+          </p:cNvCxnSpPr>
+          <p:nvPr>
+            <p:extLst>
+              <p:ext uri="{386F3935-93C4-4BCD-93E2-E3B085C9AB24}">
+                <p16:designElem xmlns:p16="http://schemas.microsoft.com/office/powerpoint/2015/main" val="1"/>
+              </p:ext>
+            </p:extLst>
+          </p:nvPr>
+        </p:nvCxnSpPr>
+        <p:spPr>
+          <a:xfrm>
+            <a:off x="643467" y="6309695"/>
+            <a:ext cx="10905066" cy="0"/>
+          </a:xfrm>
+          <a:prstGeom prst="line">
+            <a:avLst/>
+          </a:prstGeom>
+          <a:ln w="6350">
+            <a:solidFill>
+              <a:schemeClr val="tx1"/>
+            </a:solidFill>
+          </a:ln>
+        </p:spPr>
+        <p:style>
+          <a:lnRef idx="1">
+            <a:schemeClr val="accent1"/>
+          </a:lnRef>
+          <a:fillRef idx="0">
+            <a:schemeClr val="accent1"/>
+          </a:fillRef>
+          <a:effectRef idx="0">
+            <a:schemeClr val="accent1"/>
+          </a:effectRef>
+          <a:fontRef idx="minor">
+            <a:schemeClr val="tx1"/>
+          </a:fontRef>
+        </p:style>
+      </p:cxnSp>
+      <p:sp>
+        <p:nvSpPr>
+          <p:cNvPr id="7" name="TextBox 6">
+            <a:extLst>
+              <a:ext uri="{FF2B5EF4-FFF2-40B4-BE49-F238E27FC236}">
+                <a16:creationId xmlns:a16="http://schemas.microsoft.com/office/drawing/2014/main" id="{151B510C-893C-9108-24EC-0401E5902382}"/>
+              </a:ext>
+            </a:extLst>
+          </p:cNvPr>
+          <p:cNvSpPr txBox="1"/>
+          <p:nvPr/>
+        </p:nvSpPr>
+        <p:spPr>
+          <a:xfrm>
+            <a:off x="548640" y="1640445"/>
+            <a:ext cx="2261516" cy="1446550"/>
+          </a:xfrm>
+          <a:prstGeom prst="rect">
+            <a:avLst/>
+          </a:prstGeom>
+          <a:noFill/>
+        </p:spPr>
+        <p:txBody>
+          <a:bodyPr wrap="square">
+            <a:spAutoFit/>
+          </a:bodyPr>
+          <a:lstStyle/>
+          <a:p>
+            <a:r>
+              <a:rPr lang="en-US" sz="1600" b="1" dirty="0"/>
+              <a:t>Environment</a:t>
+            </a:r>
+          </a:p>
+          <a:p>
+            <a:endParaRPr lang="en-US" sz="1600" b="1" dirty="0"/>
+          </a:p>
+          <a:p>
+            <a:r>
+              <a:rPr lang="en-US" sz="1400" b="1" dirty="0"/>
+              <a:t>Varies at each Hour</a:t>
+            </a:r>
+          </a:p>
+          <a:p>
+            <a:r>
+              <a:rPr lang="en-US" sz="1400" dirty="0"/>
+              <a:t>Solar Energy (kWh)</a:t>
+            </a:r>
+          </a:p>
+          <a:p>
+            <a:r>
+              <a:rPr lang="en-US" sz="1400" dirty="0"/>
+              <a:t>Electricity Cost (c/kWh)</a:t>
+            </a:r>
+          </a:p>
+          <a:p>
+            <a:r>
+              <a:rPr lang="en-US" sz="1400" dirty="0"/>
+              <a:t>Load Profile (kWh)</a:t>
+            </a:r>
+          </a:p>
+        </p:txBody>
+      </p:sp>
+      <p:sp>
+        <p:nvSpPr>
+          <p:cNvPr id="12" name="TextBox 11">
+            <a:extLst>
+              <a:ext uri="{FF2B5EF4-FFF2-40B4-BE49-F238E27FC236}">
+                <a16:creationId xmlns:a16="http://schemas.microsoft.com/office/drawing/2014/main" id="{14D54B1D-0A15-03A0-16A9-31DD03D936D0}"/>
+              </a:ext>
+            </a:extLst>
+          </p:cNvPr>
+          <p:cNvSpPr txBox="1"/>
+          <p:nvPr/>
+        </p:nvSpPr>
+        <p:spPr>
+          <a:xfrm>
+            <a:off x="2938967" y="1640445"/>
+            <a:ext cx="2722034" cy="1015663"/>
+          </a:xfrm>
+          <a:prstGeom prst="rect">
+            <a:avLst/>
+          </a:prstGeom>
+          <a:noFill/>
+        </p:spPr>
+        <p:txBody>
+          <a:bodyPr wrap="square">
+            <a:spAutoFit/>
+          </a:bodyPr>
+          <a:lstStyle/>
+          <a:p>
+            <a:r>
+              <a:rPr lang="en-US" sz="1600" b="1" dirty="0"/>
+              <a:t>State</a:t>
+            </a:r>
+          </a:p>
+          <a:p>
+            <a:endParaRPr lang="en-US" sz="1600" b="1" dirty="0"/>
+          </a:p>
+          <a:p>
+            <a:r>
+              <a:rPr lang="en-US" sz="1400" dirty="0"/>
+              <a:t>Hour (0 – 23)</a:t>
+            </a:r>
+          </a:p>
+          <a:p>
+            <a:r>
+              <a:rPr lang="en-US" sz="1400" dirty="0"/>
+              <a:t>Battery Levels (initial =  3 kWh)</a:t>
+            </a:r>
+          </a:p>
+        </p:txBody>
+      </p:sp>
+      <p:sp>
+        <p:nvSpPr>
+          <p:cNvPr id="13" name="TextBox 12">
+            <a:extLst>
+              <a:ext uri="{FF2B5EF4-FFF2-40B4-BE49-F238E27FC236}">
+                <a16:creationId xmlns:a16="http://schemas.microsoft.com/office/drawing/2014/main" id="{5C9C0574-C34D-DA9E-F877-62EF2A3C6096}"/>
+              </a:ext>
+            </a:extLst>
+          </p:cNvPr>
+          <p:cNvSpPr txBox="1"/>
+          <p:nvPr/>
+        </p:nvSpPr>
+        <p:spPr>
+          <a:xfrm>
+            <a:off x="5789812" y="1640445"/>
+            <a:ext cx="2339037" cy="1446550"/>
+          </a:xfrm>
+          <a:prstGeom prst="rect">
+            <a:avLst/>
+          </a:prstGeom>
+          <a:noFill/>
+        </p:spPr>
+        <p:txBody>
+          <a:bodyPr wrap="square">
+            <a:spAutoFit/>
+          </a:bodyPr>
+          <a:lstStyle/>
+          <a:p>
+            <a:r>
+              <a:rPr lang="en-US" sz="1600" b="1" dirty="0"/>
+              <a:t>Actions</a:t>
+            </a:r>
+          </a:p>
+          <a:p>
+            <a:endParaRPr lang="en-US" sz="1600" b="1" dirty="0"/>
+          </a:p>
+          <a:p>
+            <a:r>
+              <a:rPr lang="en-US" sz="1400" dirty="0"/>
+              <a:t>If </a:t>
+            </a:r>
+            <a:r>
+              <a:rPr lang="en-US" sz="1400" b="1" dirty="0"/>
+              <a:t>Charge:</a:t>
+            </a:r>
+          </a:p>
+          <a:p>
+            <a:r>
+              <a:rPr lang="en-US" sz="1400" b="1" dirty="0"/>
+              <a:t>    </a:t>
+            </a:r>
+            <a:r>
+              <a:rPr lang="en-US" sz="1400" dirty="0"/>
+              <a:t>Battery Level Increases</a:t>
+            </a:r>
+            <a:endParaRPr lang="en-US" sz="1400" b="1" dirty="0"/>
+          </a:p>
+          <a:p>
+            <a:r>
+              <a:rPr lang="en-US" sz="1400" dirty="0"/>
+              <a:t>If </a:t>
+            </a:r>
+            <a:r>
+              <a:rPr lang="en-US" sz="1400" b="1" dirty="0"/>
+              <a:t>Discharge:</a:t>
+            </a:r>
+          </a:p>
+          <a:p>
+            <a:r>
+              <a:rPr lang="en-US" sz="1400" b="1" dirty="0"/>
+              <a:t>    </a:t>
+            </a:r>
+            <a:r>
+              <a:rPr lang="en-US" sz="1400" dirty="0"/>
+              <a:t>Battery Level Decreases</a:t>
+            </a:r>
+          </a:p>
+        </p:txBody>
+      </p:sp>
+      <p:sp>
+        <p:nvSpPr>
+          <p:cNvPr id="14" name="TextBox 13">
+            <a:extLst>
+              <a:ext uri="{FF2B5EF4-FFF2-40B4-BE49-F238E27FC236}">
+                <a16:creationId xmlns:a16="http://schemas.microsoft.com/office/drawing/2014/main" id="{5449A196-497E-07D5-7976-977DA0AE8F94}"/>
+              </a:ext>
+            </a:extLst>
+          </p:cNvPr>
+          <p:cNvSpPr txBox="1"/>
+          <p:nvPr/>
+        </p:nvSpPr>
+        <p:spPr>
+          <a:xfrm>
+            <a:off x="8257660" y="1640445"/>
+            <a:ext cx="3290873" cy="1661993"/>
+          </a:xfrm>
+          <a:prstGeom prst="rect">
+            <a:avLst/>
+          </a:prstGeom>
+          <a:noFill/>
+        </p:spPr>
+        <p:txBody>
+          <a:bodyPr wrap="square">
+            <a:spAutoFit/>
+          </a:bodyPr>
+          <a:lstStyle/>
+          <a:p>
+            <a:r>
+              <a:rPr lang="en-US" sz="1600" b="1" dirty="0"/>
+              <a:t>Rewards</a:t>
+            </a:r>
+          </a:p>
+          <a:p>
+            <a:endParaRPr lang="en-US" sz="1600" b="1" dirty="0"/>
+          </a:p>
+          <a:p>
+            <a:r>
+              <a:rPr lang="en-US" sz="1400" b="1" dirty="0">
+                <a:solidFill>
+                  <a:srgbClr val="FF0000"/>
+                </a:solidFill>
+              </a:rPr>
+              <a:t>- Electricity Cost</a:t>
+            </a:r>
+          </a:p>
+          <a:p>
+            <a:r>
+              <a:rPr lang="en-US" sz="1400" dirty="0"/>
+              <a:t>If </a:t>
+            </a:r>
+            <a:r>
+              <a:rPr lang="en-US" sz="1400" b="1" dirty="0"/>
+              <a:t>Charge:</a:t>
+            </a:r>
+          </a:p>
+          <a:p>
+            <a:r>
+              <a:rPr lang="en-US" sz="1400" b="1" dirty="0"/>
+              <a:t>    </a:t>
+            </a:r>
+            <a:r>
+              <a:rPr lang="en-US" sz="1400" dirty="0"/>
+              <a:t>Electricity Cost × Load Profile</a:t>
+            </a:r>
+            <a:endParaRPr lang="en-US" sz="1400" b="1" dirty="0"/>
+          </a:p>
+          <a:p>
+            <a:r>
+              <a:rPr lang="en-US" sz="1400" dirty="0"/>
+              <a:t>If </a:t>
+            </a:r>
+            <a:r>
+              <a:rPr lang="en-US" sz="1400" b="1" dirty="0"/>
+              <a:t>Discharge:</a:t>
+            </a:r>
+          </a:p>
+          <a:p>
+            <a:r>
+              <a:rPr lang="en-US" sz="1400" dirty="0"/>
+              <a:t>    Electricity Cost × Excess Load Profile</a:t>
+            </a:r>
+            <a:endParaRPr lang="en-US" sz="1400" b="1" dirty="0"/>
+          </a:p>
+        </p:txBody>
+      </p:sp>
+      <p:pic>
+        <p:nvPicPr>
+          <p:cNvPr id="32" name="Picture 31" descr="A graph with blue and orange lines&#10;&#10;Description automatically generated">
+            <a:extLst>
+              <a:ext uri="{FF2B5EF4-FFF2-40B4-BE49-F238E27FC236}">
+                <a16:creationId xmlns:a16="http://schemas.microsoft.com/office/drawing/2014/main" id="{6C75FBED-2505-EFCD-D348-2EE1E6F6BFCD}"/>
+              </a:ext>
+            </a:extLst>
+          </p:cNvPr>
+          <p:cNvPicPr>
+            <a:picLocks noChangeAspect="1"/>
+          </p:cNvPicPr>
+          <p:nvPr/>
+        </p:nvPicPr>
+        <p:blipFill>
+          <a:blip r:embed="rId3">
+            <a:extLst>
+              <a:ext uri="{28A0092B-C50C-407E-A947-70E740481C1C}">
+                <a14:useLocalDpi xmlns:a14="http://schemas.microsoft.com/office/drawing/2010/main" val="0"/>
+              </a:ext>
+            </a:extLst>
+          </a:blip>
+          <a:stretch>
+            <a:fillRect/>
+          </a:stretch>
+        </p:blipFill>
+        <p:spPr>
+          <a:xfrm>
+            <a:off x="0" y="3541163"/>
+            <a:ext cx="12192000" cy="2529807"/>
+          </a:xfrm>
+          <a:prstGeom prst="rect">
+            <a:avLst/>
+          </a:prstGeom>
+        </p:spPr>
+      </p:pic>
+    </p:spTree>
+    <p:extLst>
+      <p:ext uri="{BB962C8B-B14F-4D97-AF65-F5344CB8AC3E}">
+        <p14:creationId xmlns:p14="http://schemas.microsoft.com/office/powerpoint/2010/main" val="322152223"/>
       </p:ext>
     </p:extLst>
   </p:cSld>
